--- a/neural_lm_0928.pptx
+++ b/neural_lm_0928.pptx
@@ -235,7 +235,7 @@
           <a:p>
             <a:fld id="{1527065D-CFE8-E24C-A215-C0B70AB19EDA}" type="datetimeFigureOut">
               <a:rPr lang="en-US" smtClean="0"/>
-              <a:t>10/9/18</a:t>
+              <a:t>10/27/18</a:t>
             </a:fld>
             <a:endParaRPr lang="en-US"/>
           </a:p>
@@ -299,38 +299,37 @@
           <a:p>
             <a:pPr lvl="0"/>
             <a:r>
-              <a:rPr lang="en-US" smtClean="0"/>
+              <a:rPr lang="en-US"/>
               <a:t>Click to edit Master text styles</a:t>
             </a:r>
           </a:p>
           <a:p>
             <a:pPr lvl="1"/>
             <a:r>
-              <a:rPr lang="en-US" smtClean="0"/>
+              <a:rPr lang="en-US"/>
               <a:t>Second level</a:t>
             </a:r>
           </a:p>
           <a:p>
             <a:pPr lvl="2"/>
             <a:r>
-              <a:rPr lang="en-US" smtClean="0"/>
+              <a:rPr lang="en-US"/>
               <a:t>Third level</a:t>
             </a:r>
           </a:p>
           <a:p>
             <a:pPr lvl="3"/>
             <a:r>
-              <a:rPr lang="en-US" smtClean="0"/>
+              <a:rPr lang="en-US"/>
               <a:t>Fourth level</a:t>
             </a:r>
           </a:p>
           <a:p>
             <a:pPr lvl="4"/>
             <a:r>
-              <a:rPr lang="en-US" smtClean="0"/>
+              <a:rPr lang="en-US"/>
               <a:t>Fifth level</a:t>
             </a:r>
-            <a:endParaRPr lang="en-US"/>
           </a:p>
         </p:txBody>
       </p:sp>
@@ -631,6 +630,110 @@
           <a:bodyPr/>
           <a:lstStyle/>
           <a:p>
+            <a:r>
+              <a:rPr lang="en-US" dirty="0"/>
+              <a:t>Sigmoid, </a:t>
+            </a:r>
+            <a:r>
+              <a:rPr lang="en-US" dirty="0" err="1"/>
+              <a:t>tanh</a:t>
+            </a:r>
+            <a:r>
+              <a:rPr lang="en-US" dirty="0"/>
+              <a:t>,</a:t>
+            </a:r>
+            <a:r>
+              <a:rPr lang="en-US" baseline="0" dirty="0"/>
+              <a:t> </a:t>
+            </a:r>
+            <a:r>
+              <a:rPr lang="en-US" baseline="0" dirty="0" err="1"/>
+              <a:t>relu</a:t>
+            </a:r>
+            <a:endParaRPr lang="en-US" dirty="0"/>
+          </a:p>
+        </p:txBody>
+      </p:sp>
+      <p:sp>
+        <p:nvSpPr>
+          <p:cNvPr id="4" name="Slide Number Placeholder 3"/>
+          <p:cNvSpPr>
+            <a:spLocks noGrp="1"/>
+          </p:cNvSpPr>
+          <p:nvPr>
+            <p:ph type="sldNum" sz="quarter" idx="10"/>
+          </p:nvPr>
+        </p:nvSpPr>
+        <p:spPr/>
+        <p:txBody>
+          <a:bodyPr/>
+          <a:lstStyle/>
+          <a:p>
+            <a:fld id="{D890BBE1-2F7F-462B-948A-F73CE40686D9}" type="slidenum">
+              <a:rPr lang="en-US" smtClean="0"/>
+              <a:t>13</a:t>
+            </a:fld>
+            <a:endParaRPr lang="en-US"/>
+          </a:p>
+        </p:txBody>
+      </p:sp>
+    </p:spTree>
+    <p:extLst>
+      <p:ext uri="{BB962C8B-B14F-4D97-AF65-F5344CB8AC3E}">
+        <p14:creationId xmlns:p14="http://schemas.microsoft.com/office/powerpoint/2010/main" val="642398813"/>
+      </p:ext>
+    </p:extLst>
+  </p:cSld>
+  <p:clrMapOvr>
+    <a:masterClrMapping/>
+  </p:clrMapOvr>
+</p:notes>
+</file>
+
+<file path=ppt/notesSlides/notesSlide11.xml><?xml version="1.0" encoding="utf-8"?>
+<p:notes xmlns:a="http://schemas.openxmlformats.org/drawingml/2006/main" xmlns:r="http://schemas.openxmlformats.org/officeDocument/2006/relationships" xmlns:p="http://schemas.openxmlformats.org/presentationml/2006/main">
+  <p:cSld>
+    <p:spTree>
+      <p:nvGrpSpPr>
+        <p:cNvPr id="1" name=""/>
+        <p:cNvGrpSpPr/>
+        <p:nvPr/>
+      </p:nvGrpSpPr>
+      <p:grpSpPr>
+        <a:xfrm>
+          <a:off x="0" y="0"/>
+          <a:ext cx="0" cy="0"/>
+          <a:chOff x="0" y="0"/>
+          <a:chExt cx="0" cy="0"/>
+        </a:xfrm>
+      </p:grpSpPr>
+      <p:sp>
+        <p:nvSpPr>
+          <p:cNvPr id="2" name="Slide Image Placeholder 1"/>
+          <p:cNvSpPr>
+            <a:spLocks noGrp="1" noRot="1" noChangeAspect="1"/>
+          </p:cNvSpPr>
+          <p:nvPr>
+            <p:ph type="sldImg"/>
+          </p:nvPr>
+        </p:nvSpPr>
+        <p:spPr/>
+      </p:sp>
+      <p:sp>
+        <p:nvSpPr>
+          <p:cNvPr id="3" name="Notes Placeholder 2"/>
+          <p:cNvSpPr>
+            <a:spLocks noGrp="1"/>
+          </p:cNvSpPr>
+          <p:nvPr>
+            <p:ph type="body" idx="1"/>
+          </p:nvPr>
+        </p:nvSpPr>
+        <p:spPr/>
+        <p:txBody>
+          <a:bodyPr/>
+          <a:lstStyle/>
+          <a:p>
             <a:endParaRPr lang="en-US" dirty="0"/>
           </a:p>
         </p:txBody>
@@ -671,7 +774,7 @@
 </p:notes>
 </file>
 
-<file path=ppt/notesSlides/notesSlide11.xml><?xml version="1.0" encoding="utf-8"?>
+<file path=ppt/notesSlides/notesSlide12.xml><?xml version="1.0" encoding="utf-8"?>
 <p:notes xmlns:a="http://schemas.openxmlformats.org/drawingml/2006/main" xmlns:r="http://schemas.openxmlformats.org/officeDocument/2006/relationships" xmlns:p="http://schemas.openxmlformats.org/presentationml/2006/main">
   <p:cSld>
     <p:spTree>
@@ -755,7 +858,7 @@
 </p:notes>
 </file>
 
-<file path=ppt/notesSlides/notesSlide12.xml><?xml version="1.0" encoding="utf-8"?>
+<file path=ppt/notesSlides/notesSlide13.xml><?xml version="1.0" encoding="utf-8"?>
 <p:notes xmlns:a="http://schemas.openxmlformats.org/drawingml/2006/main" xmlns:r="http://schemas.openxmlformats.org/officeDocument/2006/relationships" xmlns:p="http://schemas.openxmlformats.org/presentationml/2006/main">
   <p:cSld>
     <p:spTree>
@@ -839,7 +942,7 @@
 </p:notes>
 </file>
 
-<file path=ppt/notesSlides/notesSlide13.xml><?xml version="1.0" encoding="utf-8"?>
+<file path=ppt/notesSlides/notesSlide14.xml><?xml version="1.0" encoding="utf-8"?>
 <p:notes xmlns:a="http://schemas.openxmlformats.org/drawingml/2006/main" xmlns:r="http://schemas.openxmlformats.org/officeDocument/2006/relationships" xmlns:p="http://schemas.openxmlformats.org/presentationml/2006/main">
   <p:cSld>
     <p:spTree>
@@ -923,7 +1026,116 @@
 </p:notes>
 </file>
 
-<file path=ppt/notesSlides/notesSlide14.xml><?xml version="1.0" encoding="utf-8"?>
+<file path=ppt/notesSlides/notesSlide15.xml><?xml version="1.0" encoding="utf-8"?>
+<p:notes xmlns:a="http://schemas.openxmlformats.org/drawingml/2006/main" xmlns:r="http://schemas.openxmlformats.org/officeDocument/2006/relationships" xmlns:p="http://schemas.openxmlformats.org/presentationml/2006/main">
+  <p:cSld>
+    <p:spTree>
+      <p:nvGrpSpPr>
+        <p:cNvPr id="1" name=""/>
+        <p:cNvGrpSpPr/>
+        <p:nvPr/>
+      </p:nvGrpSpPr>
+      <p:grpSpPr>
+        <a:xfrm>
+          <a:off x="0" y="0"/>
+          <a:ext cx="0" cy="0"/>
+          <a:chOff x="0" y="0"/>
+          <a:chExt cx="0" cy="0"/>
+        </a:xfrm>
+      </p:grpSpPr>
+      <p:sp>
+        <p:nvSpPr>
+          <p:cNvPr id="2" name="Slide Image Placeholder 1"/>
+          <p:cNvSpPr>
+            <a:spLocks noGrp="1" noRot="1" noChangeAspect="1"/>
+          </p:cNvSpPr>
+          <p:nvPr>
+            <p:ph type="sldImg"/>
+          </p:nvPr>
+        </p:nvSpPr>
+        <p:spPr/>
+      </p:sp>
+      <p:sp>
+        <p:nvSpPr>
+          <p:cNvPr id="3" name="Notes Placeholder 2"/>
+          <p:cNvSpPr>
+            <a:spLocks noGrp="1"/>
+          </p:cNvSpPr>
+          <p:nvPr>
+            <p:ph type="body" idx="1"/>
+          </p:nvPr>
+        </p:nvSpPr>
+        <p:spPr/>
+        <p:txBody>
+          <a:bodyPr/>
+          <a:lstStyle/>
+          <a:p>
+            <a:r>
+              <a:rPr lang="en-US" dirty="0"/>
+              <a:t>U,V, and W are just different weights matrices. U the is weight matrix for the input, W is the weight matrix for the previous state output (ht-1) and V is the weight matrix of the output.</a:t>
+            </a:r>
+          </a:p>
+          <a:p>
+            <a:r>
+              <a:rPr lang="en-US" dirty="0"/>
+              <a:t>https://</a:t>
+            </a:r>
+            <a:r>
+              <a:rPr lang="en-US" dirty="0" err="1"/>
+              <a:t>www.youtube.com</a:t>
+            </a:r>
+            <a:r>
+              <a:rPr lang="en-US" dirty="0"/>
+              <a:t>/</a:t>
+            </a:r>
+            <a:r>
+              <a:rPr lang="en-US" dirty="0" err="1"/>
+              <a:t>watch?v</a:t>
+            </a:r>
+            <a:r>
+              <a:rPr lang="en-US" dirty="0"/>
+              <a:t>=6niqTuYFZLQ</a:t>
+            </a:r>
+          </a:p>
+        </p:txBody>
+      </p:sp>
+      <p:sp>
+        <p:nvSpPr>
+          <p:cNvPr id="4" name="Slide Number Placeholder 3"/>
+          <p:cNvSpPr>
+            <a:spLocks noGrp="1"/>
+          </p:cNvSpPr>
+          <p:nvPr>
+            <p:ph type="sldNum" sz="quarter" idx="10"/>
+          </p:nvPr>
+        </p:nvSpPr>
+        <p:spPr/>
+        <p:txBody>
+          <a:bodyPr/>
+          <a:lstStyle/>
+          <a:p>
+            <a:fld id="{D890BBE1-2F7F-462B-948A-F73CE40686D9}" type="slidenum">
+              <a:rPr lang="en-US" smtClean="0"/>
+              <a:t>20</a:t>
+            </a:fld>
+            <a:endParaRPr lang="en-US"/>
+          </a:p>
+        </p:txBody>
+      </p:sp>
+    </p:spTree>
+    <p:extLst>
+      <p:ext uri="{BB962C8B-B14F-4D97-AF65-F5344CB8AC3E}">
+        <p14:creationId xmlns:p14="http://schemas.microsoft.com/office/powerpoint/2010/main" val="1469510342"/>
+      </p:ext>
+    </p:extLst>
+  </p:cSld>
+  <p:clrMapOvr>
+    <a:masterClrMapping/>
+  </p:clrMapOvr>
+</p:notes>
+</file>
+
+<file path=ppt/notesSlides/notesSlide16.xml><?xml version="1.0" encoding="utf-8"?>
 <p:notes xmlns:a="http://schemas.openxmlformats.org/drawingml/2006/main" xmlns:r="http://schemas.openxmlformats.org/officeDocument/2006/relationships" xmlns:p="http://schemas.openxmlformats.org/presentationml/2006/main">
   <p:cSld>
     <p:spTree>
@@ -978,7 +1190,7 @@
             <a:spLocks noGrp="1"/>
           </p:cNvSpPr>
           <p:nvPr>
-            <p:ph type="sldNum" sz="quarter" idx="10"/>
+            <p:ph type="sldNum" sz="quarter" idx="5"/>
           </p:nvPr>
         </p:nvSpPr>
         <p:spPr/>
@@ -986,9 +1198,9 @@
           <a:bodyPr/>
           <a:lstStyle/>
           <a:p>
-            <a:fld id="{D890BBE1-2F7F-462B-948A-F73CE40686D9}" type="slidenum">
+            <a:fld id="{0B6E3F2F-7406-874B-B859-6F6D807BCEDC}" type="slidenum">
               <a:rPr lang="en-US" smtClean="0"/>
-              <a:t>20</a:t>
+              <a:t>21</a:t>
             </a:fld>
             <a:endParaRPr lang="en-US"/>
           </a:p>
@@ -997,7 +1209,7 @@
     </p:spTree>
     <p:extLst>
       <p:ext uri="{BB962C8B-B14F-4D97-AF65-F5344CB8AC3E}">
-        <p14:creationId xmlns:p14="http://schemas.microsoft.com/office/powerpoint/2010/main" val="1469510342"/>
+        <p14:creationId xmlns:p14="http://schemas.microsoft.com/office/powerpoint/2010/main" val="1424113741"/>
       </p:ext>
     </p:extLst>
   </p:cSld>
@@ -1007,7 +1219,7 @@
 </p:notes>
 </file>
 
-<file path=ppt/notesSlides/notesSlide15.xml><?xml version="1.0" encoding="utf-8"?>
+<file path=ppt/notesSlides/notesSlide17.xml><?xml version="1.0" encoding="utf-8"?>
 <p:notes xmlns:a="http://schemas.openxmlformats.org/drawingml/2006/main" xmlns:r="http://schemas.openxmlformats.org/officeDocument/2006/relationships" xmlns:p="http://schemas.openxmlformats.org/presentationml/2006/main">
   <p:cSld>
     <p:spTree>
@@ -1052,10 +1264,9 @@
           <a:lstStyle/>
           <a:p>
             <a:r>
-              <a:rPr lang="en-US" dirty="0" smtClean="0"/>
+              <a:rPr lang="en-US" dirty="0"/>
               <a:t>Brain storm, why?</a:t>
             </a:r>
-            <a:endParaRPr lang="en-US" dirty="0"/>
           </a:p>
         </p:txBody>
       </p:sp>
@@ -1095,7 +1306,7 @@
 </p:notes>
 </file>
 
-<file path=ppt/notesSlides/notesSlide16.xml><?xml version="1.0" encoding="utf-8"?>
+<file path=ppt/notesSlides/notesSlide18.xml><?xml version="1.0" encoding="utf-8"?>
 <p:notes xmlns:a="http://schemas.openxmlformats.org/drawingml/2006/main" xmlns:r="http://schemas.openxmlformats.org/officeDocument/2006/relationships" xmlns:p="http://schemas.openxmlformats.org/presentationml/2006/main">
   <p:cSld>
     <p:spTree>
@@ -1157,7 +1368,7 @@
               <a:defRPr/>
             </a:pPr>
             <a:r>
-              <a:rPr lang="en-US" dirty="0" smtClean="0"/>
+              <a:rPr lang="en-US" dirty="0"/>
               <a:t>Brain storm, why?</a:t>
             </a:r>
           </a:p>
@@ -1202,7 +1413,7 @@
 </p:notes>
 </file>
 
-<file path=ppt/notesSlides/notesSlide17.xml><?xml version="1.0" encoding="utf-8"?>
+<file path=ppt/notesSlides/notesSlide19.xml><?xml version="1.0" encoding="utf-8"?>
 <p:notes xmlns:a="http://schemas.openxmlformats.org/drawingml/2006/main" xmlns:r="http://schemas.openxmlformats.org/officeDocument/2006/relationships" xmlns:p="http://schemas.openxmlformats.org/presentationml/2006/main">
   <p:cSld>
     <p:spTree>
@@ -1286,7 +1497,97 @@
 </p:notes>
 </file>
 
-<file path=ppt/notesSlides/notesSlide18.xml><?xml version="1.0" encoding="utf-8"?>
+<file path=ppt/notesSlides/notesSlide2.xml><?xml version="1.0" encoding="utf-8"?>
+<p:notes xmlns:a="http://schemas.openxmlformats.org/drawingml/2006/main" xmlns:r="http://schemas.openxmlformats.org/officeDocument/2006/relationships" xmlns:p="http://schemas.openxmlformats.org/presentationml/2006/main">
+  <p:cSld>
+    <p:spTree>
+      <p:nvGrpSpPr>
+        <p:cNvPr id="1" name=""/>
+        <p:cNvGrpSpPr/>
+        <p:nvPr/>
+      </p:nvGrpSpPr>
+      <p:grpSpPr>
+        <a:xfrm>
+          <a:off x="0" y="0"/>
+          <a:ext cx="0" cy="0"/>
+          <a:chOff x="0" y="0"/>
+          <a:chExt cx="0" cy="0"/>
+        </a:xfrm>
+      </p:grpSpPr>
+      <p:sp>
+        <p:nvSpPr>
+          <p:cNvPr id="95234" name="Rectangle 2"/>
+          <p:cNvSpPr>
+            <a:spLocks noGrp="1" noRot="1" noChangeAspect="1" noChangeArrowheads="1" noTextEdit="1"/>
+          </p:cNvSpPr>
+          <p:nvPr>
+            <p:ph type="sldImg"/>
+          </p:nvPr>
+        </p:nvSpPr>
+        <p:spPr>
+          <a:ln/>
+        </p:spPr>
+      </p:sp>
+      <p:sp>
+        <p:nvSpPr>
+          <p:cNvPr id="95235" name="Rectangle 3"/>
+          <p:cNvSpPr>
+            <a:spLocks noGrp="1" noChangeArrowheads="1"/>
+          </p:cNvSpPr>
+          <p:nvPr>
+            <p:ph type="body" idx="1"/>
+          </p:nvPr>
+        </p:nvSpPr>
+        <p:spPr>
+          <a:noFill/>
+          <a:ln/>
+          <a:extLst>
+            <a:ext uri="{909E8E84-426E-40DD-AFC4-6F175D3DCCD1}">
+              <a14:hiddenFill xmlns:a14="http://schemas.microsoft.com/office/drawing/2010/main">
+                <a:solidFill>
+                  <a:srgbClr val="FFFFFF"/>
+                </a:solidFill>
+              </a14:hiddenFill>
+            </a:ext>
+            <a:ext uri="{91240B29-F687-4F45-9708-019B960494DF}">
+              <a14:hiddenLine xmlns:a14="http://schemas.microsoft.com/office/drawing/2010/main" w="9525">
+                <a:solidFill>
+                  <a:srgbClr val="000000"/>
+                </a:solidFill>
+                <a:miter lim="800000"/>
+                <a:headEnd/>
+                <a:tailEnd/>
+              </a14:hiddenLine>
+            </a:ext>
+            <a:ext uri="{FAA26D3D-D897-4be2-8F04-BA451C77F1D7}">
+              <ma14:placeholderFlag xmlns:ma14="http://schemas.microsoft.com/office/mac/drawingml/2011/main" xmlns="" val="1"/>
+            </a:ext>
+          </a:extLst>
+        </p:spPr>
+        <p:txBody>
+          <a:bodyPr/>
+          <a:lstStyle/>
+          <a:p>
+            <a:endParaRPr lang="en-US" altLang="en-US">
+              <a:latin typeface="Times New Roman" charset="0"/>
+            </a:endParaRPr>
+          </a:p>
+        </p:txBody>
+      </p:sp>
+    </p:spTree>
+    <p:extLst>
+      <p:ext uri="{BB962C8B-B14F-4D97-AF65-F5344CB8AC3E}">
+        <p14:creationId xmlns:p14="http://schemas.microsoft.com/office/powerpoint/2010/main" val="919118694"/>
+      </p:ext>
+    </p:extLst>
+  </p:cSld>
+  <p:clrMapOvr>
+    <a:masterClrMapping/>
+  </p:clrMapOvr>
+</p:notes>
+</file>
+
+<file path=ppt/notesSlides/notesSlide20.xml><?xml version="1.0" encoding="utf-8"?>
 <p:notes xmlns:a="http://schemas.openxmlformats.org/drawingml/2006/main" xmlns:r="http://schemas.openxmlformats.org/officeDocument/2006/relationships" xmlns:p="http://schemas.openxmlformats.org/presentationml/2006/main">
   <p:cSld>
     <p:spTree>
@@ -1331,10 +1632,9 @@
           <a:lstStyle/>
           <a:p>
             <a:r>
-              <a:rPr lang="en-US" dirty="0" smtClean="0"/>
-              <a:t>Vanishing gradient</a:t>
+              <a:rPr lang="en-US" dirty="0"/>
+              <a:t>Vanishing gradient is the reason why RNNs aren’t capable of handline long-term dependencies</a:t>
             </a:r>
-            <a:endParaRPr lang="en-US" dirty="0"/>
           </a:p>
         </p:txBody>
       </p:sp>
@@ -1374,7 +1674,7 @@
 </p:notes>
 </file>
 
-<file path=ppt/notesSlides/notesSlide19.xml><?xml version="1.0" encoding="utf-8"?>
+<file path=ppt/notesSlides/notesSlide21.xml><?xml version="1.0" encoding="utf-8"?>
 <p:notes xmlns:a="http://schemas.openxmlformats.org/drawingml/2006/main" xmlns:r="http://schemas.openxmlformats.org/officeDocument/2006/relationships" xmlns:p="http://schemas.openxmlformats.org/presentationml/2006/main">
   <p:cSld>
     <p:spTree>
@@ -1458,97 +1758,7 @@
 </p:notes>
 </file>
 
-<file path=ppt/notesSlides/notesSlide2.xml><?xml version="1.0" encoding="utf-8"?>
-<p:notes xmlns:a="http://schemas.openxmlformats.org/drawingml/2006/main" xmlns:r="http://schemas.openxmlformats.org/officeDocument/2006/relationships" xmlns:p="http://schemas.openxmlformats.org/presentationml/2006/main">
-  <p:cSld>
-    <p:spTree>
-      <p:nvGrpSpPr>
-        <p:cNvPr id="1" name=""/>
-        <p:cNvGrpSpPr/>
-        <p:nvPr/>
-      </p:nvGrpSpPr>
-      <p:grpSpPr>
-        <a:xfrm>
-          <a:off x="0" y="0"/>
-          <a:ext cx="0" cy="0"/>
-          <a:chOff x="0" y="0"/>
-          <a:chExt cx="0" cy="0"/>
-        </a:xfrm>
-      </p:grpSpPr>
-      <p:sp>
-        <p:nvSpPr>
-          <p:cNvPr id="95234" name="Rectangle 2"/>
-          <p:cNvSpPr>
-            <a:spLocks noGrp="1" noRot="1" noChangeAspect="1" noChangeArrowheads="1" noTextEdit="1"/>
-          </p:cNvSpPr>
-          <p:nvPr>
-            <p:ph type="sldImg"/>
-          </p:nvPr>
-        </p:nvSpPr>
-        <p:spPr>
-          <a:ln/>
-        </p:spPr>
-      </p:sp>
-      <p:sp>
-        <p:nvSpPr>
-          <p:cNvPr id="95235" name="Rectangle 3"/>
-          <p:cNvSpPr>
-            <a:spLocks noGrp="1" noChangeArrowheads="1"/>
-          </p:cNvSpPr>
-          <p:nvPr>
-            <p:ph type="body" idx="1"/>
-          </p:nvPr>
-        </p:nvSpPr>
-        <p:spPr>
-          <a:noFill/>
-          <a:ln/>
-          <a:extLst>
-            <a:ext uri="{909E8E84-426E-40DD-AFC4-6F175D3DCCD1}">
-              <a14:hiddenFill xmlns:a14="http://schemas.microsoft.com/office/drawing/2010/main">
-                <a:solidFill>
-                  <a:srgbClr val="FFFFFF"/>
-                </a:solidFill>
-              </a14:hiddenFill>
-            </a:ext>
-            <a:ext uri="{91240B29-F687-4F45-9708-019B960494DF}">
-              <a14:hiddenLine xmlns:a14="http://schemas.microsoft.com/office/drawing/2010/main" w="9525">
-                <a:solidFill>
-                  <a:srgbClr val="000000"/>
-                </a:solidFill>
-                <a:miter lim="800000"/>
-                <a:headEnd/>
-                <a:tailEnd/>
-              </a14:hiddenLine>
-            </a:ext>
-            <a:ext uri="{FAA26D3D-D897-4be2-8F04-BA451C77F1D7}">
-              <ma14:placeholderFlag xmlns:ma14="http://schemas.microsoft.com/office/mac/drawingml/2011/main" val="1"/>
-            </a:ext>
-          </a:extLst>
-        </p:spPr>
-        <p:txBody>
-          <a:bodyPr/>
-          <a:lstStyle/>
-          <a:p>
-            <a:endParaRPr lang="en-US" altLang="en-US">
-              <a:latin typeface="Times New Roman" charset="0"/>
-            </a:endParaRPr>
-          </a:p>
-        </p:txBody>
-      </p:sp>
-    </p:spTree>
-    <p:extLst>
-      <p:ext uri="{BB962C8B-B14F-4D97-AF65-F5344CB8AC3E}">
-        <p14:creationId xmlns:p14="http://schemas.microsoft.com/office/powerpoint/2010/main" val="919118694"/>
-      </p:ext>
-    </p:extLst>
-  </p:cSld>
-  <p:clrMapOvr>
-    <a:masterClrMapping/>
-  </p:clrMapOvr>
-</p:notes>
-</file>
-
-<file path=ppt/notesSlides/notesSlide20.xml><?xml version="1.0" encoding="utf-8"?>
+<file path=ppt/notesSlides/notesSlide22.xml><?xml version="1.0" encoding="utf-8"?>
 <p:notes xmlns:a="http://schemas.openxmlformats.org/drawingml/2006/main" xmlns:r="http://schemas.openxmlformats.org/officeDocument/2006/relationships" xmlns:p="http://schemas.openxmlformats.org/presentationml/2006/main">
   <p:cSld>
     <p:spTree>
@@ -1632,7 +1842,7 @@
 </p:notes>
 </file>
 
-<file path=ppt/notesSlides/notesSlide21.xml><?xml version="1.0" encoding="utf-8"?>
+<file path=ppt/notesSlides/notesSlide23.xml><?xml version="1.0" encoding="utf-8"?>
 <p:notes xmlns:a="http://schemas.openxmlformats.org/drawingml/2006/main" xmlns:r="http://schemas.openxmlformats.org/officeDocument/2006/relationships" xmlns:p="http://schemas.openxmlformats.org/presentationml/2006/main">
   <p:cSld>
     <p:spTree>
@@ -1716,7 +1926,7 @@
 </p:notes>
 </file>
 
-<file path=ppt/notesSlides/notesSlide22.xml><?xml version="1.0" encoding="utf-8"?>
+<file path=ppt/notesSlides/notesSlide24.xml><?xml version="1.0" encoding="utf-8"?>
 <p:notes xmlns:a="http://schemas.openxmlformats.org/drawingml/2006/main" xmlns:r="http://schemas.openxmlformats.org/officeDocument/2006/relationships" xmlns:p="http://schemas.openxmlformats.org/presentationml/2006/main">
   <p:cSld>
     <p:spTree>
@@ -1800,7 +2010,7 @@
 </p:notes>
 </file>
 
-<file path=ppt/notesSlides/notesSlide23.xml><?xml version="1.0" encoding="utf-8"?>
+<file path=ppt/notesSlides/notesSlide25.xml><?xml version="1.0" encoding="utf-8"?>
 <p:notes xmlns:a="http://schemas.openxmlformats.org/drawingml/2006/main" xmlns:r="http://schemas.openxmlformats.org/officeDocument/2006/relationships" xmlns:p="http://schemas.openxmlformats.org/presentationml/2006/main">
   <p:cSld>
     <p:spTree>
@@ -1884,7 +2094,7 @@
 </p:notes>
 </file>
 
-<file path=ppt/notesSlides/notesSlide24.xml><?xml version="1.0" encoding="utf-8"?>
+<file path=ppt/notesSlides/notesSlide26.xml><?xml version="1.0" encoding="utf-8"?>
 <p:notes xmlns:a="http://schemas.openxmlformats.org/drawingml/2006/main" xmlns:r="http://schemas.openxmlformats.org/officeDocument/2006/relationships" xmlns:p="http://schemas.openxmlformats.org/presentationml/2006/main">
   <p:cSld>
     <p:spTree>
@@ -1968,7 +2178,7 @@
 </p:notes>
 </file>
 
-<file path=ppt/notesSlides/notesSlide25.xml><?xml version="1.0" encoding="utf-8"?>
+<file path=ppt/notesSlides/notesSlide27.xml><?xml version="1.0" encoding="utf-8"?>
 <p:notes xmlns:a="http://schemas.openxmlformats.org/drawingml/2006/main" xmlns:r="http://schemas.openxmlformats.org/officeDocument/2006/relationships" xmlns:p="http://schemas.openxmlformats.org/presentationml/2006/main">
   <p:cSld>
     <p:spTree>
@@ -2052,7 +2262,7 @@
 </p:notes>
 </file>
 
-<file path=ppt/notesSlides/notesSlide26.xml><?xml version="1.0" encoding="utf-8"?>
+<file path=ppt/notesSlides/notesSlide28.xml><?xml version="1.0" encoding="utf-8"?>
 <p:notes xmlns:a="http://schemas.openxmlformats.org/drawingml/2006/main" xmlns:r="http://schemas.openxmlformats.org/officeDocument/2006/relationships" xmlns:p="http://schemas.openxmlformats.org/presentationml/2006/main">
   <p:cSld>
     <p:spTree>
@@ -2136,7 +2346,7 @@
 </p:notes>
 </file>
 
-<file path=ppt/notesSlides/notesSlide27.xml><?xml version="1.0" encoding="utf-8"?>
+<file path=ppt/notesSlides/notesSlide29.xml><?xml version="1.0" encoding="utf-8"?>
 <p:notes xmlns:a="http://schemas.openxmlformats.org/drawingml/2006/main" xmlns:r="http://schemas.openxmlformats.org/officeDocument/2006/relationships" xmlns:p="http://schemas.openxmlformats.org/presentationml/2006/main">
   <p:cSld>
     <p:spTree>
@@ -2181,17 +2391,17 @@
           <a:lstStyle/>
           <a:p>
             <a:r>
-              <a:rPr lang="en-US" dirty="0" smtClean="0"/>
+              <a:rPr lang="en-US" dirty="0"/>
               <a:t>In theory, can remember arbitrary</a:t>
             </a:r>
             <a:r>
-              <a:rPr lang="en-US" baseline="0" dirty="0" smtClean="0"/>
+              <a:rPr lang="en-US" baseline="0" dirty="0"/>
               <a:t> length history;</a:t>
             </a:r>
           </a:p>
           <a:p>
             <a:r>
-              <a:rPr lang="en-US" baseline="0" dirty="0" smtClean="0"/>
+              <a:rPr lang="en-US" baseline="0" dirty="0"/>
               <a:t>In practice, will decide based on the input data.</a:t>
             </a:r>
             <a:endParaRPr lang="en-US" dirty="0"/>
@@ -2234,7 +2444,667 @@
 </p:notes>
 </file>
 
-<file path=ppt/notesSlides/notesSlide28.xml><?xml version="1.0" encoding="utf-8"?>
+<file path=ppt/notesSlides/notesSlide3.xml><?xml version="1.0" encoding="utf-8"?>
+<p:notes xmlns:a="http://schemas.openxmlformats.org/drawingml/2006/main" xmlns:r="http://schemas.openxmlformats.org/officeDocument/2006/relationships" xmlns:p="http://schemas.openxmlformats.org/presentationml/2006/main">
+  <p:cSld>
+    <p:spTree>
+      <p:nvGrpSpPr>
+        <p:cNvPr id="1" name=""/>
+        <p:cNvGrpSpPr/>
+        <p:nvPr/>
+      </p:nvGrpSpPr>
+      <p:grpSpPr>
+        <a:xfrm>
+          <a:off x="0" y="0"/>
+          <a:ext cx="0" cy="0"/>
+          <a:chOff x="0" y="0"/>
+          <a:chExt cx="0" cy="0"/>
+        </a:xfrm>
+      </p:grpSpPr>
+      <p:sp>
+        <p:nvSpPr>
+          <p:cNvPr id="2" name="Slide Image Placeholder 1"/>
+          <p:cNvSpPr>
+            <a:spLocks noGrp="1" noRot="1" noChangeAspect="1"/>
+          </p:cNvSpPr>
+          <p:nvPr>
+            <p:ph type="sldImg"/>
+          </p:nvPr>
+        </p:nvSpPr>
+        <p:spPr/>
+      </p:sp>
+      <mc:AlternateContent xmlns:mc="http://schemas.openxmlformats.org/markup-compatibility/2006">
+        <mc:Choice xmlns:a14="http://schemas.microsoft.com/office/drawing/2010/main" Requires="a14">
+          <p:sp>
+            <p:nvSpPr>
+              <p:cNvPr id="3" name="Notes Placeholder 2"/>
+              <p:cNvSpPr>
+                <a:spLocks noGrp="1"/>
+              </p:cNvSpPr>
+              <p:nvPr>
+                <p:ph type="body" idx="1"/>
+              </p:nvPr>
+            </p:nvSpPr>
+            <p:spPr/>
+            <p:txBody>
+              <a:bodyPr/>
+              <a:lstStyle/>
+              <a:p>
+                <a14:m>
+                  <m:oMath xmlns:m="http://schemas.openxmlformats.org/officeDocument/2006/math">
+                    <m:r>
+                      <a:rPr lang="en-US" altLang="en-US" sz="1200" i="1" dirty="0" smtClean="0">
+                        <a:latin typeface="Cambria Math" charset="0"/>
+                        <a:ea typeface="Arial" charset="0"/>
+                        <a:cs typeface="Arial" charset="0"/>
+                      </a:rPr>
+                      <m:t>𝑃</m:t>
+                    </m:r>
+                    <m:r>
+                      <a:rPr lang="en-US" altLang="en-US" sz="1200" i="1" dirty="0" smtClean="0">
+                        <a:latin typeface="Cambria Math" charset="0"/>
+                        <a:ea typeface="Arial" charset="0"/>
+                        <a:cs typeface="Arial" charset="0"/>
+                      </a:rPr>
+                      <m:t>(</m:t>
+                    </m:r>
+                    <m:r>
+                      <a:rPr lang="en-US" altLang="en-US" sz="1200" i="1" dirty="0" smtClean="0">
+                        <a:latin typeface="Cambria Math" charset="0"/>
+                        <a:ea typeface="Arial" charset="0"/>
+                        <a:cs typeface="Arial" charset="0"/>
+                      </a:rPr>
+                      <m:t>𝑦</m:t>
+                    </m:r>
+                    <m:r>
+                      <a:rPr lang="en-US" altLang="en-US" sz="1200" i="1" dirty="0" smtClean="0">
+                        <a:latin typeface="Cambria Math" charset="0"/>
+                        <a:ea typeface="Arial" charset="0"/>
+                        <a:cs typeface="Arial" charset="0"/>
+                      </a:rPr>
+                      <m:t>|</m:t>
+                    </m:r>
+                    <m:r>
+                      <a:rPr lang="en-US" altLang="en-US" sz="1200" i="1" dirty="0" smtClean="0">
+                        <a:latin typeface="Cambria Math" charset="0"/>
+                        <a:ea typeface="Arial" charset="0"/>
+                        <a:cs typeface="Arial" charset="0"/>
+                      </a:rPr>
+                      <m:t>𝑥</m:t>
+                    </m:r>
+                    <m:r>
+                      <a:rPr lang="en-US" altLang="en-US" sz="1200" i="1" dirty="0" smtClean="0">
+                        <a:latin typeface="Cambria Math" charset="0"/>
+                        <a:ea typeface="Arial" charset="0"/>
+                        <a:cs typeface="Arial" charset="0"/>
+                      </a:rPr>
+                      <m:t>)</m:t>
+                    </m:r>
+                  </m:oMath>
+                </a14:m>
+                <a:r>
+                  <a:rPr lang="en-US" altLang="en-US" sz="1200" dirty="0">
+                    <a:latin typeface="Arial" charset="0"/>
+                    <a:ea typeface="Arial" charset="0"/>
+                    <a:cs typeface="Arial" charset="0"/>
+                  </a:rPr>
+                  <a:t> = </a:t>
+                </a:r>
+                <a14:m>
+                  <m:oMath xmlns:m="http://schemas.openxmlformats.org/officeDocument/2006/math">
+                    <m:r>
+                      <a:rPr lang="en-US" altLang="en-US" sz="1200">
+                        <a:latin typeface="Cambria Math" charset="0"/>
+                        <a:ea typeface="Arial" charset="0"/>
+                        <a:cs typeface="Arial" charset="0"/>
+                      </a:rPr>
+                      <m:t> </m:t>
+                    </m:r>
+                    <m:r>
+                      <m:rPr>
+                        <m:sty m:val="p"/>
+                      </m:rPr>
+                      <a:rPr lang="en-US" altLang="en-US" sz="1200">
+                        <a:latin typeface="Cambria Math" charset="0"/>
+                        <a:ea typeface="Arial" charset="0"/>
+                        <a:cs typeface="Arial" charset="0"/>
+                      </a:rPr>
+                      <m:t>exp</m:t>
+                    </m:r>
+                    <m:r>
+                      <a:rPr lang="en-US" altLang="en-US" sz="1200">
+                        <a:latin typeface="Cambria Math" charset="0"/>
+                        <a:ea typeface="Arial" charset="0"/>
+                        <a:cs typeface="Arial" charset="0"/>
+                      </a:rPr>
+                      <m:t>(</m:t>
+                    </m:r>
+                    <m:r>
+                      <m:rPr>
+                        <m:sty m:val="p"/>
+                      </m:rPr>
+                      <a:rPr lang="en-US" altLang="en-US" sz="1200">
+                        <a:latin typeface="Cambria Math" charset="0"/>
+                        <a:ea typeface="Arial" charset="0"/>
+                        <a:cs typeface="Arial" charset="0"/>
+                      </a:rPr>
+                      <m:t>score</m:t>
+                    </m:r>
+                    <m:d>
+                      <m:dPr>
+                        <m:ctrlPr>
+                          <a:rPr lang="en-US" altLang="en-US" sz="1200" i="1">
+                            <a:latin typeface="Cambria Math" panose="02040503050406030204" pitchFamily="18" charset="0"/>
+                            <a:ea typeface="Arial" charset="0"/>
+                            <a:cs typeface="Arial" charset="0"/>
+                          </a:rPr>
+                        </m:ctrlPr>
+                      </m:dPr>
+                      <m:e>
+                        <m:r>
+                          <m:rPr>
+                            <m:sty m:val="p"/>
+                          </m:rPr>
+                          <a:rPr lang="en-US" altLang="en-US" sz="1200">
+                            <a:latin typeface="Cambria Math" charset="0"/>
+                            <a:ea typeface="Arial" charset="0"/>
+                            <a:cs typeface="Arial" charset="0"/>
+                          </a:rPr>
+                          <m:t>x</m:t>
+                        </m:r>
+                        <m:r>
+                          <a:rPr lang="en-US" altLang="en-US" sz="1200">
+                            <a:latin typeface="Cambria Math" charset="0"/>
+                            <a:ea typeface="Arial" charset="0"/>
+                            <a:cs typeface="Arial" charset="0"/>
+                          </a:rPr>
+                          <m:t>,</m:t>
+                        </m:r>
+                        <m:r>
+                          <m:rPr>
+                            <m:sty m:val="p"/>
+                          </m:rPr>
+                          <a:rPr lang="en-US" altLang="en-US" sz="1200">
+                            <a:latin typeface="Cambria Math" charset="0"/>
+                            <a:ea typeface="Arial" charset="0"/>
+                            <a:cs typeface="Arial" charset="0"/>
+                          </a:rPr>
+                          <m:t>y</m:t>
+                        </m:r>
+                      </m:e>
+                    </m:d>
+                    <m:r>
+                      <a:rPr lang="en-US" altLang="en-US" sz="1200">
+                        <a:latin typeface="Cambria Math" charset="0"/>
+                        <a:ea typeface="Arial" charset="0"/>
+                        <a:cs typeface="Arial" charset="0"/>
+                      </a:rPr>
+                      <m:t>)/</m:t>
+                    </m:r>
+                    <m:nary>
+                      <m:naryPr>
+                        <m:chr m:val="∑"/>
+                        <m:supHide m:val="on"/>
+                        <m:ctrlPr>
+                          <a:rPr lang="en-US" altLang="en-US" sz="1200" i="1">
+                            <a:latin typeface="Cambria Math" panose="02040503050406030204" pitchFamily="18" charset="0"/>
+                            <a:ea typeface="Arial" charset="0"/>
+                            <a:cs typeface="Arial" charset="0"/>
+                          </a:rPr>
+                        </m:ctrlPr>
+                      </m:naryPr>
+                      <m:sub>
+                        <m:r>
+                          <m:rPr>
+                            <m:brk m:alnAt="7"/>
+                          </m:rPr>
+                          <a:rPr lang="en-US" altLang="en-US" sz="1200" i="1">
+                            <a:latin typeface="Cambria Math" charset="0"/>
+                            <a:ea typeface="Arial" charset="0"/>
+                            <a:cs typeface="Arial" charset="0"/>
+                          </a:rPr>
+                          <m:t>𝑦</m:t>
+                        </m:r>
+                        <m:r>
+                          <a:rPr lang="en-US" altLang="en-US" sz="1200" i="1">
+                            <a:latin typeface="Cambria Math" charset="0"/>
+                            <a:ea typeface="Arial" charset="0"/>
+                            <a:cs typeface="Arial" charset="0"/>
+                          </a:rPr>
+                          <m:t>′</m:t>
+                        </m:r>
+                      </m:sub>
+                      <m:sup/>
+                      <m:e>
+                        <m:r>
+                          <m:rPr>
+                            <m:sty m:val="p"/>
+                          </m:rPr>
+                          <a:rPr lang="en-US" altLang="en-US" sz="1200">
+                            <a:latin typeface="Cambria Math" charset="0"/>
+                            <a:ea typeface="Arial" charset="0"/>
+                            <a:cs typeface="Arial" charset="0"/>
+                          </a:rPr>
+                          <m:t>exp</m:t>
+                        </m:r>
+                        <m:r>
+                          <a:rPr lang="en-US" altLang="en-US" sz="1200" i="1">
+                            <a:latin typeface="Cambria Math" charset="0"/>
+                            <a:ea typeface="Arial" charset="0"/>
+                            <a:cs typeface="Arial" charset="0"/>
+                          </a:rPr>
+                          <m:t>(</m:t>
+                        </m:r>
+                        <m:r>
+                          <a:rPr lang="en-US" altLang="en-US" sz="1200" i="1">
+                            <a:latin typeface="Cambria Math" charset="0"/>
+                            <a:ea typeface="Arial" charset="0"/>
+                            <a:cs typeface="Arial" charset="0"/>
+                          </a:rPr>
+                          <m:t>𝑠𝑐𝑜𝑟𝑒</m:t>
+                        </m:r>
+                        <m:d>
+                          <m:dPr>
+                            <m:ctrlPr>
+                              <a:rPr lang="en-US" altLang="en-US" sz="1200" i="1">
+                                <a:latin typeface="Cambria Math" panose="02040503050406030204" pitchFamily="18" charset="0"/>
+                                <a:ea typeface="Arial" charset="0"/>
+                                <a:cs typeface="Arial" charset="0"/>
+                              </a:rPr>
+                            </m:ctrlPr>
+                          </m:dPr>
+                          <m:e>
+                            <m:r>
+                              <a:rPr lang="en-US" altLang="en-US" sz="1200" i="1">
+                                <a:latin typeface="Cambria Math" charset="0"/>
+                                <a:ea typeface="Arial" charset="0"/>
+                                <a:cs typeface="Arial" charset="0"/>
+                              </a:rPr>
+                              <m:t>𝑥</m:t>
+                            </m:r>
+                            <m:r>
+                              <a:rPr lang="en-US" altLang="en-US" sz="1200" i="1">
+                                <a:latin typeface="Cambria Math" charset="0"/>
+                                <a:ea typeface="Arial" charset="0"/>
+                                <a:cs typeface="Arial" charset="0"/>
+                              </a:rPr>
+                              <m:t>,</m:t>
+                            </m:r>
+                            <m:sSup>
+                              <m:sSupPr>
+                                <m:ctrlPr>
+                                  <a:rPr lang="en-US" altLang="en-US" sz="1200" i="1">
+                                    <a:latin typeface="Cambria Math" panose="02040503050406030204" pitchFamily="18" charset="0"/>
+                                    <a:ea typeface="Arial" charset="0"/>
+                                    <a:cs typeface="Arial" charset="0"/>
+                                  </a:rPr>
+                                </m:ctrlPr>
+                              </m:sSupPr>
+                              <m:e>
+                                <m:r>
+                                  <a:rPr lang="en-US" altLang="en-US" sz="1200" i="1">
+                                    <a:latin typeface="Cambria Math" charset="0"/>
+                                    <a:ea typeface="Arial" charset="0"/>
+                                    <a:cs typeface="Arial" charset="0"/>
+                                  </a:rPr>
+                                  <m:t>𝑦</m:t>
+                                </m:r>
+                              </m:e>
+                              <m:sup>
+                                <m:r>
+                                  <a:rPr lang="en-US" altLang="en-US" sz="1200" i="1">
+                                    <a:latin typeface="Cambria Math" charset="0"/>
+                                    <a:ea typeface="Arial" charset="0"/>
+                                    <a:cs typeface="Arial" charset="0"/>
+                                  </a:rPr>
+                                  <m:t>′</m:t>
+                                </m:r>
+                              </m:sup>
+                            </m:sSup>
+                          </m:e>
+                        </m:d>
+                        <m:r>
+                          <a:rPr lang="en-US" altLang="en-US" sz="1200" i="1">
+                            <a:latin typeface="Cambria Math" charset="0"/>
+                            <a:ea typeface="Arial" charset="0"/>
+                            <a:cs typeface="Arial" charset="0"/>
+                          </a:rPr>
+                          <m:t>)</m:t>
+                        </m:r>
+                      </m:e>
+                    </m:nary>
+                  </m:oMath>
+                </a14:m>
+                <a:r>
+                  <a:rPr lang="en-US" altLang="en-US" sz="1200" dirty="0">
+                    <a:latin typeface="Arial" charset="0"/>
+                    <a:ea typeface="Arial" charset="0"/>
+                    <a:cs typeface="Arial" charset="0"/>
+                  </a:rPr>
+                  <a:t>  </a:t>
+                </a:r>
+                <a:r>
+                  <a:rPr lang="en-US" altLang="en-US" sz="1200" dirty="0">
+                    <a:latin typeface="Arial" charset="0"/>
+                    <a:ea typeface="Arial" charset="0"/>
+                    <a:cs typeface="Arial" charset="0"/>
+                    <a:sym typeface="Wingdings" pitchFamily="2" charset="2"/>
+                  </a:rPr>
+                  <a:t> This</a:t>
+                </a:r>
+                <a:r>
+                  <a:rPr lang="en-US" altLang="en-US" sz="1200" baseline="0" dirty="0">
+                    <a:latin typeface="Arial" charset="0"/>
+                    <a:ea typeface="Arial" charset="0"/>
+                    <a:cs typeface="Arial" charset="0"/>
+                    <a:sym typeface="Wingdings" pitchFamily="2" charset="2"/>
+                  </a:rPr>
+                  <a:t> is the maximum likely hood estimation (the denominator comes from the law of total probabilities)</a:t>
+                </a:r>
+              </a:p>
+              <a:p>
+                <a:r>
+                  <a:rPr lang="en-US" altLang="en-US" sz="1200" baseline="0" dirty="0">
+                    <a:latin typeface="Arial" charset="0"/>
+                    <a:ea typeface="Arial" charset="0"/>
+                    <a:cs typeface="Arial" charset="0"/>
+                    <a:sym typeface="Wingdings" pitchFamily="2" charset="2"/>
+                  </a:rPr>
+                  <a:t>It’s very similar to what we used in logistic regression (naïve </a:t>
+                </a:r>
+                <a:r>
+                  <a:rPr lang="en-US" altLang="en-US" sz="1200" baseline="0" dirty="0" err="1">
+                    <a:latin typeface="Arial" charset="0"/>
+                    <a:ea typeface="Arial" charset="0"/>
+                    <a:cs typeface="Arial" charset="0"/>
+                    <a:sym typeface="Wingdings" pitchFamily="2" charset="2"/>
+                  </a:rPr>
+                  <a:t>bayes</a:t>
+                </a:r>
+                <a:r>
+                  <a:rPr lang="en-US" altLang="en-US" sz="1200" baseline="0" dirty="0">
+                    <a:latin typeface="Arial" charset="0"/>
+                    <a:ea typeface="Arial" charset="0"/>
+                    <a:cs typeface="Arial" charset="0"/>
+                    <a:sym typeface="Wingdings" pitchFamily="2" charset="2"/>
+                  </a:rPr>
+                  <a:t> lecture page 54)</a:t>
+                </a:r>
+                <a:br>
+                  <a:rPr lang="en-US" altLang="en-US" sz="1200" dirty="0">
+                    <a:latin typeface="Arial" charset="0"/>
+                    <a:ea typeface="Arial" charset="0"/>
+                    <a:cs typeface="Arial" charset="0"/>
+                  </a:rPr>
+                </a:br>
+                <a:endParaRPr lang="en-US" dirty="0"/>
+              </a:p>
+            </p:txBody>
+          </p:sp>
+        </mc:Choice>
+        <mc:Fallback>
+          <p:sp>
+            <p:nvSpPr>
+              <p:cNvPr id="3" name="Notes Placeholder 2"/>
+              <p:cNvSpPr>
+                <a:spLocks noGrp="1"/>
+              </p:cNvSpPr>
+              <p:nvPr>
+                <p:ph type="body" idx="1"/>
+              </p:nvPr>
+            </p:nvSpPr>
+            <p:spPr/>
+            <p:txBody>
+              <a:bodyPr/>
+              <a:lstStyle/>
+              <a:p>
+                <a:r>
+                  <a:rPr lang="en-US" altLang="en-US" sz="1200" i="0" dirty="0">
+                    <a:latin typeface="Cambria Math" charset="0"/>
+                    <a:ea typeface="Arial" charset="0"/>
+                    <a:cs typeface="Arial" charset="0"/>
+                  </a:rPr>
+                  <a:t>𝑃(𝑦|𝑥)</a:t>
+                </a:r>
+                <a:r>
+                  <a:rPr lang="en-US" altLang="en-US" sz="1200" dirty="0">
+                    <a:latin typeface="Arial" charset="0"/>
+                    <a:ea typeface="Arial" charset="0"/>
+                    <a:cs typeface="Arial" charset="0"/>
+                  </a:rPr>
+                  <a:t> = </a:t>
+                </a:r>
+                <a:r>
+                  <a:rPr lang="en-US" altLang="en-US" sz="1200" i="0">
+                    <a:latin typeface="Cambria Math" charset="0"/>
+                    <a:ea typeface="Arial" charset="0"/>
+                    <a:cs typeface="Arial" charset="0"/>
+                  </a:rPr>
+                  <a:t> exp(score</a:t>
+                </a:r>
+                <a:r>
+                  <a:rPr lang="en-US" altLang="en-US" sz="1200" i="0">
+                    <a:latin typeface="Cambria Math" panose="02040503050406030204" pitchFamily="18" charset="0"/>
+                    <a:cs typeface="Arial" charset="0"/>
+                  </a:rPr>
+                  <a:t>(</a:t>
+                </a:r>
+                <a:r>
+                  <a:rPr lang="en-US" altLang="en-US" sz="1200" i="0">
+                    <a:latin typeface="Cambria Math" charset="0"/>
+                    <a:ea typeface="Arial" charset="0"/>
+                    <a:cs typeface="Arial" charset="0"/>
+                  </a:rPr>
+                  <a:t>x,y</a:t>
+                </a:r>
+                <a:r>
+                  <a:rPr lang="en-US" altLang="en-US" sz="1200" i="0">
+                    <a:latin typeface="Cambria Math" panose="02040503050406030204" pitchFamily="18" charset="0"/>
+                    <a:ea typeface="Arial" charset="0"/>
+                    <a:cs typeface="Arial" charset="0"/>
+                  </a:rPr>
+                  <a:t>)</a:t>
+                </a:r>
+                <a:r>
+                  <a:rPr lang="en-US" altLang="en-US" sz="1200" i="0">
+                    <a:latin typeface="Cambria Math" charset="0"/>
+                    <a:ea typeface="Arial" charset="0"/>
+                    <a:cs typeface="Arial" charset="0"/>
+                  </a:rPr>
+                  <a:t>)/</a:t>
+                </a:r>
+                <a:r>
+                  <a:rPr lang="en-US" altLang="en-US" sz="1200" i="0">
+                    <a:latin typeface="Cambria Math" panose="02040503050406030204" pitchFamily="18" charset="0"/>
+                    <a:cs typeface="Arial" charset="0"/>
+                  </a:rPr>
+                  <a:t>∑_</a:t>
+                </a:r>
+                <a:r>
+                  <a:rPr lang="en-US" altLang="en-US" sz="1200" i="0">
+                    <a:latin typeface="Cambria Math" charset="0"/>
+                    <a:ea typeface="Arial" charset="0"/>
+                    <a:cs typeface="Arial" charset="0"/>
+                  </a:rPr>
+                  <a:t>𝑦′</a:t>
+                </a:r>
+                <a:r>
+                  <a:rPr lang="en-US" altLang="en-US" sz="1200" i="0">
+                    <a:latin typeface="Cambria Math" panose="02040503050406030204" pitchFamily="18" charset="0"/>
+                    <a:ea typeface="Arial" charset="0"/>
+                    <a:cs typeface="Arial" charset="0"/>
+                  </a:rPr>
+                  <a:t>▒〖</a:t>
+                </a:r>
+                <a:r>
+                  <a:rPr lang="en-US" altLang="en-US" sz="1200" i="0">
+                    <a:latin typeface="Cambria Math" charset="0"/>
+                    <a:ea typeface="Arial" charset="0"/>
+                    <a:cs typeface="Arial" charset="0"/>
+                  </a:rPr>
+                  <a:t>exp(𝑠𝑐𝑜𝑟𝑒</a:t>
+                </a:r>
+                <a:r>
+                  <a:rPr lang="en-US" altLang="en-US" sz="1200" i="0">
+                    <a:latin typeface="Cambria Math" panose="02040503050406030204" pitchFamily="18" charset="0"/>
+                    <a:ea typeface="Arial" charset="0"/>
+                    <a:cs typeface="Arial" charset="0"/>
+                  </a:rPr>
+                  <a:t>(</a:t>
+                </a:r>
+                <a:r>
+                  <a:rPr lang="en-US" altLang="en-US" sz="1200" i="0">
+                    <a:latin typeface="Cambria Math" charset="0"/>
+                    <a:ea typeface="Arial" charset="0"/>
+                    <a:cs typeface="Arial" charset="0"/>
+                  </a:rPr>
+                  <a:t>𝑥,𝑦</a:t>
+                </a:r>
+                <a:r>
+                  <a:rPr lang="en-US" altLang="en-US" sz="1200" i="0">
+                    <a:latin typeface="Cambria Math" panose="02040503050406030204" pitchFamily="18" charset="0"/>
+                    <a:ea typeface="Arial" charset="0"/>
+                    <a:cs typeface="Arial" charset="0"/>
+                  </a:rPr>
+                  <a:t>^</a:t>
+                </a:r>
+                <a:r>
+                  <a:rPr lang="en-US" altLang="en-US" sz="1200" i="0">
+                    <a:latin typeface="Cambria Math" charset="0"/>
+                    <a:ea typeface="Arial" charset="0"/>
+                    <a:cs typeface="Arial" charset="0"/>
+                  </a:rPr>
+                  <a:t>′</a:t>
+                </a:r>
+                <a:r>
+                  <a:rPr lang="en-US" altLang="en-US" sz="1200" i="0">
+                    <a:latin typeface="Cambria Math" panose="02040503050406030204" pitchFamily="18" charset="0"/>
+                    <a:ea typeface="Arial" charset="0"/>
+                    <a:cs typeface="Arial" charset="0"/>
+                  </a:rPr>
+                  <a:t> )</a:t>
+                </a:r>
+                <a:r>
+                  <a:rPr lang="en-US" altLang="en-US" sz="1200" i="0">
+                    <a:latin typeface="Cambria Math" charset="0"/>
+                    <a:ea typeface="Arial" charset="0"/>
+                    <a:cs typeface="Arial" charset="0"/>
+                  </a:rPr>
+                  <a:t>)</a:t>
+                </a:r>
+                <a:r>
+                  <a:rPr lang="en-US" altLang="en-US" sz="1200" i="0">
+                    <a:latin typeface="Cambria Math" panose="02040503050406030204" pitchFamily="18" charset="0"/>
+                    <a:ea typeface="Arial" charset="0"/>
+                    <a:cs typeface="Arial" charset="0"/>
+                  </a:rPr>
+                  <a:t>〗</a:t>
+                </a:r>
+                <a:r>
+                  <a:rPr lang="en-US" altLang="en-US" sz="1200" dirty="0">
+                    <a:latin typeface="Arial" charset="0"/>
+                    <a:ea typeface="Arial" charset="0"/>
+                    <a:cs typeface="Arial" charset="0"/>
+                  </a:rPr>
+                  <a:t>  </a:t>
+                </a:r>
+                <a:r>
+                  <a:rPr lang="en-US" altLang="en-US" sz="1200" dirty="0">
+                    <a:latin typeface="Arial" charset="0"/>
+                    <a:ea typeface="Arial" charset="0"/>
+                    <a:cs typeface="Arial" charset="0"/>
+                    <a:sym typeface="Wingdings" pitchFamily="2" charset="2"/>
+                  </a:rPr>
+                  <a:t> This</a:t>
+                </a:r>
+                <a:r>
+                  <a:rPr lang="en-US" altLang="en-US" sz="1200" baseline="0" dirty="0">
+                    <a:latin typeface="Arial" charset="0"/>
+                    <a:ea typeface="Arial" charset="0"/>
+                    <a:cs typeface="Arial" charset="0"/>
+                    <a:sym typeface="Wingdings" pitchFamily="2" charset="2"/>
+                  </a:rPr>
+                  <a:t> is the maximum likely hood estimation (the denominator comes from the law of total probabilities)</a:t>
+                </a:r>
+              </a:p>
+              <a:p>
+                <a:r>
+                  <a:rPr lang="en-US" altLang="en-US" sz="1200" baseline="0" dirty="0">
+                    <a:latin typeface="Arial" charset="0"/>
+                    <a:ea typeface="Arial" charset="0"/>
+                    <a:cs typeface="Arial" charset="0"/>
+                    <a:sym typeface="Wingdings" pitchFamily="2" charset="2"/>
+                  </a:rPr>
+                  <a:t>It’s very similar to what we used in logistic regression (naïve </a:t>
+                </a:r>
+                <a:r>
+                  <a:rPr lang="en-US" altLang="en-US" sz="1200" baseline="0" dirty="0" err="1">
+                    <a:latin typeface="Arial" charset="0"/>
+                    <a:ea typeface="Arial" charset="0"/>
+                    <a:cs typeface="Arial" charset="0"/>
+                    <a:sym typeface="Wingdings" pitchFamily="2" charset="2"/>
+                  </a:rPr>
+                  <a:t>bayes</a:t>
+                </a:r>
+                <a:r>
+                  <a:rPr lang="en-US" altLang="en-US" sz="1200" baseline="0" dirty="0">
+                    <a:latin typeface="Arial" charset="0"/>
+                    <a:ea typeface="Arial" charset="0"/>
+                    <a:cs typeface="Arial" charset="0"/>
+                    <a:sym typeface="Wingdings" pitchFamily="2" charset="2"/>
+                  </a:rPr>
+                  <a:t> lecture page 54)</a:t>
+                </a:r>
+                <a:br>
+                  <a:rPr lang="en-US" altLang="en-US" sz="1200" dirty="0">
+                    <a:latin typeface="Arial" charset="0"/>
+                    <a:ea typeface="Arial" charset="0"/>
+                    <a:cs typeface="Arial" charset="0"/>
+                  </a:rPr>
+                </a:br>
+                <a:endParaRPr lang="en-US" dirty="0"/>
+              </a:p>
+            </p:txBody>
+          </p:sp>
+        </mc:Fallback>
+      </mc:AlternateContent>
+      <p:sp>
+        <p:nvSpPr>
+          <p:cNvPr id="4" name="Slide Number Placeholder 3"/>
+          <p:cNvSpPr>
+            <a:spLocks noGrp="1"/>
+          </p:cNvSpPr>
+          <p:nvPr>
+            <p:ph type="sldNum" sz="quarter" idx="5"/>
+          </p:nvPr>
+        </p:nvSpPr>
+        <p:spPr/>
+        <p:txBody>
+          <a:bodyPr/>
+          <a:lstStyle/>
+          <a:p>
+            <a:fld id="{0B6E3F2F-7406-874B-B859-6F6D807BCEDC}" type="slidenum">
+              <a:rPr lang="en-US" smtClean="0"/>
+              <a:t>3</a:t>
+            </a:fld>
+            <a:endParaRPr lang="en-US"/>
+          </a:p>
+        </p:txBody>
+      </p:sp>
+    </p:spTree>
+    <p:extLst>
+      <p:ext uri="{BB962C8B-B14F-4D97-AF65-F5344CB8AC3E}">
+        <p14:creationId xmlns:p14="http://schemas.microsoft.com/office/powerpoint/2010/main" val="1643500589"/>
+      </p:ext>
+    </p:extLst>
+  </p:cSld>
+  <p:clrMapOvr>
+    <a:masterClrMapping/>
+  </p:clrMapOvr>
+</p:notes>
+</file>
+
+<file path=ppt/notesSlides/notesSlide30.xml><?xml version="1.0" encoding="utf-8"?>
 <p:notes xmlns:a="http://schemas.openxmlformats.org/drawingml/2006/main" xmlns:r="http://schemas.openxmlformats.org/officeDocument/2006/relationships" xmlns:p="http://schemas.openxmlformats.org/presentationml/2006/main">
   <p:cSld>
     <p:spTree>
@@ -2318,7 +3188,7 @@
 </p:notes>
 </file>
 
-<file path=ppt/notesSlides/notesSlide29.xml><?xml version="1.0" encoding="utf-8"?>
+<file path=ppt/notesSlides/notesSlide31.xml><?xml version="1.0" encoding="utf-8"?>
 <p:notes xmlns:a="http://schemas.openxmlformats.org/drawingml/2006/main" xmlns:r="http://schemas.openxmlformats.org/officeDocument/2006/relationships" xmlns:p="http://schemas.openxmlformats.org/presentationml/2006/main">
   <p:cSld>
     <p:spTree>
@@ -2363,10 +3233,9 @@
           <a:lstStyle/>
           <a:p>
             <a:r>
-              <a:rPr lang="en-US" dirty="0" smtClean="0"/>
+              <a:rPr lang="en-US" dirty="0"/>
               <a:t>The s is a neural architecture. </a:t>
             </a:r>
-            <a:endParaRPr lang="en-US" dirty="0"/>
           </a:p>
         </p:txBody>
       </p:sp>
@@ -2406,7 +3275,7 @@
 </p:notes>
 </file>
 
-<file path=ppt/notesSlides/notesSlide3.xml><?xml version="1.0" encoding="utf-8"?>
+<file path=ppt/notesSlides/notesSlide4.xml><?xml version="1.0" encoding="utf-8"?>
 <p:notes xmlns:a="http://schemas.openxmlformats.org/drawingml/2006/main" xmlns:r="http://schemas.openxmlformats.org/officeDocument/2006/relationships" xmlns:p="http://schemas.openxmlformats.org/presentationml/2006/main">
   <p:cSld>
     <p:spTree>
@@ -2451,10 +3320,9 @@
           <a:lstStyle/>
           <a:p>
             <a:r>
-              <a:rPr lang="en-US" dirty="0" smtClean="0"/>
+              <a:rPr lang="en-US" dirty="0"/>
               <a:t>A brief introduction</a:t>
             </a:r>
-            <a:endParaRPr lang="en-US" dirty="0"/>
           </a:p>
         </p:txBody>
       </p:sp>
@@ -2494,7 +3362,7 @@
 </p:notes>
 </file>
 
-<file path=ppt/notesSlides/notesSlide4.xml><?xml version="1.0" encoding="utf-8"?>
+<file path=ppt/notesSlides/notesSlide5.xml><?xml version="1.0" encoding="utf-8"?>
 <p:notes xmlns:a="http://schemas.openxmlformats.org/drawingml/2006/main" xmlns:r="http://schemas.openxmlformats.org/officeDocument/2006/relationships" xmlns:p="http://schemas.openxmlformats.org/presentationml/2006/main">
   <p:cSld>
     <p:spTree>
@@ -2578,7 +3446,7 @@
 </p:notes>
 </file>
 
-<file path=ppt/notesSlides/notesSlide5.xml><?xml version="1.0" encoding="utf-8"?>
+<file path=ppt/notesSlides/notesSlide6.xml><?xml version="1.0" encoding="utf-8"?>
 <p:notes xmlns:a="http://schemas.openxmlformats.org/drawingml/2006/main" xmlns:r="http://schemas.openxmlformats.org/officeDocument/2006/relationships" xmlns:p="http://schemas.openxmlformats.org/presentationml/2006/main">
   <p:cSld>
     <p:spTree>
@@ -2662,7 +3530,7 @@
 </p:notes>
 </file>
 
-<file path=ppt/notesSlides/notesSlide6.xml><?xml version="1.0" encoding="utf-8"?>
+<file path=ppt/notesSlides/notesSlide7.xml><?xml version="1.0" encoding="utf-8"?>
 <p:notes xmlns:a="http://schemas.openxmlformats.org/drawingml/2006/main" xmlns:r="http://schemas.openxmlformats.org/officeDocument/2006/relationships" xmlns:p="http://schemas.openxmlformats.org/presentationml/2006/main">
   <p:cSld>
     <p:spTree>
@@ -2746,7 +3614,7 @@
 </p:notes>
 </file>
 
-<file path=ppt/notesSlides/notesSlide7.xml><?xml version="1.0" encoding="utf-8"?>
+<file path=ppt/notesSlides/notesSlide8.xml><?xml version="1.0" encoding="utf-8"?>
 <p:notes xmlns:a="http://schemas.openxmlformats.org/drawingml/2006/main" xmlns:r="http://schemas.openxmlformats.org/officeDocument/2006/relationships" xmlns:p="http://schemas.openxmlformats.org/presentationml/2006/main">
   <p:cSld>
     <p:spTree>
@@ -2830,7 +3698,7 @@
 </p:notes>
 </file>
 
-<file path=ppt/notesSlides/notesSlide8.xml><?xml version="1.0" encoding="utf-8"?>
+<file path=ppt/notesSlides/notesSlide9.xml><?xml version="1.0" encoding="utf-8"?>
 <p:notes xmlns:a="http://schemas.openxmlformats.org/drawingml/2006/main" xmlns:r="http://schemas.openxmlformats.org/officeDocument/2006/relationships" xmlns:p="http://schemas.openxmlformats.org/presentationml/2006/main">
   <p:cSld>
     <p:spTree>
@@ -2914,110 +3782,6 @@
 </p:notes>
 </file>
 
-<file path=ppt/notesSlides/notesSlide9.xml><?xml version="1.0" encoding="utf-8"?>
-<p:notes xmlns:a="http://schemas.openxmlformats.org/drawingml/2006/main" xmlns:r="http://schemas.openxmlformats.org/officeDocument/2006/relationships" xmlns:p="http://schemas.openxmlformats.org/presentationml/2006/main">
-  <p:cSld>
-    <p:spTree>
-      <p:nvGrpSpPr>
-        <p:cNvPr id="1" name=""/>
-        <p:cNvGrpSpPr/>
-        <p:nvPr/>
-      </p:nvGrpSpPr>
-      <p:grpSpPr>
-        <a:xfrm>
-          <a:off x="0" y="0"/>
-          <a:ext cx="0" cy="0"/>
-          <a:chOff x="0" y="0"/>
-          <a:chExt cx="0" cy="0"/>
-        </a:xfrm>
-      </p:grpSpPr>
-      <p:sp>
-        <p:nvSpPr>
-          <p:cNvPr id="2" name="Slide Image Placeholder 1"/>
-          <p:cNvSpPr>
-            <a:spLocks noGrp="1" noRot="1" noChangeAspect="1"/>
-          </p:cNvSpPr>
-          <p:nvPr>
-            <p:ph type="sldImg"/>
-          </p:nvPr>
-        </p:nvSpPr>
-        <p:spPr/>
-      </p:sp>
-      <p:sp>
-        <p:nvSpPr>
-          <p:cNvPr id="3" name="Notes Placeholder 2"/>
-          <p:cNvSpPr>
-            <a:spLocks noGrp="1"/>
-          </p:cNvSpPr>
-          <p:nvPr>
-            <p:ph type="body" idx="1"/>
-          </p:nvPr>
-        </p:nvSpPr>
-        <p:spPr/>
-        <p:txBody>
-          <a:bodyPr/>
-          <a:lstStyle/>
-          <a:p>
-            <a:r>
-              <a:rPr lang="en-US" dirty="0" smtClean="0"/>
-              <a:t>Sigmoid, </a:t>
-            </a:r>
-            <a:r>
-              <a:rPr lang="en-US" dirty="0" err="1" smtClean="0"/>
-              <a:t>tanh</a:t>
-            </a:r>
-            <a:r>
-              <a:rPr lang="en-US" dirty="0" smtClean="0"/>
-              <a:t>,</a:t>
-            </a:r>
-            <a:r>
-              <a:rPr lang="en-US" baseline="0" dirty="0" smtClean="0"/>
-              <a:t> </a:t>
-            </a:r>
-            <a:r>
-              <a:rPr lang="en-US" baseline="0" dirty="0" err="1" smtClean="0"/>
-              <a:t>relu</a:t>
-            </a:r>
-            <a:endParaRPr lang="en-US" dirty="0" smtClean="0"/>
-          </a:p>
-        </p:txBody>
-      </p:sp>
-      <p:sp>
-        <p:nvSpPr>
-          <p:cNvPr id="4" name="Slide Number Placeholder 3"/>
-          <p:cNvSpPr>
-            <a:spLocks noGrp="1"/>
-          </p:cNvSpPr>
-          <p:nvPr>
-            <p:ph type="sldNum" sz="quarter" idx="10"/>
-          </p:nvPr>
-        </p:nvSpPr>
-        <p:spPr/>
-        <p:txBody>
-          <a:bodyPr/>
-          <a:lstStyle/>
-          <a:p>
-            <a:fld id="{D890BBE1-2F7F-462B-948A-F73CE40686D9}" type="slidenum">
-              <a:rPr lang="en-US" smtClean="0"/>
-              <a:t>13</a:t>
-            </a:fld>
-            <a:endParaRPr lang="en-US"/>
-          </a:p>
-        </p:txBody>
-      </p:sp>
-    </p:spTree>
-    <p:extLst>
-      <p:ext uri="{BB962C8B-B14F-4D97-AF65-F5344CB8AC3E}">
-        <p14:creationId xmlns:p14="http://schemas.microsoft.com/office/powerpoint/2010/main" val="642398813"/>
-      </p:ext>
-    </p:extLst>
-  </p:cSld>
-  <p:clrMapOvr>
-    <a:masterClrMapping/>
-  </p:clrMapOvr>
-</p:notes>
-</file>
-
 <file path=ppt/slideLayouts/slideLayout1.xml><?xml version="1.0" encoding="utf-8"?>
 <p:sldLayout xmlns:a="http://schemas.openxmlformats.org/drawingml/2006/main" xmlns:r="http://schemas.openxmlformats.org/officeDocument/2006/relationships" xmlns:p="http://schemas.openxmlformats.org/presentationml/2006/main" type="title" preserve="1">
   <p:cSld name="Title Slide">
@@ -3060,10 +3824,9 @@
           </a:lstStyle>
           <a:p>
             <a:r>
-              <a:rPr lang="en-US" smtClean="0"/>
+              <a:rPr lang="en-US"/>
               <a:t>Click to edit Master title style</a:t>
             </a:r>
-            <a:endParaRPr lang="en-US"/>
           </a:p>
         </p:txBody>
       </p:sp>
@@ -3125,10 +3888,9 @@
           </a:lstStyle>
           <a:p>
             <a:r>
-              <a:rPr lang="en-US" smtClean="0"/>
+              <a:rPr lang="en-US"/>
               <a:t>Click to edit Master subtitle style</a:t>
             </a:r>
-            <a:endParaRPr lang="en-US"/>
           </a:p>
         </p:txBody>
       </p:sp>
@@ -3149,7 +3911,7 @@
           <a:p>
             <a:fld id="{60FA8735-98C6-1A46-B17C-DAA0904BFDD3}" type="datetimeFigureOut">
               <a:rPr lang="en-US" smtClean="0"/>
-              <a:t>10/9/18</a:t>
+              <a:t>10/27/18</a:t>
             </a:fld>
             <a:endParaRPr lang="en-US"/>
           </a:p>
@@ -3243,10 +4005,9 @@
           <a:lstStyle/>
           <a:p>
             <a:r>
-              <a:rPr lang="en-US" smtClean="0"/>
+              <a:rPr lang="en-US"/>
               <a:t>Click to edit Master title style</a:t>
             </a:r>
-            <a:endParaRPr lang="en-US"/>
           </a:p>
         </p:txBody>
       </p:sp>
@@ -3267,38 +4028,37 @@
           <a:p>
             <a:pPr lvl="0"/>
             <a:r>
-              <a:rPr lang="en-US" smtClean="0"/>
+              <a:rPr lang="en-US"/>
               <a:t>Click to edit Master text styles</a:t>
             </a:r>
           </a:p>
           <a:p>
             <a:pPr lvl="1"/>
             <a:r>
-              <a:rPr lang="en-US" smtClean="0"/>
+              <a:rPr lang="en-US"/>
               <a:t>Second level</a:t>
             </a:r>
           </a:p>
           <a:p>
             <a:pPr lvl="2"/>
             <a:r>
-              <a:rPr lang="en-US" smtClean="0"/>
+              <a:rPr lang="en-US"/>
               <a:t>Third level</a:t>
             </a:r>
           </a:p>
           <a:p>
             <a:pPr lvl="3"/>
             <a:r>
-              <a:rPr lang="en-US" smtClean="0"/>
+              <a:rPr lang="en-US"/>
               <a:t>Fourth level</a:t>
             </a:r>
           </a:p>
           <a:p>
             <a:pPr lvl="4"/>
             <a:r>
-              <a:rPr lang="en-US" smtClean="0"/>
+              <a:rPr lang="en-US"/>
               <a:t>Fifth level</a:t>
             </a:r>
-            <a:endParaRPr lang="en-US"/>
           </a:p>
         </p:txBody>
       </p:sp>
@@ -3319,7 +4079,7 @@
           <a:p>
             <a:fld id="{60FA8735-98C6-1A46-B17C-DAA0904BFDD3}" type="datetimeFigureOut">
               <a:rPr lang="en-US" smtClean="0"/>
-              <a:t>10/9/18</a:t>
+              <a:t>10/27/18</a:t>
             </a:fld>
             <a:endParaRPr lang="en-US"/>
           </a:p>
@@ -3418,10 +4178,9 @@
           <a:lstStyle/>
           <a:p>
             <a:r>
-              <a:rPr lang="en-US" smtClean="0"/>
+              <a:rPr lang="en-US"/>
               <a:t>Click to edit Master title style</a:t>
             </a:r>
-            <a:endParaRPr lang="en-US"/>
           </a:p>
         </p:txBody>
       </p:sp>
@@ -3447,38 +4206,37 @@
           <a:p>
             <a:pPr lvl="0"/>
             <a:r>
-              <a:rPr lang="en-US" smtClean="0"/>
+              <a:rPr lang="en-US"/>
               <a:t>Click to edit Master text styles</a:t>
             </a:r>
           </a:p>
           <a:p>
             <a:pPr lvl="1"/>
             <a:r>
-              <a:rPr lang="en-US" smtClean="0"/>
+              <a:rPr lang="en-US"/>
               <a:t>Second level</a:t>
             </a:r>
           </a:p>
           <a:p>
             <a:pPr lvl="2"/>
             <a:r>
-              <a:rPr lang="en-US" smtClean="0"/>
+              <a:rPr lang="en-US"/>
               <a:t>Third level</a:t>
             </a:r>
           </a:p>
           <a:p>
             <a:pPr lvl="3"/>
             <a:r>
-              <a:rPr lang="en-US" smtClean="0"/>
+              <a:rPr lang="en-US"/>
               <a:t>Fourth level</a:t>
             </a:r>
           </a:p>
           <a:p>
             <a:pPr lvl="4"/>
             <a:r>
-              <a:rPr lang="en-US" smtClean="0"/>
+              <a:rPr lang="en-US"/>
               <a:t>Fifth level</a:t>
             </a:r>
-            <a:endParaRPr lang="en-US"/>
           </a:p>
         </p:txBody>
       </p:sp>
@@ -3499,7 +4257,7 @@
           <a:p>
             <a:fld id="{60FA8735-98C6-1A46-B17C-DAA0904BFDD3}" type="datetimeFigureOut">
               <a:rPr lang="en-US" smtClean="0"/>
-              <a:t>10/9/18</a:t>
+              <a:t>10/27/18</a:t>
             </a:fld>
             <a:endParaRPr lang="en-US"/>
           </a:p>
@@ -3593,10 +4351,9 @@
           <a:lstStyle/>
           <a:p>
             <a:r>
-              <a:rPr lang="en-US" smtClean="0"/>
+              <a:rPr lang="en-US"/>
               <a:t>Click to edit Master title style</a:t>
             </a:r>
-            <a:endParaRPr lang="en-US"/>
           </a:p>
         </p:txBody>
       </p:sp>
@@ -3617,38 +4374,37 @@
           <a:p>
             <a:pPr lvl="0"/>
             <a:r>
-              <a:rPr lang="en-US" smtClean="0"/>
+              <a:rPr lang="en-US"/>
               <a:t>Click to edit Master text styles</a:t>
             </a:r>
           </a:p>
           <a:p>
             <a:pPr lvl="1"/>
             <a:r>
-              <a:rPr lang="en-US" smtClean="0"/>
+              <a:rPr lang="en-US"/>
               <a:t>Second level</a:t>
             </a:r>
           </a:p>
           <a:p>
             <a:pPr lvl="2"/>
             <a:r>
-              <a:rPr lang="en-US" smtClean="0"/>
+              <a:rPr lang="en-US"/>
               <a:t>Third level</a:t>
             </a:r>
           </a:p>
           <a:p>
             <a:pPr lvl="3"/>
             <a:r>
-              <a:rPr lang="en-US" smtClean="0"/>
+              <a:rPr lang="en-US"/>
               <a:t>Fourth level</a:t>
             </a:r>
           </a:p>
           <a:p>
             <a:pPr lvl="4"/>
             <a:r>
-              <a:rPr lang="en-US" smtClean="0"/>
+              <a:rPr lang="en-US"/>
               <a:t>Fifth level</a:t>
             </a:r>
-            <a:endParaRPr lang="en-US"/>
           </a:p>
         </p:txBody>
       </p:sp>
@@ -3669,7 +4425,7 @@
           <a:p>
             <a:fld id="{60FA8735-98C6-1A46-B17C-DAA0904BFDD3}" type="datetimeFigureOut">
               <a:rPr lang="en-US" smtClean="0"/>
-              <a:t>10/9/18</a:t>
+              <a:t>10/27/18</a:t>
             </a:fld>
             <a:endParaRPr lang="en-US"/>
           </a:p>
@@ -3772,10 +4528,9 @@
           </a:lstStyle>
           <a:p>
             <a:r>
-              <a:rPr lang="en-US" smtClean="0"/>
+              <a:rPr lang="en-US"/>
               <a:t>Click to edit Master title style</a:t>
             </a:r>
-            <a:endParaRPr lang="en-US"/>
           </a:p>
         </p:txBody>
       </p:sp>
@@ -3892,7 +4647,7 @@
           <a:p>
             <a:pPr lvl="0"/>
             <a:r>
-              <a:rPr lang="en-US" smtClean="0"/>
+              <a:rPr lang="en-US"/>
               <a:t>Click to edit Master text styles</a:t>
             </a:r>
           </a:p>
@@ -3915,7 +4670,7 @@
           <a:p>
             <a:fld id="{60FA8735-98C6-1A46-B17C-DAA0904BFDD3}" type="datetimeFigureOut">
               <a:rPr lang="en-US" smtClean="0"/>
-              <a:t>10/9/18</a:t>
+              <a:t>10/27/18</a:t>
             </a:fld>
             <a:endParaRPr lang="en-US"/>
           </a:p>
@@ -4009,10 +4764,9 @@
           <a:lstStyle/>
           <a:p>
             <a:r>
-              <a:rPr lang="en-US" smtClean="0"/>
+              <a:rPr lang="en-US"/>
               <a:t>Click to edit Master title style</a:t>
             </a:r>
-            <a:endParaRPr lang="en-US"/>
           </a:p>
         </p:txBody>
       </p:sp>
@@ -4038,38 +4792,37 @@
           <a:p>
             <a:pPr lvl="0"/>
             <a:r>
-              <a:rPr lang="en-US" smtClean="0"/>
+              <a:rPr lang="en-US"/>
               <a:t>Click to edit Master text styles</a:t>
             </a:r>
           </a:p>
           <a:p>
             <a:pPr lvl="1"/>
             <a:r>
-              <a:rPr lang="en-US" smtClean="0"/>
+              <a:rPr lang="en-US"/>
               <a:t>Second level</a:t>
             </a:r>
           </a:p>
           <a:p>
             <a:pPr lvl="2"/>
             <a:r>
-              <a:rPr lang="en-US" smtClean="0"/>
+              <a:rPr lang="en-US"/>
               <a:t>Third level</a:t>
             </a:r>
           </a:p>
           <a:p>
             <a:pPr lvl="3"/>
             <a:r>
-              <a:rPr lang="en-US" smtClean="0"/>
+              <a:rPr lang="en-US"/>
               <a:t>Fourth level</a:t>
             </a:r>
           </a:p>
           <a:p>
             <a:pPr lvl="4"/>
             <a:r>
-              <a:rPr lang="en-US" smtClean="0"/>
+              <a:rPr lang="en-US"/>
               <a:t>Fifth level</a:t>
             </a:r>
-            <a:endParaRPr lang="en-US"/>
           </a:p>
         </p:txBody>
       </p:sp>
@@ -4095,38 +4848,37 @@
           <a:p>
             <a:pPr lvl="0"/>
             <a:r>
-              <a:rPr lang="en-US" smtClean="0"/>
+              <a:rPr lang="en-US"/>
               <a:t>Click to edit Master text styles</a:t>
             </a:r>
           </a:p>
           <a:p>
             <a:pPr lvl="1"/>
             <a:r>
-              <a:rPr lang="en-US" smtClean="0"/>
+              <a:rPr lang="en-US"/>
               <a:t>Second level</a:t>
             </a:r>
           </a:p>
           <a:p>
             <a:pPr lvl="2"/>
             <a:r>
-              <a:rPr lang="en-US" smtClean="0"/>
+              <a:rPr lang="en-US"/>
               <a:t>Third level</a:t>
             </a:r>
           </a:p>
           <a:p>
             <a:pPr lvl="3"/>
             <a:r>
-              <a:rPr lang="en-US" smtClean="0"/>
+              <a:rPr lang="en-US"/>
               <a:t>Fourth level</a:t>
             </a:r>
           </a:p>
           <a:p>
             <a:pPr lvl="4"/>
             <a:r>
-              <a:rPr lang="en-US" smtClean="0"/>
+              <a:rPr lang="en-US"/>
               <a:t>Fifth level</a:t>
             </a:r>
-            <a:endParaRPr lang="en-US"/>
           </a:p>
         </p:txBody>
       </p:sp>
@@ -4147,7 +4899,7 @@
           <a:p>
             <a:fld id="{60FA8735-98C6-1A46-B17C-DAA0904BFDD3}" type="datetimeFigureOut">
               <a:rPr lang="en-US" smtClean="0"/>
-              <a:t>10/9/18</a:t>
+              <a:t>10/27/18</a:t>
             </a:fld>
             <a:endParaRPr lang="en-US"/>
           </a:p>
@@ -4246,10 +4998,9 @@
           <a:lstStyle/>
           <a:p>
             <a:r>
-              <a:rPr lang="en-US" smtClean="0"/>
+              <a:rPr lang="en-US"/>
               <a:t>Click to edit Master title style</a:t>
             </a:r>
-            <a:endParaRPr lang="en-US"/>
           </a:p>
         </p:txBody>
       </p:sp>
@@ -4312,7 +5063,7 @@
           <a:p>
             <a:pPr lvl="0"/>
             <a:r>
-              <a:rPr lang="en-US" smtClean="0"/>
+              <a:rPr lang="en-US"/>
               <a:t>Click to edit Master text styles</a:t>
             </a:r>
           </a:p>
@@ -4340,38 +5091,37 @@
           <a:p>
             <a:pPr lvl="0"/>
             <a:r>
-              <a:rPr lang="en-US" smtClean="0"/>
+              <a:rPr lang="en-US"/>
               <a:t>Click to edit Master text styles</a:t>
             </a:r>
           </a:p>
           <a:p>
             <a:pPr lvl="1"/>
             <a:r>
-              <a:rPr lang="en-US" smtClean="0"/>
+              <a:rPr lang="en-US"/>
               <a:t>Second level</a:t>
             </a:r>
           </a:p>
           <a:p>
             <a:pPr lvl="2"/>
             <a:r>
-              <a:rPr lang="en-US" smtClean="0"/>
+              <a:rPr lang="en-US"/>
               <a:t>Third level</a:t>
             </a:r>
           </a:p>
           <a:p>
             <a:pPr lvl="3"/>
             <a:r>
-              <a:rPr lang="en-US" smtClean="0"/>
+              <a:rPr lang="en-US"/>
               <a:t>Fourth level</a:t>
             </a:r>
           </a:p>
           <a:p>
             <a:pPr lvl="4"/>
             <a:r>
-              <a:rPr lang="en-US" smtClean="0"/>
+              <a:rPr lang="en-US"/>
               <a:t>Fifth level</a:t>
             </a:r>
-            <a:endParaRPr lang="en-US"/>
           </a:p>
         </p:txBody>
       </p:sp>
@@ -4434,7 +5184,7 @@
           <a:p>
             <a:pPr lvl="0"/>
             <a:r>
-              <a:rPr lang="en-US" smtClean="0"/>
+              <a:rPr lang="en-US"/>
               <a:t>Click to edit Master text styles</a:t>
             </a:r>
           </a:p>
@@ -4462,38 +5212,37 @@
           <a:p>
             <a:pPr lvl="0"/>
             <a:r>
-              <a:rPr lang="en-US" smtClean="0"/>
+              <a:rPr lang="en-US"/>
               <a:t>Click to edit Master text styles</a:t>
             </a:r>
           </a:p>
           <a:p>
             <a:pPr lvl="1"/>
             <a:r>
-              <a:rPr lang="en-US" smtClean="0"/>
+              <a:rPr lang="en-US"/>
               <a:t>Second level</a:t>
             </a:r>
           </a:p>
           <a:p>
             <a:pPr lvl="2"/>
             <a:r>
-              <a:rPr lang="en-US" smtClean="0"/>
+              <a:rPr lang="en-US"/>
               <a:t>Third level</a:t>
             </a:r>
           </a:p>
           <a:p>
             <a:pPr lvl="3"/>
             <a:r>
-              <a:rPr lang="en-US" smtClean="0"/>
+              <a:rPr lang="en-US"/>
               <a:t>Fourth level</a:t>
             </a:r>
           </a:p>
           <a:p>
             <a:pPr lvl="4"/>
             <a:r>
-              <a:rPr lang="en-US" smtClean="0"/>
+              <a:rPr lang="en-US"/>
               <a:t>Fifth level</a:t>
             </a:r>
-            <a:endParaRPr lang="en-US"/>
           </a:p>
         </p:txBody>
       </p:sp>
@@ -4514,7 +5263,7 @@
           <a:p>
             <a:fld id="{60FA8735-98C6-1A46-B17C-DAA0904BFDD3}" type="datetimeFigureOut">
               <a:rPr lang="en-US" smtClean="0"/>
-              <a:t>10/9/18</a:t>
+              <a:t>10/27/18</a:t>
             </a:fld>
             <a:endParaRPr lang="en-US"/>
           </a:p>
@@ -4608,10 +5357,9 @@
           <a:lstStyle/>
           <a:p>
             <a:r>
-              <a:rPr lang="en-US" smtClean="0"/>
+              <a:rPr lang="en-US"/>
               <a:t>Click to edit Master title style</a:t>
             </a:r>
-            <a:endParaRPr lang="en-US"/>
           </a:p>
         </p:txBody>
       </p:sp>
@@ -4632,7 +5380,7 @@
           <a:p>
             <a:fld id="{60FA8735-98C6-1A46-B17C-DAA0904BFDD3}" type="datetimeFigureOut">
               <a:rPr lang="en-US" smtClean="0"/>
-              <a:t>10/9/18</a:t>
+              <a:t>10/27/18</a:t>
             </a:fld>
             <a:endParaRPr lang="en-US"/>
           </a:p>
@@ -4727,7 +5475,7 @@
           <a:p>
             <a:fld id="{60FA8735-98C6-1A46-B17C-DAA0904BFDD3}" type="datetimeFigureOut">
               <a:rPr lang="en-US" smtClean="0"/>
-              <a:t>10/9/18</a:t>
+              <a:t>10/27/18</a:t>
             </a:fld>
             <a:endParaRPr lang="en-US"/>
           </a:p>
@@ -4830,10 +5578,9 @@
           </a:lstStyle>
           <a:p>
             <a:r>
-              <a:rPr lang="en-US" smtClean="0"/>
+              <a:rPr lang="en-US"/>
               <a:t>Click to edit Master title style</a:t>
             </a:r>
-            <a:endParaRPr lang="en-US"/>
           </a:p>
         </p:txBody>
       </p:sp>
@@ -4887,38 +5634,37 @@
           <a:p>
             <a:pPr lvl="0"/>
             <a:r>
-              <a:rPr lang="en-US" smtClean="0"/>
+              <a:rPr lang="en-US"/>
               <a:t>Click to edit Master text styles</a:t>
             </a:r>
           </a:p>
           <a:p>
             <a:pPr lvl="1"/>
             <a:r>
-              <a:rPr lang="en-US" smtClean="0"/>
+              <a:rPr lang="en-US"/>
               <a:t>Second level</a:t>
             </a:r>
           </a:p>
           <a:p>
             <a:pPr lvl="2"/>
             <a:r>
-              <a:rPr lang="en-US" smtClean="0"/>
+              <a:rPr lang="en-US"/>
               <a:t>Third level</a:t>
             </a:r>
           </a:p>
           <a:p>
             <a:pPr lvl="3"/>
             <a:r>
-              <a:rPr lang="en-US" smtClean="0"/>
+              <a:rPr lang="en-US"/>
               <a:t>Fourth level</a:t>
             </a:r>
           </a:p>
           <a:p>
             <a:pPr lvl="4"/>
             <a:r>
-              <a:rPr lang="en-US" smtClean="0"/>
+              <a:rPr lang="en-US"/>
               <a:t>Fifth level</a:t>
             </a:r>
-            <a:endParaRPr lang="en-US"/>
           </a:p>
         </p:txBody>
       </p:sp>
@@ -4981,7 +5727,7 @@
           <a:p>
             <a:pPr lvl="0"/>
             <a:r>
-              <a:rPr lang="en-US" smtClean="0"/>
+              <a:rPr lang="en-US"/>
               <a:t>Click to edit Master text styles</a:t>
             </a:r>
           </a:p>
@@ -5004,7 +5750,7 @@
           <a:p>
             <a:fld id="{60FA8735-98C6-1A46-B17C-DAA0904BFDD3}" type="datetimeFigureOut">
               <a:rPr lang="en-US" smtClean="0"/>
-              <a:t>10/9/18</a:t>
+              <a:t>10/27/18</a:t>
             </a:fld>
             <a:endParaRPr lang="en-US"/>
           </a:p>
@@ -5107,10 +5853,9 @@
           </a:lstStyle>
           <a:p>
             <a:r>
-              <a:rPr lang="en-US" smtClean="0"/>
+              <a:rPr lang="en-US"/>
               <a:t>Click to edit Master title style</a:t>
             </a:r>
-            <a:endParaRPr lang="en-US"/>
           </a:p>
         </p:txBody>
       </p:sp>
@@ -5234,7 +5979,7 @@
           <a:p>
             <a:pPr lvl="0"/>
             <a:r>
-              <a:rPr lang="en-US" smtClean="0"/>
+              <a:rPr lang="en-US"/>
               <a:t>Click to edit Master text styles</a:t>
             </a:r>
           </a:p>
@@ -5257,7 +6002,7 @@
           <a:p>
             <a:fld id="{60FA8735-98C6-1A46-B17C-DAA0904BFDD3}" type="datetimeFigureOut">
               <a:rPr lang="en-US" smtClean="0"/>
-              <a:t>10/9/18</a:t>
+              <a:t>10/27/18</a:t>
             </a:fld>
             <a:endParaRPr lang="en-US"/>
           </a:p>
@@ -5366,10 +6111,9 @@
           <a:lstStyle/>
           <a:p>
             <a:r>
-              <a:rPr lang="en-US" smtClean="0"/>
+              <a:rPr lang="en-US"/>
               <a:t>Click to edit Master title style</a:t>
             </a:r>
-            <a:endParaRPr lang="en-US"/>
           </a:p>
         </p:txBody>
       </p:sp>
@@ -5400,38 +6144,37 @@
           <a:p>
             <a:pPr lvl="0"/>
             <a:r>
-              <a:rPr lang="en-US" smtClean="0"/>
+              <a:rPr lang="en-US"/>
               <a:t>Click to edit Master text styles</a:t>
             </a:r>
           </a:p>
           <a:p>
             <a:pPr lvl="1"/>
             <a:r>
-              <a:rPr lang="en-US" smtClean="0"/>
+              <a:rPr lang="en-US"/>
               <a:t>Second level</a:t>
             </a:r>
           </a:p>
           <a:p>
             <a:pPr lvl="2"/>
             <a:r>
-              <a:rPr lang="en-US" smtClean="0"/>
+              <a:rPr lang="en-US"/>
               <a:t>Third level</a:t>
             </a:r>
           </a:p>
           <a:p>
             <a:pPr lvl="3"/>
             <a:r>
-              <a:rPr lang="en-US" smtClean="0"/>
+              <a:rPr lang="en-US"/>
               <a:t>Fourth level</a:t>
             </a:r>
           </a:p>
           <a:p>
             <a:pPr lvl="4"/>
             <a:r>
-              <a:rPr lang="en-US" smtClean="0"/>
+              <a:rPr lang="en-US"/>
               <a:t>Fifth level</a:t>
             </a:r>
-            <a:endParaRPr lang="en-US"/>
           </a:p>
         </p:txBody>
       </p:sp>
@@ -5470,7 +6213,7 @@
           <a:p>
             <a:fld id="{60FA8735-98C6-1A46-B17C-DAA0904BFDD3}" type="datetimeFigureOut">
               <a:rPr lang="en-US" smtClean="0"/>
-              <a:t>10/9/18</a:t>
+              <a:t>10/27/18</a:t>
             </a:fld>
             <a:endParaRPr lang="en-US"/>
           </a:p>
@@ -5891,10 +6634,9 @@
           <a:lstStyle/>
           <a:p>
             <a:r>
-              <a:rPr lang="en-US" dirty="0" smtClean="0"/>
+              <a:rPr lang="en-US" dirty="0"/>
               <a:t>Lecture 12: Neural Language Models</a:t>
             </a:r>
-            <a:endParaRPr lang="en-US" dirty="0"/>
           </a:p>
         </p:txBody>
       </p:sp>
@@ -5916,42 +6658,42 @@
           <a:lstStyle/>
           <a:p>
             <a:r>
-              <a:rPr lang="en-US" dirty="0" smtClean="0"/>
+              <a:rPr lang="en-US" dirty="0"/>
               <a:t>USC CSCI 544: Applied Natural Language Processing</a:t>
             </a:r>
           </a:p>
           <a:p>
             <a:r>
-              <a:rPr lang="en-US" dirty="0" smtClean="0"/>
+              <a:rPr lang="en-US" dirty="0"/>
               <a:t>Jonathan May -- 梅約納</a:t>
             </a:r>
           </a:p>
           <a:p>
             <a:r>
-              <a:rPr lang="en-US" altLang="zh-CN" dirty="0" err="1" smtClean="0"/>
+              <a:rPr lang="en-US" altLang="zh-CN" dirty="0" err="1"/>
               <a:t>Nanyun</a:t>
             </a:r>
             <a:r>
-              <a:rPr lang="en-US" altLang="zh-CN" dirty="0" smtClean="0"/>
+              <a:rPr lang="en-US" altLang="zh-CN" dirty="0"/>
               <a:t> (Violet) Peng -- </a:t>
             </a:r>
             <a:r>
-              <a:rPr lang="zh-CN" altLang="en-US" dirty="0" smtClean="0"/>
+              <a:rPr lang="zh-CN" altLang="en-US" dirty="0"/>
               <a:t>彭楠赟</a:t>
             </a:r>
-            <a:endParaRPr lang="en-US" dirty="0" smtClean="0"/>
+            <a:endParaRPr lang="en-US" dirty="0"/>
           </a:p>
           <a:p>
             <a:r>
-              <a:rPr lang="en-US" dirty="0" smtClean="0"/>
+              <a:rPr lang="en-US" dirty="0"/>
               <a:t>September </a:t>
             </a:r>
             <a:r>
-              <a:rPr lang="en-US" altLang="zh-CN" dirty="0" smtClean="0"/>
+              <a:rPr lang="en-US" altLang="zh-CN" dirty="0"/>
               <a:t>28</a:t>
             </a:r>
             <a:r>
-              <a:rPr lang="en-US" dirty="0" smtClean="0"/>
+              <a:rPr lang="en-US" dirty="0"/>
               <a:t>, 2018</a:t>
             </a:r>
           </a:p>
@@ -5984,13 +6726,8 @@
           <a:p>
             <a:r>
               <a:rPr lang="en-US" dirty="0"/>
-              <a:t>based on slides </a:t>
+              <a:t>based on slides of Kai-Wei Chang</a:t>
             </a:r>
-            <a:r>
-              <a:rPr lang="en-US" dirty="0" smtClean="0"/>
-              <a:t>of Kai-Wei Chang</a:t>
-            </a:r>
-            <a:endParaRPr lang="en-US" dirty="0"/>
           </a:p>
         </p:txBody>
       </p:sp>
@@ -6004,13 +6741,6 @@
   <p:clrMapOvr>
     <a:masterClrMapping/>
   </p:clrMapOvr>
-  <p:timing>
-    <p:tnLst>
-      <p:par>
-        <p:cTn id="1" dur="indefinite" restart="never" nodeType="tmRoot"/>
-      </p:par>
-    </p:tnLst>
-  </p:timing>
 </p:sld>
 </file>
 
@@ -6047,10 +6777,9 @@
           <a:lstStyle/>
           <a:p>
             <a:r>
-              <a:rPr lang="en-GB" dirty="0" smtClean="0"/>
+              <a:rPr lang="en-GB" dirty="0"/>
               <a:t>Vector-space representation of words</a:t>
             </a:r>
-            <a:endParaRPr lang="en-GB" dirty="0"/>
           </a:p>
         </p:txBody>
       </p:sp>
@@ -6077,28 +6806,28 @@
           <a:lstStyle/>
           <a:p>
             <a:r>
-              <a:rPr lang="en-GB" dirty="0" smtClean="0"/>
+              <a:rPr lang="en-GB" dirty="0"/>
               <a:t>Compare two words using vector representations:</a:t>
             </a:r>
           </a:p>
           <a:p>
             <a:pPr lvl="1"/>
             <a:r>
-              <a:rPr lang="en-GB" dirty="0" smtClean="0"/>
+              <a:rPr lang="en-GB" dirty="0"/>
               <a:t>Dot product</a:t>
             </a:r>
           </a:p>
           <a:p>
             <a:pPr lvl="1"/>
             <a:r>
-              <a:rPr lang="en-GB" dirty="0" smtClean="0"/>
+              <a:rPr lang="en-GB" dirty="0"/>
               <a:t>Cosine similarity</a:t>
             </a:r>
           </a:p>
           <a:p>
             <a:pPr lvl="1"/>
             <a:r>
-              <a:rPr lang="en-GB" dirty="0" smtClean="0"/>
+              <a:rPr lang="en-GB" dirty="0"/>
               <a:t>Euclidean distance</a:t>
             </a:r>
           </a:p>
@@ -6314,25 +7043,36 @@
           </a:lstStyle>
           <a:p>
             <a:r>
-              <a:rPr lang="en-GB" dirty="0" smtClean="0"/>
+              <a:rPr lang="en-GB" dirty="0"/>
               <a:t>Normalized probability:</a:t>
             </a:r>
           </a:p>
           <a:p>
             <a:pPr lvl="1"/>
             <a:r>
-              <a:rPr lang="en-GB" dirty="0" smtClean="0"/>
+              <a:rPr lang="en-GB" dirty="0">
+                <a:highlight>
+                  <a:srgbClr val="FFFF00"/>
+                </a:highlight>
+              </a:rPr>
               <a:t>Using </a:t>
             </a:r>
             <a:r>
-              <a:rPr lang="en-GB" b="1" dirty="0" err="1" smtClean="0"/>
+              <a:rPr lang="en-GB" b="1" dirty="0" err="1">
+                <a:highlight>
+                  <a:srgbClr val="FFFF00"/>
+                </a:highlight>
+              </a:rPr>
               <a:t>softmax</a:t>
             </a:r>
             <a:r>
-              <a:rPr lang="en-GB" dirty="0" smtClean="0"/>
+              <a:rPr lang="en-GB" dirty="0">
+                <a:highlight>
+                  <a:srgbClr val="FFFF00"/>
+                </a:highlight>
+              </a:rPr>
               <a:t> function</a:t>
             </a:r>
-            <a:endParaRPr lang="en-GB" dirty="0"/>
           </a:p>
         </p:txBody>
       </p:sp>
@@ -6358,7 +7098,7 @@
           <a:graphicData uri="http://schemas.openxmlformats.org/presentationml/2006/ole">
             <mc:AlternateContent xmlns:mc="http://schemas.openxmlformats.org/markup-compatibility/2006">
               <mc:Choice xmlns:v="urn:schemas-microsoft-com:vml" Requires="v">
-                <p:oleObj spid="_x0000_s72782" name="Equation" r:id="rId3" imgW="1765080" imgH="507960" progId="Equation.3">
+                <p:oleObj spid="_x0000_s72803" name="Equation" r:id="rId3" imgW="1765080" imgH="507960" progId="Equation.3">
                   <p:embed/>
                 </p:oleObj>
               </mc:Choice>
@@ -6614,7 +7354,7 @@
           <a:lstStyle/>
           <a:p>
             <a:r>
-              <a:rPr lang="en-GB" b="1" dirty="0" smtClean="0">
+              <a:rPr lang="en-GB" b="1" dirty="0">
                 <a:solidFill>
                   <a:schemeClr val="tx1"/>
                 </a:solidFill>
@@ -6622,14 +7362,14 @@
               <a:t>Log-likelihood model</a:t>
             </a:r>
             <a:r>
-              <a:rPr lang="en-GB" dirty="0" smtClean="0"/>
+              <a:rPr lang="en-GB" dirty="0"/>
               <a:t>:</a:t>
             </a:r>
           </a:p>
           <a:p>
             <a:pPr lvl="1"/>
             <a:r>
-              <a:rPr lang="en-GB" dirty="0" smtClean="0"/>
+              <a:rPr lang="en-GB" dirty="0"/>
               <a:t>Numerically more stable</a:t>
             </a:r>
           </a:p>
@@ -6637,25 +7377,25 @@
             <a:endParaRPr lang="en-GB" dirty="0"/>
           </a:p>
           <a:p>
-            <a:endParaRPr lang="en-GB" dirty="0" smtClean="0"/>
+            <a:endParaRPr lang="en-GB" dirty="0"/>
           </a:p>
           <a:p>
-            <a:endParaRPr lang="en-GB" b="1" dirty="0" smtClean="0"/>
+            <a:endParaRPr lang="en-GB" b="1" dirty="0"/>
           </a:p>
           <a:p>
             <a:r>
-              <a:rPr lang="en-GB" b="1" dirty="0" smtClean="0"/>
+              <a:rPr lang="en-GB" b="1" dirty="0"/>
               <a:t>Loss function </a:t>
             </a:r>
             <a:r>
-              <a:rPr lang="en-GB" dirty="0" smtClean="0"/>
+              <a:rPr lang="en-GB" dirty="0"/>
               <a:t>to maximize:</a:t>
             </a:r>
           </a:p>
           <a:p>
             <a:pPr lvl="1"/>
             <a:r>
-              <a:rPr lang="en-GB" dirty="0" smtClean="0"/>
+              <a:rPr lang="en-GB" dirty="0"/>
               <a:t>Log-likelihood</a:t>
             </a:r>
           </a:p>
@@ -6665,20 +7405,20 @@
           </a:p>
           <a:p>
             <a:pPr lvl="1"/>
-            <a:endParaRPr lang="en-GB" dirty="0" smtClean="0"/>
+            <a:endParaRPr lang="en-GB" dirty="0"/>
           </a:p>
           <a:p>
             <a:pPr lvl="1"/>
-            <a:endParaRPr lang="en-GB" dirty="0" smtClean="0"/>
+            <a:endParaRPr lang="en-GB" dirty="0"/>
           </a:p>
           <a:p>
             <a:pPr lvl="1"/>
             <a:r>
-              <a:rPr lang="en-GB" dirty="0" smtClean="0"/>
+              <a:rPr lang="en-GB" dirty="0"/>
               <a:t>In general, loss defined as: </a:t>
             </a:r>
             <a:r>
-              <a:rPr lang="en-GB" b="1" dirty="0" smtClean="0">
+              <a:rPr lang="en-GB" b="1" dirty="0">
                 <a:solidFill>
                   <a:srgbClr val="0070C0"/>
                 </a:solidFill>
@@ -6686,11 +7426,11 @@
               <a:t>score of the right answer </a:t>
             </a:r>
             <a:r>
-              <a:rPr lang="en-GB" dirty="0" smtClean="0"/>
+              <a:rPr lang="en-GB" dirty="0"/>
               <a:t>+ </a:t>
             </a:r>
             <a:r>
-              <a:rPr lang="en-GB" b="1" dirty="0" smtClean="0">
+              <a:rPr lang="en-GB" b="1" dirty="0">
                 <a:solidFill>
                   <a:schemeClr val="accent5"/>
                 </a:solidFill>
@@ -6982,7 +7722,7 @@
           <a:graphicData uri="http://schemas.openxmlformats.org/presentationml/2006/ole">
             <mc:AlternateContent xmlns:mc="http://schemas.openxmlformats.org/markup-compatibility/2006">
               <mc:Choice xmlns:v="urn:schemas-microsoft-com:vml" Requires="v">
-                <p:oleObj spid="_x0000_s74974" name="Equation" r:id="rId4" imgW="2869920" imgH="291960" progId="Equation.3">
+                <p:oleObj spid="_x0000_s75037" name="Equation" r:id="rId4" imgW="2869920" imgH="291960" progId="Equation.3">
                   <p:embed/>
                 </p:oleObj>
               </mc:Choice>
@@ -7039,7 +7779,7 @@
           <a:graphicData uri="http://schemas.openxmlformats.org/presentationml/2006/ole">
             <mc:AlternateContent xmlns:mc="http://schemas.openxmlformats.org/markup-compatibility/2006">
               <mc:Choice xmlns:v="urn:schemas-microsoft-com:vml" Requires="v">
-                <p:oleObj spid="_x0000_s74975" name="Equation" r:id="rId6" imgW="4241520" imgH="457200" progId="Equation.3">
+                <p:oleObj spid="_x0000_s75038" name="Equation" r:id="rId6" imgW="4241520" imgH="457200" progId="Equation.3">
                   <p:embed/>
                 </p:oleObj>
               </mc:Choice>
@@ -7096,7 +7836,7 @@
           <a:graphicData uri="http://schemas.openxmlformats.org/presentationml/2006/ole">
             <mc:AlternateContent xmlns:mc="http://schemas.openxmlformats.org/markup-compatibility/2006">
               <mc:Choice xmlns:v="urn:schemas-microsoft-com:vml" Requires="v">
-                <p:oleObj spid="_x0000_s74976" name="Equation" r:id="rId8" imgW="1739880" imgH="507960" progId="Equation.3">
+                <p:oleObj spid="_x0000_s75039" name="Equation" r:id="rId8" imgW="1739880" imgH="507960" progId="Equation.3">
                   <p:embed/>
                 </p:oleObj>
               </mc:Choice>
@@ -7401,16 +8141,12 @@
           <a:p>
             <a:pPr algn="l"/>
             <a:r>
-              <a:rPr lang="en-US" dirty="0" smtClean="0">
+              <a:rPr lang="en-US" dirty="0">
                 <a:latin typeface="Times New Roman" panose="02020603050405020304" pitchFamily="18" charset="0"/>
                 <a:cs typeface="Times New Roman" panose="02020603050405020304" pitchFamily="18" charset="0"/>
               </a:rPr>
               <a:t>Neural Networks </a:t>
             </a:r>
-            <a:endParaRPr lang="en-US" dirty="0">
-              <a:latin typeface="Times New Roman" panose="02020603050405020304" pitchFamily="18" charset="0"/>
-              <a:cs typeface="Times New Roman" panose="02020603050405020304" pitchFamily="18" charset="0"/>
-            </a:endParaRPr>
           </a:p>
         </p:txBody>
       </p:sp>
@@ -7685,14 +8421,14 @@
           </a:lstStyle>
           <a:p>
             <a:r>
-              <a:rPr lang="en-US" sz="2800" dirty="0" smtClean="0">
+              <a:rPr lang="en-US" sz="2800" dirty="0">
                 <a:latin typeface="Times New Roman" panose="02020603050405020304" pitchFamily="18" charset="0"/>
                 <a:cs typeface="Times New Roman" panose="02020603050405020304" pitchFamily="18" charset="0"/>
               </a:rPr>
               <a:t>Let’s consider a </a:t>
             </a:r>
             <a:r>
-              <a:rPr lang="en-US" sz="2800" dirty="0" smtClean="0">
+              <a:rPr lang="en-US" sz="2800" dirty="0">
                 <a:solidFill>
                   <a:srgbClr val="0066FF"/>
                 </a:solidFill>
@@ -7702,13 +8438,13 @@
               <a:t>3-layer</a:t>
             </a:r>
             <a:r>
-              <a:rPr lang="en-US" sz="2800" dirty="0" smtClean="0">
+              <a:rPr lang="en-US" sz="2800" dirty="0">
                 <a:latin typeface="Times New Roman" panose="02020603050405020304" pitchFamily="18" charset="0"/>
                 <a:cs typeface="Times New Roman" panose="02020603050405020304" pitchFamily="18" charset="0"/>
               </a:rPr>
               <a:t> neural network</a:t>
             </a:r>
-            <a:endParaRPr lang="en-US" sz="2800" dirty="0" smtClean="0">
+            <a:endParaRPr lang="en-US" sz="2800" dirty="0">
               <a:solidFill>
                 <a:srgbClr val="0066FF"/>
               </a:solidFill>
@@ -7758,21 +8494,6 @@
   <p:clrMapOvr>
     <a:masterClrMapping/>
   </p:clrMapOvr>
-  <mc:AlternateContent xmlns:mc="http://schemas.openxmlformats.org/markup-compatibility/2006" xmlns:p14="http://schemas.microsoft.com/office/powerpoint/2010/main">
-    <mc:Choice Requires="p14">
-      <p:transition spd="slow" p14:dur="2000"/>
-    </mc:Choice>
-    <mc:Fallback xmlns="">
-      <p:transition spd="slow"/>
-    </mc:Fallback>
-  </mc:AlternateContent>
-  <p:timing>
-    <p:tnLst>
-      <p:par>
-        <p:cTn id="1" dur="indefinite" restart="never" nodeType="tmRoot"/>
-      </p:par>
-    </p:tnLst>
-  </p:timing>
 </p:sld>
 </file>
 
@@ -7817,16 +8538,12 @@
           <a:p>
             <a:pPr algn="l"/>
             <a:r>
-              <a:rPr lang="en-US" dirty="0" smtClean="0">
+              <a:rPr lang="en-US" dirty="0">
                 <a:latin typeface="Times New Roman" panose="02020603050405020304" pitchFamily="18" charset="0"/>
                 <a:cs typeface="Times New Roman" panose="02020603050405020304" pitchFamily="18" charset="0"/>
               </a:rPr>
               <a:t>How NN Makes Predictions</a:t>
             </a:r>
-            <a:endParaRPr lang="en-US" dirty="0">
-              <a:latin typeface="Times New Roman" panose="02020603050405020304" pitchFamily="18" charset="0"/>
-              <a:cs typeface="Times New Roman" panose="02020603050405020304" pitchFamily="18" charset="0"/>
-            </a:endParaRPr>
           </a:p>
         </p:txBody>
       </p:sp>
@@ -8106,7 +8823,7 @@
           </a:lstStyle>
           <a:p>
             <a:r>
-              <a:rPr lang="en-US" sz="2800" dirty="0" smtClean="0">
+              <a:rPr lang="en-US" sz="2800" dirty="0">
                 <a:latin typeface="Times New Roman" panose="02020603050405020304" pitchFamily="18" charset="0"/>
                 <a:cs typeface="Times New Roman" panose="02020603050405020304" pitchFamily="18" charset="0"/>
               </a:rPr>
@@ -8115,14 +8832,14 @@
           </a:p>
           <a:p>
             <a:r>
-              <a:rPr lang="en-US" sz="2800" dirty="0" smtClean="0">
+              <a:rPr lang="en-US" sz="2800" dirty="0">
                 <a:latin typeface="Times New Roman" panose="02020603050405020304" pitchFamily="18" charset="0"/>
                 <a:cs typeface="Times New Roman" panose="02020603050405020304" pitchFamily="18" charset="0"/>
               </a:rPr>
               <a:t>Just a bunch of </a:t>
             </a:r>
             <a:r>
-              <a:rPr lang="en-US" sz="2800" dirty="0" smtClean="0">
+              <a:rPr lang="en-US" sz="2800" dirty="0">
                 <a:solidFill>
                   <a:srgbClr val="0066FF"/>
                 </a:solidFill>
@@ -8132,14 +8849,14 @@
               <a:t>linear transformation </a:t>
             </a:r>
             <a:r>
-              <a:rPr lang="en-US" sz="2800" dirty="0" smtClean="0">
+              <a:rPr lang="en-US" sz="2800" dirty="0">
                 <a:latin typeface="Times New Roman" panose="02020603050405020304" pitchFamily="18" charset="0"/>
                 <a:cs typeface="Times New Roman" panose="02020603050405020304" pitchFamily="18" charset="0"/>
               </a:rPr>
               <a:t>and applying the </a:t>
             </a:r>
             <a:r>
-              <a:rPr lang="en-US" sz="2800" dirty="0" smtClean="0">
+              <a:rPr lang="en-US" sz="2800" dirty="0">
                 <a:solidFill>
                   <a:srgbClr val="0066FF"/>
                 </a:solidFill>
@@ -8149,7 +8866,7 @@
               <a:t>activation functions </a:t>
             </a:r>
             <a:r>
-              <a:rPr lang="en-US" sz="2800" dirty="0" smtClean="0">
+              <a:rPr lang="en-US" sz="2800" dirty="0">
                 <a:latin typeface="Times New Roman" panose="02020603050405020304" pitchFamily="18" charset="0"/>
                 <a:cs typeface="Times New Roman" panose="02020603050405020304" pitchFamily="18" charset="0"/>
               </a:rPr>
@@ -8193,7 +8910,7 @@
                         <m:sSubPr>
                           <m:ctrlPr>
                             <a:rPr lang="en-US" sz="2400" i="1" smtClean="0">
-                              <a:latin typeface="Cambria Math" charset="0"/>
+                              <a:latin typeface="Cambria Math" panose="02040503050406030204" pitchFamily="18" charset="0"/>
                             </a:rPr>
                           </m:ctrlPr>
                         </m:sSubPr>
@@ -8230,7 +8947,7 @@
                         <m:sSubPr>
                           <m:ctrlPr>
                             <a:rPr lang="en-US" sz="2400" b="0" i="1" smtClean="0">
-                              <a:latin typeface="Cambria Math" charset="0"/>
+                              <a:latin typeface="Cambria Math" panose="02040503050406030204" pitchFamily="18" charset="0"/>
                             </a:rPr>
                           </m:ctrlPr>
                         </m:sSubPr>
@@ -8261,7 +8978,7 @@
                         <m:sSubPr>
                           <m:ctrlPr>
                             <a:rPr lang="en-US" sz="2400" b="0" i="1" smtClean="0">
-                              <a:latin typeface="Cambria Math" charset="0"/>
+                              <a:latin typeface="Cambria Math" panose="02040503050406030204" pitchFamily="18" charset="0"/>
                             </a:rPr>
                           </m:ctrlPr>
                         </m:sSubPr>
@@ -8364,7 +9081,7 @@
                         <m:sSubPr>
                           <m:ctrlPr>
                             <a:rPr lang="en-US" sz="2400" i="1" smtClean="0">
-                              <a:latin typeface="Cambria Math" charset="0"/>
+                              <a:latin typeface="Cambria Math" panose="02040503050406030204" pitchFamily="18" charset="0"/>
                             </a:rPr>
                           </m:ctrlPr>
                         </m:sSubPr>
@@ -8407,7 +9124,7 @@
                         <m:sSubPr>
                           <m:ctrlPr>
                             <a:rPr lang="en-US" sz="2400" b="0" i="1" smtClean="0">
-                              <a:latin typeface="Cambria Math" charset="0"/>
+                              <a:latin typeface="Cambria Math" panose="02040503050406030204" pitchFamily="18" charset="0"/>
                             </a:rPr>
                           </m:ctrlPr>
                         </m:sSubPr>
@@ -8516,7 +9233,7 @@
                         <m:sSubPr>
                           <m:ctrlPr>
                             <a:rPr lang="en-US" sz="2400" i="1" smtClean="0">
-                              <a:latin typeface="Cambria Math" charset="0"/>
+                              <a:latin typeface="Cambria Math" panose="02040503050406030204" pitchFamily="18" charset="0"/>
                             </a:rPr>
                           </m:ctrlPr>
                         </m:sSubPr>
@@ -8547,7 +9264,7 @@
                         <m:sSubPr>
                           <m:ctrlPr>
                             <a:rPr lang="en-US" sz="2400" b="0" i="1" smtClean="0">
-                              <a:latin typeface="Cambria Math" charset="0"/>
+                              <a:latin typeface="Cambria Math" panose="02040503050406030204" pitchFamily="18" charset="0"/>
                             </a:rPr>
                           </m:ctrlPr>
                         </m:sSubPr>
@@ -8572,7 +9289,7 @@
                         <m:sSubPr>
                           <m:ctrlPr>
                             <a:rPr lang="en-US" sz="2400" b="0" i="1" smtClean="0">
-                              <a:latin typeface="Cambria Math" charset="0"/>
+                              <a:latin typeface="Cambria Math" panose="02040503050406030204" pitchFamily="18" charset="0"/>
                             </a:rPr>
                           </m:ctrlPr>
                         </m:sSubPr>
@@ -8603,7 +9320,7 @@
                         <m:sSubPr>
                           <m:ctrlPr>
                             <a:rPr lang="en-US" sz="2400" b="0" i="1" smtClean="0">
-                              <a:latin typeface="Cambria Math" charset="0"/>
+                              <a:latin typeface="Cambria Math" panose="02040503050406030204" pitchFamily="18" charset="0"/>
                             </a:rPr>
                           </m:ctrlPr>
                         </m:sSubPr>
@@ -8706,7 +9423,7 @@
                         <m:sSubPr>
                           <m:ctrlPr>
                             <a:rPr lang="en-US" sz="2400" i="1" smtClean="0">
-                              <a:latin typeface="Cambria Math" charset="0"/>
+                              <a:latin typeface="Cambria Math" panose="02040503050406030204" pitchFamily="18" charset="0"/>
                             </a:rPr>
                           </m:ctrlPr>
                         </m:sSubPr>
@@ -8738,7 +9455,7 @@
                           <m:chr m:val="̂"/>
                           <m:ctrlPr>
                             <a:rPr lang="en-US" sz="2400" b="0" i="1" smtClean="0">
-                              <a:latin typeface="Cambria Math" charset="0"/>
+                              <a:latin typeface="Cambria Math" panose="02040503050406030204" pitchFamily="18" charset="0"/>
                             </a:rPr>
                           </m:ctrlPr>
                         </m:accPr>
@@ -8773,7 +9490,7 @@
                         <m:sSubPr>
                           <m:ctrlPr>
                             <a:rPr lang="en-US" sz="2400" b="0" i="1" smtClean="0">
-                              <a:latin typeface="Cambria Math" charset="0"/>
+                              <a:latin typeface="Cambria Math" panose="02040503050406030204" pitchFamily="18" charset="0"/>
                             </a:rPr>
                           </m:ctrlPr>
                         </m:sSubPr>
@@ -8882,7 +9599,7 @@
                         <m:sSubPr>
                           <m:ctrlPr>
                             <a:rPr lang="en-US" i="1" dirty="0" smtClean="0">
-                              <a:latin typeface="Cambria Math" charset="0"/>
+                              <a:latin typeface="Cambria Math" panose="02040503050406030204" pitchFamily="18" charset="0"/>
                             </a:rPr>
                           </m:ctrlPr>
                         </m:sSubPr>
@@ -8913,7 +9630,7 @@
                         <m:sSubPr>
                           <m:ctrlPr>
                             <a:rPr lang="en-US" b="0" i="1" dirty="0" smtClean="0">
-                              <a:latin typeface="Cambria Math" charset="0"/>
+                              <a:latin typeface="Cambria Math" panose="02040503050406030204" pitchFamily="18" charset="0"/>
                             </a:rPr>
                           </m:ctrlPr>
                         </m:sSubPr>
@@ -9016,7 +9733,7 @@
                         <m:sSubPr>
                           <m:ctrlPr>
                             <a:rPr lang="en-US" i="1" dirty="0" smtClean="0">
-                              <a:latin typeface="Cambria Math" charset="0"/>
+                              <a:latin typeface="Cambria Math" panose="02040503050406030204" pitchFamily="18" charset="0"/>
                             </a:rPr>
                           </m:ctrlPr>
                         </m:sSubPr>
@@ -9047,7 +9764,7 @@
                         <m:sSubPr>
                           <m:ctrlPr>
                             <a:rPr lang="en-US" b="0" i="1" dirty="0" smtClean="0">
-                              <a:latin typeface="Cambria Math" charset="0"/>
+                              <a:latin typeface="Cambria Math" panose="02040503050406030204" pitchFamily="18" charset="0"/>
                             </a:rPr>
                           </m:ctrlPr>
                         </m:sSubPr>
@@ -9328,7 +10045,7 @@
                         <m:sSubPr>
                           <m:ctrlPr>
                             <a:rPr lang="en-US" b="0" i="1" dirty="0" smtClean="0">
-                              <a:latin typeface="Cambria Math" charset="0"/>
+                              <a:latin typeface="Cambria Math" panose="02040503050406030204" pitchFamily="18" charset="0"/>
                             </a:rPr>
                           </m:ctrlPr>
                         </m:sSubPr>
@@ -9956,7 +10673,7 @@
                         <m:sSubPr>
                           <m:ctrlPr>
                             <a:rPr lang="en-US" b="0" i="1" dirty="0" smtClean="0">
-                              <a:latin typeface="Cambria Math" charset="0"/>
+                              <a:latin typeface="Cambria Math" panose="02040503050406030204" pitchFamily="18" charset="0"/>
                             </a:rPr>
                           </m:ctrlPr>
                         </m:sSubPr>
@@ -10383,7 +11100,7 @@
                           <m:chr m:val="̂"/>
                           <m:ctrlPr>
                             <a:rPr lang="en-US" b="0" i="1" dirty="0" smtClean="0">
-                              <a:latin typeface="Cambria Math" charset="0"/>
+                              <a:latin typeface="Cambria Math" panose="02040503050406030204" pitchFamily="18" charset="0"/>
                             </a:rPr>
                           </m:ctrlPr>
                         </m:accPr>
@@ -10483,14 +11200,6 @@
   <p:clrMapOvr>
     <a:masterClrMapping/>
   </p:clrMapOvr>
-  <mc:AlternateContent xmlns:mc="http://schemas.openxmlformats.org/markup-compatibility/2006" xmlns:p14="http://schemas.microsoft.com/office/powerpoint/2010/main">
-    <mc:Choice Requires="p14">
-      <p:transition spd="slow" p14:dur="2000"/>
-    </mc:Choice>
-    <mc:Fallback xmlns="">
-      <p:transition spd="slow"/>
-    </mc:Fallback>
-  </mc:AlternateContent>
   <p:timing>
     <p:tnLst>
       <p:par>
@@ -11591,16 +12300,12 @@
           <a:p>
             <a:pPr algn="l"/>
             <a:r>
-              <a:rPr lang="en-US" dirty="0" smtClean="0">
+              <a:rPr lang="en-US" dirty="0">
                 <a:latin typeface="Times New Roman" panose="02020603050405020304" pitchFamily="18" charset="0"/>
                 <a:cs typeface="Times New Roman" panose="02020603050405020304" pitchFamily="18" charset="0"/>
               </a:rPr>
               <a:t>Learning the Parameters</a:t>
             </a:r>
-            <a:endParaRPr lang="en-US" dirty="0">
-              <a:latin typeface="Times New Roman" panose="02020603050405020304" pitchFamily="18" charset="0"/>
-              <a:cs typeface="Times New Roman" panose="02020603050405020304" pitchFamily="18" charset="0"/>
-            </a:endParaRPr>
           </a:p>
         </p:txBody>
       </p:sp>
@@ -11875,7 +12580,7 @@
           </a:lstStyle>
           <a:p>
             <a:r>
-              <a:rPr lang="en-US" sz="2800" dirty="0" smtClean="0">
+              <a:rPr lang="en-US" sz="2800" dirty="0">
                 <a:latin typeface="Times New Roman" panose="02020603050405020304" pitchFamily="18" charset="0"/>
                 <a:cs typeface="Times New Roman" panose="02020603050405020304" pitchFamily="18" charset="0"/>
               </a:rPr>
@@ -11884,7 +12589,7 @@
           </a:p>
           <a:p>
             <a:r>
-              <a:rPr lang="en-US" sz="2800" dirty="0" smtClean="0">
+              <a:rPr lang="en-US" sz="2800" dirty="0">
                 <a:latin typeface="Times New Roman" panose="02020603050405020304" pitchFamily="18" charset="0"/>
                 <a:cs typeface="Times New Roman" panose="02020603050405020304" pitchFamily="18" charset="0"/>
               </a:rPr>
@@ -11894,14 +12599,14 @@
           <a:p>
             <a:pPr lvl="1"/>
             <a:r>
-              <a:rPr lang="en-US" sz="2400" dirty="0" smtClean="0">
+              <a:rPr lang="en-US" sz="2400" dirty="0">
                 <a:latin typeface="Times New Roman" panose="02020603050405020304" pitchFamily="18" charset="0"/>
                 <a:cs typeface="Times New Roman" panose="02020603050405020304" pitchFamily="18" charset="0"/>
               </a:rPr>
               <a:t>Gradient Descent – </a:t>
             </a:r>
             <a:r>
-              <a:rPr lang="en-US" sz="2400" dirty="0" smtClean="0">
+              <a:rPr lang="en-US" sz="2400" dirty="0">
                 <a:solidFill>
                   <a:srgbClr val="0066FF"/>
                 </a:solidFill>
@@ -11911,14 +12616,14 @@
               <a:t>batch</a:t>
             </a:r>
             <a:r>
-              <a:rPr lang="en-US" sz="2400" dirty="0" smtClean="0">
+              <a:rPr lang="en-US" sz="2400" dirty="0">
                 <a:latin typeface="Times New Roman" panose="02020603050405020304" pitchFamily="18" charset="0"/>
                 <a:cs typeface="Times New Roman" panose="02020603050405020304" pitchFamily="18" charset="0"/>
               </a:rPr>
               <a:t> or </a:t>
             </a:r>
             <a:r>
-              <a:rPr lang="en-US" sz="2400" dirty="0" smtClean="0">
+              <a:rPr lang="en-US" sz="2400" dirty="0">
                 <a:solidFill>
                   <a:srgbClr val="0066FF"/>
                 </a:solidFill>
@@ -11928,14 +12633,14 @@
               <a:t>mini batch </a:t>
             </a:r>
             <a:r>
-              <a:rPr lang="en-US" sz="2400" dirty="0" smtClean="0">
+              <a:rPr lang="en-US" sz="2400" dirty="0">
                 <a:latin typeface="Times New Roman" panose="02020603050405020304" pitchFamily="18" charset="0"/>
                 <a:cs typeface="Times New Roman" panose="02020603050405020304" pitchFamily="18" charset="0"/>
               </a:rPr>
               <a:t>or </a:t>
             </a:r>
             <a:r>
-              <a:rPr lang="en-US" sz="2400" dirty="0" smtClean="0">
+              <a:rPr lang="en-US" sz="2400" dirty="0">
                 <a:solidFill>
                   <a:srgbClr val="0066FF"/>
                 </a:solidFill>
@@ -11945,7 +12650,7 @@
               <a:t>stochastic</a:t>
             </a:r>
             <a:r>
-              <a:rPr lang="en-US" sz="2400" dirty="0" smtClean="0">
+              <a:rPr lang="en-US" sz="2400" dirty="0">
                 <a:latin typeface="Times New Roman" panose="02020603050405020304" pitchFamily="18" charset="0"/>
                 <a:cs typeface="Times New Roman" panose="02020603050405020304" pitchFamily="18" charset="0"/>
               </a:rPr>
@@ -11954,7 +12659,7 @@
           </a:p>
           <a:p>
             <a:r>
-              <a:rPr lang="en-US" sz="2800" dirty="0" smtClean="0">
+              <a:rPr lang="en-US" sz="2800" dirty="0">
                 <a:latin typeface="Times New Roman" panose="02020603050405020304" pitchFamily="18" charset="0"/>
                 <a:cs typeface="Times New Roman" panose="02020603050405020304" pitchFamily="18" charset="0"/>
               </a:rPr>
@@ -11971,7 +12676,7 @@
               <a:t>gradients</a:t>
             </a:r>
             <a:r>
-              <a:rPr lang="en-US" sz="2800" dirty="0" smtClean="0">
+              <a:rPr lang="en-US" sz="2800" dirty="0">
                 <a:solidFill>
                   <a:schemeClr val="accent1"/>
                 </a:solidFill>
@@ -11981,7 +12686,7 @@
               <a:t> </a:t>
             </a:r>
             <a:r>
-              <a:rPr lang="en-US" sz="2800" dirty="0" smtClean="0">
+              <a:rPr lang="en-US" sz="2800" dirty="0">
                 <a:latin typeface="Times New Roman" panose="02020603050405020304" pitchFamily="18" charset="0"/>
                 <a:cs typeface="Times New Roman" panose="02020603050405020304" pitchFamily="18" charset="0"/>
               </a:rPr>
@@ -11990,7 +12695,7 @@
           </a:p>
           <a:p>
             <a:r>
-              <a:rPr lang="en-US" sz="2800" dirty="0" smtClean="0">
+              <a:rPr lang="en-US" sz="2800" dirty="0">
                 <a:latin typeface="Times New Roman" panose="02020603050405020304" pitchFamily="18" charset="0"/>
                 <a:cs typeface="Times New Roman" panose="02020603050405020304" pitchFamily="18" charset="0"/>
               </a:rPr>
@@ -12000,7 +12705,7 @@
           <a:p>
             <a:pPr lvl="1"/>
             <a:r>
-              <a:rPr lang="en-US" sz="2400" dirty="0" smtClean="0">
+              <a:rPr lang="en-US" sz="2400" dirty="0">
                 <a:solidFill>
                   <a:srgbClr val="0066FF"/>
                 </a:solidFill>
@@ -12010,13 +12715,13 @@
               <a:t>Backpropagation algorithm</a:t>
             </a:r>
             <a:r>
-              <a:rPr lang="en-US" sz="2400" dirty="0" smtClean="0">
+              <a:rPr lang="en-US" sz="2400" dirty="0">
                 <a:latin typeface="Times New Roman" panose="02020603050405020304" pitchFamily="18" charset="0"/>
                 <a:cs typeface="Times New Roman" panose="02020603050405020304" pitchFamily="18" charset="0"/>
               </a:rPr>
               <a:t>!</a:t>
             </a:r>
-            <a:endParaRPr lang="en-US" dirty="0" smtClean="0">
+            <a:endParaRPr lang="en-US" dirty="0">
               <a:latin typeface="Times New Roman" panose="02020603050405020304" pitchFamily="18" charset="0"/>
               <a:cs typeface="Times New Roman" panose="02020603050405020304" pitchFamily="18" charset="0"/>
             </a:endParaRPr>
@@ -12033,14 +12738,6 @@
   <p:clrMapOvr>
     <a:masterClrMapping/>
   </p:clrMapOvr>
-  <mc:AlternateContent xmlns:mc="http://schemas.openxmlformats.org/markup-compatibility/2006" xmlns:p14="http://schemas.microsoft.com/office/powerpoint/2010/main">
-    <mc:Choice Requires="p14">
-      <p:transition spd="slow" p14:dur="2000"/>
-    </mc:Choice>
-    <mc:Fallback xmlns="">
-      <p:transition spd="slow"/>
-    </mc:Fallback>
-  </mc:AlternateContent>
   <p:timing>
     <p:tnLst>
       <p:par>
@@ -12409,7 +13106,7 @@
           <a:p>
             <a:pPr algn="l"/>
             <a:r>
-              <a:rPr lang="en-US" dirty="0" smtClean="0">
+              <a:rPr lang="en-US" dirty="0">
                 <a:latin typeface="Times New Roman" panose="02020603050405020304" pitchFamily="18" charset="0"/>
                 <a:cs typeface="Times New Roman" panose="02020603050405020304" pitchFamily="18" charset="0"/>
               </a:rPr>
@@ -12695,7 +13392,7 @@
               </a:lstStyle>
               <a:p>
                 <a:r>
-                  <a:rPr lang="en-US" sz="2800" dirty="0" smtClean="0">
+                  <a:rPr lang="en-US" sz="2800" dirty="0">
                     <a:latin typeface="Times New Roman" panose="02020603050405020304" pitchFamily="18" charset="0"/>
                     <a:cs typeface="Times New Roman" panose="02020603050405020304" pitchFamily="18" charset="0"/>
                   </a:rPr>
@@ -12707,14 +13404,14 @@
                   <a:buNone/>
                 </a:pPr>
                 <a:r>
-                  <a:rPr lang="en-US" sz="2400" dirty="0" smtClean="0">
+                  <a:rPr lang="en-US" sz="2400" dirty="0">
                     <a:latin typeface="Times New Roman" panose="02020603050405020304" pitchFamily="18" charset="0"/>
                     <a:cs typeface="Times New Roman" panose="02020603050405020304" pitchFamily="18" charset="0"/>
                   </a:rPr>
                   <a:t>The chain rule:</a:t>
                 </a:r>
                 <a:r>
-                  <a:rPr lang="en-US" sz="2800" dirty="0" smtClean="0">
+                  <a:rPr lang="en-US" sz="2800" dirty="0">
                     <a:latin typeface="Times New Roman" panose="02020603050405020304" pitchFamily="18" charset="0"/>
                     <a:cs typeface="Times New Roman" panose="02020603050405020304" pitchFamily="18" charset="0"/>
                   </a:rPr>
@@ -12753,7 +13450,7 @@
                       <m:dPr>
                         <m:ctrlPr>
                           <a:rPr lang="en-US" sz="2400" b="0" i="1" dirty="0" smtClean="0">
-                            <a:latin typeface="Cambria Math" charset="0"/>
+                            <a:latin typeface="Cambria Math" panose="02040503050406030204" pitchFamily="18" charset="0"/>
                             <a:cs typeface="Times New Roman" panose="02020603050405020304" pitchFamily="18" charset="0"/>
                           </a:rPr>
                         </m:ctrlPr>
@@ -12806,7 +13503,7 @@
                       <m:dPr>
                         <m:ctrlPr>
                           <a:rPr lang="en-US" sz="2400" b="0" i="1" smtClean="0">
-                            <a:latin typeface="Cambria Math" charset="0"/>
+                            <a:latin typeface="Cambria Math" panose="02040503050406030204" pitchFamily="18" charset="0"/>
                             <a:cs typeface="Times New Roman" panose="02020603050405020304" pitchFamily="18" charset="0"/>
                           </a:rPr>
                         </m:ctrlPr>
@@ -12872,7 +13569,7 @@
                     </m:r>
                   </m:oMath>
                 </a14:m>
-                <a:endParaRPr lang="en-US" sz="2800" b="0" i="1" dirty="0" smtClean="0">
+                <a:endParaRPr lang="en-US" sz="2800" b="0" i="1" dirty="0">
                   <a:latin typeface="Cambria Math" charset="0"/>
                   <a:cs typeface="Times New Roman" panose="02020603050405020304" pitchFamily="18" charset="0"/>
                 </a:endParaRPr>
@@ -12887,7 +13584,7 @@
                       <m:fPr>
                         <m:ctrlPr>
                           <a:rPr lang="en-US" sz="2400" b="0" i="1" dirty="0" smtClean="0">
-                            <a:latin typeface="Cambria Math" charset="0"/>
+                            <a:latin typeface="Cambria Math" panose="02040503050406030204" pitchFamily="18" charset="0"/>
                             <a:cs typeface="Times New Roman" panose="02020603050405020304" pitchFamily="18" charset="0"/>
                           </a:rPr>
                         </m:ctrlPr>
@@ -12942,7 +13639,7 @@
                       <m:fPr>
                         <m:ctrlPr>
                           <a:rPr lang="en-US" sz="2400" b="0" i="1" dirty="0" smtClean="0">
-                            <a:latin typeface="Cambria Math" charset="0"/>
+                            <a:latin typeface="Cambria Math" panose="02040503050406030204" pitchFamily="18" charset="0"/>
                             <a:cs typeface="Times New Roman" panose="02020603050405020304" pitchFamily="18" charset="0"/>
                           </a:rPr>
                         </m:ctrlPr>
@@ -13005,7 +13702,7 @@
                       <m:fPr>
                         <m:ctrlPr>
                           <a:rPr lang="en-US" sz="2400" i="1" dirty="0">
-                            <a:latin typeface="Cambria Math" charset="0"/>
+                            <a:latin typeface="Cambria Math" panose="02040503050406030204" pitchFamily="18" charset="0"/>
                             <a:cs typeface="Times New Roman" panose="02020603050405020304" pitchFamily="18" charset="0"/>
                           </a:rPr>
                         </m:ctrlPr>
@@ -13076,7 +13773,7 @@
                   </m:oMath>
                 </a14:m>
                 <a:r>
-                  <a:rPr lang="en-US" sz="2400" dirty="0" smtClean="0">
+                  <a:rPr lang="en-US" sz="2400" dirty="0">
                     <a:latin typeface="Times New Roman" panose="02020603050405020304" pitchFamily="18" charset="0"/>
                     <a:cs typeface="Times New Roman" panose="02020603050405020304" pitchFamily="18" charset="0"/>
                   </a:rPr>
@@ -13085,7 +13782,7 @@
               </a:p>
               <a:p>
                 <a:r>
-                  <a:rPr lang="en-US" altLang="zh-CN" sz="2800" dirty="0" smtClean="0">
+                  <a:rPr lang="en-US" altLang="zh-CN" sz="2800" dirty="0">
                     <a:solidFill>
                       <a:prstClr val="black"/>
                     </a:solidFill>
@@ -13095,7 +13792,7 @@
                   <a:t>Neural</a:t>
                 </a:r>
                 <a:r>
-                  <a:rPr lang="zh-CN" altLang="en-US" sz="2800" dirty="0" smtClean="0">
+                  <a:rPr lang="zh-CN" altLang="en-US" sz="2800" dirty="0">
                     <a:solidFill>
                       <a:prstClr val="black"/>
                     </a:solidFill>
@@ -13105,7 +13802,7 @@
                   <a:t> </a:t>
                 </a:r>
                 <a:r>
-                  <a:rPr lang="en-US" altLang="zh-CN" sz="2800" dirty="0" smtClean="0">
+                  <a:rPr lang="en-US" altLang="zh-CN" sz="2800" dirty="0">
                     <a:solidFill>
                       <a:prstClr val="black"/>
                     </a:solidFill>
@@ -13115,7 +13812,7 @@
                   <a:t>networks usually take</a:t>
                 </a:r>
                 <a:r>
-                  <a:rPr lang="zh-CN" altLang="en-US" sz="2800" dirty="0" smtClean="0">
+                  <a:rPr lang="zh-CN" altLang="en-US" sz="2800" dirty="0">
                     <a:solidFill>
                       <a:prstClr val="black"/>
                     </a:solidFill>
@@ -13125,7 +13822,7 @@
                   <a:t> </a:t>
                 </a:r>
                 <a:r>
-                  <a:rPr lang="en-US" altLang="zh-CN" sz="2800" dirty="0" smtClean="0">
+                  <a:rPr lang="en-US" altLang="zh-CN" sz="2800" dirty="0">
                     <a:solidFill>
                       <a:prstClr val="black"/>
                     </a:solidFill>
@@ -13134,7 +13831,7 @@
                   </a:rPr>
                   <a:t>this form: a chain of functions.</a:t>
                 </a:r>
-                <a:endParaRPr lang="en-US" sz="1800" dirty="0" smtClean="0">
+                <a:endParaRPr lang="en-US" sz="1800" dirty="0">
                   <a:solidFill>
                     <a:srgbClr val="0066FF"/>
                   </a:solidFill>
@@ -13219,7 +13916,7 @@
                         <m:sSubPr>
                           <m:ctrlPr>
                             <a:rPr lang="en-US" sz="2400" i="1" smtClean="0">
-                              <a:latin typeface="Cambria Math" charset="0"/>
+                              <a:latin typeface="Cambria Math" panose="02040503050406030204" pitchFamily="18" charset="0"/>
                             </a:rPr>
                           </m:ctrlPr>
                         </m:sSubPr>
@@ -13256,7 +13953,7 @@
                         <m:sSubPr>
                           <m:ctrlPr>
                             <a:rPr lang="en-US" sz="2400" b="0" i="1" smtClean="0">
-                              <a:latin typeface="Cambria Math" charset="0"/>
+                              <a:latin typeface="Cambria Math" panose="02040503050406030204" pitchFamily="18" charset="0"/>
                             </a:rPr>
                           </m:ctrlPr>
                         </m:sSubPr>
@@ -13287,7 +13984,7 @@
                         <m:sSubPr>
                           <m:ctrlPr>
                             <a:rPr lang="en-US" sz="2400" b="0" i="1" smtClean="0">
-                              <a:latin typeface="Cambria Math" charset="0"/>
+                              <a:latin typeface="Cambria Math" panose="02040503050406030204" pitchFamily="18" charset="0"/>
                             </a:rPr>
                           </m:ctrlPr>
                         </m:sSubPr>
@@ -13390,7 +14087,7 @@
                         <m:sSubPr>
                           <m:ctrlPr>
                             <a:rPr lang="en-US" sz="2400" i="1" smtClean="0">
-                              <a:latin typeface="Cambria Math" charset="0"/>
+                              <a:latin typeface="Cambria Math" panose="02040503050406030204" pitchFamily="18" charset="0"/>
                             </a:rPr>
                           </m:ctrlPr>
                         </m:sSubPr>
@@ -13433,7 +14130,7 @@
                         <m:sSubPr>
                           <m:ctrlPr>
                             <a:rPr lang="en-US" sz="2400" b="0" i="1" smtClean="0">
-                              <a:latin typeface="Cambria Math" charset="0"/>
+                              <a:latin typeface="Cambria Math" panose="02040503050406030204" pitchFamily="18" charset="0"/>
                             </a:rPr>
                           </m:ctrlPr>
                         </m:sSubPr>
@@ -13542,7 +14239,7 @@
                         <m:sSubPr>
                           <m:ctrlPr>
                             <a:rPr lang="en-US" sz="2400" i="1" smtClean="0">
-                              <a:latin typeface="Cambria Math" charset="0"/>
+                              <a:latin typeface="Cambria Math" panose="02040503050406030204" pitchFamily="18" charset="0"/>
                             </a:rPr>
                           </m:ctrlPr>
                         </m:sSubPr>
@@ -13573,7 +14270,7 @@
                         <m:sSubPr>
                           <m:ctrlPr>
                             <a:rPr lang="en-US" sz="2400" b="0" i="1" smtClean="0">
-                              <a:latin typeface="Cambria Math" charset="0"/>
+                              <a:latin typeface="Cambria Math" panose="02040503050406030204" pitchFamily="18" charset="0"/>
                             </a:rPr>
                           </m:ctrlPr>
                         </m:sSubPr>
@@ -13598,7 +14295,7 @@
                         <m:sSubPr>
                           <m:ctrlPr>
                             <a:rPr lang="en-US" sz="2400" b="0" i="1" smtClean="0">
-                              <a:latin typeface="Cambria Math" charset="0"/>
+                              <a:latin typeface="Cambria Math" panose="02040503050406030204" pitchFamily="18" charset="0"/>
                             </a:rPr>
                           </m:ctrlPr>
                         </m:sSubPr>
@@ -13629,7 +14326,7 @@
                         <m:sSubPr>
                           <m:ctrlPr>
                             <a:rPr lang="en-US" sz="2400" b="0" i="1" smtClean="0">
-                              <a:latin typeface="Cambria Math" charset="0"/>
+                              <a:latin typeface="Cambria Math" panose="02040503050406030204" pitchFamily="18" charset="0"/>
                             </a:rPr>
                           </m:ctrlPr>
                         </m:sSubPr>
@@ -13732,7 +14429,7 @@
                         <m:sSubPr>
                           <m:ctrlPr>
                             <a:rPr lang="en-US" sz="2400" i="1" smtClean="0">
-                              <a:latin typeface="Cambria Math" charset="0"/>
+                              <a:latin typeface="Cambria Math" panose="02040503050406030204" pitchFamily="18" charset="0"/>
                             </a:rPr>
                           </m:ctrlPr>
                         </m:sSubPr>
@@ -13764,7 +14461,7 @@
                           <m:chr m:val="̂"/>
                           <m:ctrlPr>
                             <a:rPr lang="en-US" sz="2400" b="0" i="1" smtClean="0">
-                              <a:latin typeface="Cambria Math" charset="0"/>
+                              <a:latin typeface="Cambria Math" panose="02040503050406030204" pitchFamily="18" charset="0"/>
                             </a:rPr>
                           </m:ctrlPr>
                         </m:accPr>
@@ -13799,7 +14496,7 @@
                         <m:sSubPr>
                           <m:ctrlPr>
                             <a:rPr lang="en-US" sz="2400" b="0" i="1" smtClean="0">
-                              <a:latin typeface="Cambria Math" charset="0"/>
+                              <a:latin typeface="Cambria Math" panose="02040503050406030204" pitchFamily="18" charset="0"/>
                             </a:rPr>
                           </m:ctrlPr>
                         </m:sSubPr>
@@ -13883,14 +14580,6 @@
   <p:clrMapOvr>
     <a:masterClrMapping/>
   </p:clrMapOvr>
-  <mc:AlternateContent xmlns:mc="http://schemas.openxmlformats.org/markup-compatibility/2006" xmlns:p14="http://schemas.microsoft.com/office/powerpoint/2010/main">
-    <mc:Choice Requires="p14">
-      <p:transition spd="slow" p14:dur="2000"/>
-    </mc:Choice>
-    <mc:Fallback xmlns="">
-      <p:transition spd="slow"/>
-    </mc:Fallback>
-  </mc:AlternateContent>
   <p:timing>
     <p:tnLst>
       <p:par>
@@ -14339,14 +15028,14 @@
           <a:lstStyle/>
           <a:p>
             <a:r>
-              <a:rPr lang="en-US" dirty="0" smtClean="0">
+              <a:rPr lang="en-US" dirty="0">
                 <a:latin typeface="Times New Roman" panose="02020603050405020304" pitchFamily="18" charset="0"/>
                 <a:cs typeface="Times New Roman" panose="02020603050405020304" pitchFamily="18" charset="0"/>
               </a:rPr>
               <a:t>Recipe</a:t>
             </a:r>
             <a:r>
-              <a:rPr lang="en-US" dirty="0" smtClean="0"/>
+              <a:rPr lang="en-US" dirty="0"/>
               <a:t> </a:t>
             </a:r>
             <a:r>
@@ -14357,7 +15046,7 @@
               <a:t>for</a:t>
             </a:r>
             <a:r>
-              <a:rPr lang="en-US" dirty="0" smtClean="0"/>
+              <a:rPr lang="en-US" dirty="0"/>
               <a:t> </a:t>
             </a:r>
             <a:r>
@@ -14390,45 +15079,33 @@
           <a:p>
             <a:r>
               <a:rPr lang="en-US" dirty="0"/>
-              <a:t>Identify intermediate functions (forward </a:t>
-            </a:r>
-            <a:r>
-              <a:rPr lang="en-US" dirty="0" smtClean="0"/>
-              <a:t>propagation)</a:t>
+              <a:t>Identify intermediate functions (forward propagation)</a:t>
             </a:r>
           </a:p>
           <a:p>
             <a:pPr lvl="1"/>
-            <a:endParaRPr lang="en-US" dirty="0" smtClean="0"/>
-          </a:p>
-          <a:p>
-            <a:endParaRPr lang="en-US" dirty="0" smtClean="0"/>
+            <a:endParaRPr lang="en-US" dirty="0"/>
           </a:p>
           <a:p>
             <a:endParaRPr lang="en-US" dirty="0"/>
           </a:p>
           <a:p>
-            <a:endParaRPr lang="en-US" dirty="0" smtClean="0"/>
+            <a:endParaRPr lang="en-US" dirty="0"/>
           </a:p>
           <a:p>
-            <a:endParaRPr lang="en-US" sz="3600" dirty="0" smtClean="0"/>
+            <a:endParaRPr lang="en-US" dirty="0"/>
+          </a:p>
+          <a:p>
+            <a:endParaRPr lang="en-US" sz="3600" dirty="0"/>
           </a:p>
           <a:p>
             <a:r>
-              <a:rPr lang="en-US" dirty="0" smtClean="0"/>
-              <a:t>Compute </a:t>
-            </a:r>
-            <a:r>
               <a:rPr lang="en-US" dirty="0"/>
-              <a:t>local </a:t>
-            </a:r>
-            <a:r>
-              <a:rPr lang="en-US" dirty="0" smtClean="0"/>
-              <a:t>gradients</a:t>
+              <a:t>Compute local gradients</a:t>
             </a:r>
           </a:p>
           <a:p>
-            <a:endParaRPr lang="en-US" sz="3600" dirty="0" smtClean="0"/>
+            <a:endParaRPr lang="en-US" sz="3600" dirty="0"/>
           </a:p>
           <a:p>
             <a:r>
@@ -14473,7 +15150,7 @@
                         <m:sSubPr>
                           <m:ctrlPr>
                             <a:rPr lang="en-US" sz="2400" i="1" smtClean="0">
-                              <a:latin typeface="Cambria Math" charset="0"/>
+                              <a:latin typeface="Cambria Math" panose="02040503050406030204" pitchFamily="18" charset="0"/>
                             </a:rPr>
                           </m:ctrlPr>
                         </m:sSubPr>
@@ -14510,7 +15187,7 @@
                         <m:sSubPr>
                           <m:ctrlPr>
                             <a:rPr lang="en-US" sz="2400" b="0" i="1" smtClean="0">
-                              <a:latin typeface="Cambria Math" charset="0"/>
+                              <a:latin typeface="Cambria Math" panose="02040503050406030204" pitchFamily="18" charset="0"/>
                             </a:rPr>
                           </m:ctrlPr>
                         </m:sSubPr>
@@ -14541,7 +15218,7 @@
                         <m:sSubPr>
                           <m:ctrlPr>
                             <a:rPr lang="en-US" sz="2400" b="0" i="1" smtClean="0">
-                              <a:latin typeface="Cambria Math" charset="0"/>
+                              <a:latin typeface="Cambria Math" panose="02040503050406030204" pitchFamily="18" charset="0"/>
                             </a:rPr>
                           </m:ctrlPr>
                         </m:sSubPr>
@@ -14644,7 +15321,7 @@
                         <m:sSubPr>
                           <m:ctrlPr>
                             <a:rPr lang="en-US" sz="2400" i="1" smtClean="0">
-                              <a:latin typeface="Cambria Math" charset="0"/>
+                              <a:latin typeface="Cambria Math" panose="02040503050406030204" pitchFamily="18" charset="0"/>
                             </a:rPr>
                           </m:ctrlPr>
                         </m:sSubPr>
@@ -14687,7 +15364,7 @@
                         <m:sSubPr>
                           <m:ctrlPr>
                             <a:rPr lang="en-US" sz="2400" b="0" i="1" smtClean="0">
-                              <a:latin typeface="Cambria Math" charset="0"/>
+                              <a:latin typeface="Cambria Math" panose="02040503050406030204" pitchFamily="18" charset="0"/>
                             </a:rPr>
                           </m:ctrlPr>
                         </m:sSubPr>
@@ -14796,7 +15473,7 @@
                         <m:sSubPr>
                           <m:ctrlPr>
                             <a:rPr lang="en-US" sz="2400" i="1" smtClean="0">
-                              <a:latin typeface="Cambria Math" charset="0"/>
+                              <a:latin typeface="Cambria Math" panose="02040503050406030204" pitchFamily="18" charset="0"/>
                             </a:rPr>
                           </m:ctrlPr>
                         </m:sSubPr>
@@ -14827,7 +15504,7 @@
                         <m:sSubPr>
                           <m:ctrlPr>
                             <a:rPr lang="en-US" sz="2400" b="0" i="1" smtClean="0">
-                              <a:latin typeface="Cambria Math" charset="0"/>
+                              <a:latin typeface="Cambria Math" panose="02040503050406030204" pitchFamily="18" charset="0"/>
                             </a:rPr>
                           </m:ctrlPr>
                         </m:sSubPr>
@@ -14852,7 +15529,7 @@
                         <m:sSubPr>
                           <m:ctrlPr>
                             <a:rPr lang="en-US" sz="2400" b="0" i="1" smtClean="0">
-                              <a:latin typeface="Cambria Math" charset="0"/>
+                              <a:latin typeface="Cambria Math" panose="02040503050406030204" pitchFamily="18" charset="0"/>
                             </a:rPr>
                           </m:ctrlPr>
                         </m:sSubPr>
@@ -14883,7 +15560,7 @@
                         <m:sSubPr>
                           <m:ctrlPr>
                             <a:rPr lang="en-US" sz="2400" b="0" i="1" smtClean="0">
-                              <a:latin typeface="Cambria Math" charset="0"/>
+                              <a:latin typeface="Cambria Math" panose="02040503050406030204" pitchFamily="18" charset="0"/>
                             </a:rPr>
                           </m:ctrlPr>
                         </m:sSubPr>
@@ -14986,7 +15663,7 @@
                         <m:sSubPr>
                           <m:ctrlPr>
                             <a:rPr lang="en-US" sz="2400" i="1" smtClean="0">
-                              <a:latin typeface="Cambria Math" charset="0"/>
+                              <a:latin typeface="Cambria Math" panose="02040503050406030204" pitchFamily="18" charset="0"/>
                             </a:rPr>
                           </m:ctrlPr>
                         </m:sSubPr>
@@ -15018,7 +15695,7 @@
                           <m:chr m:val="̂"/>
                           <m:ctrlPr>
                             <a:rPr lang="en-US" sz="2400" b="0" i="1" smtClean="0">
-                              <a:latin typeface="Cambria Math" charset="0"/>
+                              <a:latin typeface="Cambria Math" panose="02040503050406030204" pitchFamily="18" charset="0"/>
                             </a:rPr>
                           </m:ctrlPr>
                         </m:accPr>
@@ -15053,7 +15730,7 @@
                         <m:sSubPr>
                           <m:ctrlPr>
                             <a:rPr lang="en-US" sz="2400" b="0" i="1" smtClean="0">
-                              <a:latin typeface="Cambria Math" charset="0"/>
+                              <a:latin typeface="Cambria Math" panose="02040503050406030204" pitchFamily="18" charset="0"/>
                             </a:rPr>
                           </m:ctrlPr>
                         </m:sSubPr>
@@ -15192,7 +15869,7 @@
                         <m:sSubPr>
                           <m:ctrlPr>
                             <a:rPr lang="en-US" i="1" dirty="0" smtClean="0">
-                              <a:latin typeface="Cambria Math" charset="0"/>
+                              <a:latin typeface="Cambria Math" panose="02040503050406030204" pitchFamily="18" charset="0"/>
                             </a:rPr>
                           </m:ctrlPr>
                         </m:sSubPr>
@@ -15223,7 +15900,7 @@
                         <m:sSubPr>
                           <m:ctrlPr>
                             <a:rPr lang="en-US" b="0" i="1" dirty="0" smtClean="0">
-                              <a:latin typeface="Cambria Math" charset="0"/>
+                              <a:latin typeface="Cambria Math" panose="02040503050406030204" pitchFamily="18" charset="0"/>
                             </a:rPr>
                           </m:ctrlPr>
                         </m:sSubPr>
@@ -15326,7 +16003,7 @@
                         <m:sSubPr>
                           <m:ctrlPr>
                             <a:rPr lang="en-US" i="1" dirty="0" smtClean="0">
-                              <a:latin typeface="Cambria Math" charset="0"/>
+                              <a:latin typeface="Cambria Math" panose="02040503050406030204" pitchFamily="18" charset="0"/>
                             </a:rPr>
                           </m:ctrlPr>
                         </m:sSubPr>
@@ -15357,7 +16034,7 @@
                         <m:sSubPr>
                           <m:ctrlPr>
                             <a:rPr lang="en-US" b="0" i="1" dirty="0" smtClean="0">
-                              <a:latin typeface="Cambria Math" charset="0"/>
+                              <a:latin typeface="Cambria Math" panose="02040503050406030204" pitchFamily="18" charset="0"/>
                             </a:rPr>
                           </m:ctrlPr>
                         </m:sSubPr>
@@ -15638,7 +16315,7 @@
                         <m:sSubPr>
                           <m:ctrlPr>
                             <a:rPr lang="en-US" b="0" i="1" dirty="0" smtClean="0">
-                              <a:latin typeface="Cambria Math" charset="0"/>
+                              <a:latin typeface="Cambria Math" panose="02040503050406030204" pitchFamily="18" charset="0"/>
                             </a:rPr>
                           </m:ctrlPr>
                         </m:sSubPr>
@@ -16266,7 +16943,7 @@
                         <m:sSubPr>
                           <m:ctrlPr>
                             <a:rPr lang="en-US" b="0" i="1" dirty="0" smtClean="0">
-                              <a:latin typeface="Cambria Math" charset="0"/>
+                              <a:latin typeface="Cambria Math" panose="02040503050406030204" pitchFamily="18" charset="0"/>
                             </a:rPr>
                           </m:ctrlPr>
                         </m:sSubPr>
@@ -16691,7 +17368,7 @@
                           <m:chr m:val="̂"/>
                           <m:ctrlPr>
                             <a:rPr lang="en-US" b="0" i="1" dirty="0" smtClean="0">
-                              <a:latin typeface="Cambria Math" charset="0"/>
+                              <a:latin typeface="Cambria Math" panose="02040503050406030204" pitchFamily="18" charset="0"/>
                             </a:rPr>
                           </m:ctrlPr>
                         </m:accPr>
@@ -17836,7 +18513,7 @@
                         <m:sSubPr>
                           <m:ctrlPr>
                             <a:rPr lang="en-US" sz="2400" i="1" smtClean="0">
-                              <a:latin typeface="Cambria Math" charset="0"/>
+                              <a:latin typeface="Cambria Math" panose="02040503050406030204" pitchFamily="18" charset="0"/>
                             </a:rPr>
                           </m:ctrlPr>
                         </m:sSubPr>
@@ -17873,7 +18550,7 @@
                         <m:sSubPr>
                           <m:ctrlPr>
                             <a:rPr lang="en-US" sz="2400" b="0" i="1" smtClean="0">
-                              <a:latin typeface="Cambria Math" charset="0"/>
+                              <a:latin typeface="Cambria Math" panose="02040503050406030204" pitchFamily="18" charset="0"/>
                             </a:rPr>
                           </m:ctrlPr>
                         </m:sSubPr>
@@ -17904,7 +18581,7 @@
                         <m:sSubPr>
                           <m:ctrlPr>
                             <a:rPr lang="en-US" sz="2400" b="0" i="1" smtClean="0">
-                              <a:latin typeface="Cambria Math" charset="0"/>
+                              <a:latin typeface="Cambria Math" panose="02040503050406030204" pitchFamily="18" charset="0"/>
                             </a:rPr>
                           </m:ctrlPr>
                         </m:sSubPr>
@@ -18007,7 +18684,7 @@
                         <m:sSubPr>
                           <m:ctrlPr>
                             <a:rPr lang="en-US" sz="2400" i="1" smtClean="0">
-                              <a:latin typeface="Cambria Math" charset="0"/>
+                              <a:latin typeface="Cambria Math" panose="02040503050406030204" pitchFamily="18" charset="0"/>
                             </a:rPr>
                           </m:ctrlPr>
                         </m:sSubPr>
@@ -18050,7 +18727,7 @@
                         <m:sSubPr>
                           <m:ctrlPr>
                             <a:rPr lang="en-US" sz="2400" b="0" i="1" smtClean="0">
-                              <a:latin typeface="Cambria Math" charset="0"/>
+                              <a:latin typeface="Cambria Math" panose="02040503050406030204" pitchFamily="18" charset="0"/>
                             </a:rPr>
                           </m:ctrlPr>
                         </m:sSubPr>
@@ -18159,7 +18836,7 @@
                         <m:sSubPr>
                           <m:ctrlPr>
                             <a:rPr lang="en-US" sz="2400" i="1" smtClean="0">
-                              <a:latin typeface="Cambria Math" charset="0"/>
+                              <a:latin typeface="Cambria Math" panose="02040503050406030204" pitchFamily="18" charset="0"/>
                             </a:rPr>
                           </m:ctrlPr>
                         </m:sSubPr>
@@ -18190,7 +18867,7 @@
                         <m:sSubPr>
                           <m:ctrlPr>
                             <a:rPr lang="en-US" sz="2400" b="0" i="1" smtClean="0">
-                              <a:latin typeface="Cambria Math" charset="0"/>
+                              <a:latin typeface="Cambria Math" panose="02040503050406030204" pitchFamily="18" charset="0"/>
                             </a:rPr>
                           </m:ctrlPr>
                         </m:sSubPr>
@@ -18215,7 +18892,7 @@
                         <m:sSubPr>
                           <m:ctrlPr>
                             <a:rPr lang="en-US" sz="2400" b="0" i="1" smtClean="0">
-                              <a:latin typeface="Cambria Math" charset="0"/>
+                              <a:latin typeface="Cambria Math" panose="02040503050406030204" pitchFamily="18" charset="0"/>
                             </a:rPr>
                           </m:ctrlPr>
                         </m:sSubPr>
@@ -18246,7 +18923,7 @@
                         <m:sSubPr>
                           <m:ctrlPr>
                             <a:rPr lang="en-US" sz="2400" b="0" i="1" smtClean="0">
-                              <a:latin typeface="Cambria Math" charset="0"/>
+                              <a:latin typeface="Cambria Math" panose="02040503050406030204" pitchFamily="18" charset="0"/>
                             </a:rPr>
                           </m:ctrlPr>
                         </m:sSubPr>
@@ -18405,7 +19082,7 @@
                         <m:dPr>
                           <m:ctrlPr>
                             <a:rPr lang="en-US" sz="2400" i="1">
-                              <a:latin typeface="Cambria Math" charset="0"/>
+                              <a:latin typeface="Cambria Math" panose="02040503050406030204" pitchFamily="18" charset="0"/>
                               <a:ea typeface="Cambria Math" panose="02040503050406030204" pitchFamily="18" charset="0"/>
                               <a:cs typeface="Times New Roman" panose="02020603050405020304" pitchFamily="18" charset="0"/>
                             </a:rPr>
@@ -18536,7 +19213,7 @@
                         <m:fPr>
                           <m:ctrlPr>
                             <a:rPr lang="en-US" sz="2400" b="0" i="1" smtClean="0">
-                              <a:latin typeface="Cambria Math" charset="0"/>
+                              <a:latin typeface="Cambria Math" panose="02040503050406030204" pitchFamily="18" charset="0"/>
                             </a:rPr>
                           </m:ctrlPr>
                         </m:fPr>
@@ -18545,7 +19222,7 @@
                             <m:sSubPr>
                               <m:ctrlPr>
                                 <a:rPr lang="en-US" sz="2400" i="1" smtClean="0">
-                                  <a:latin typeface="Cambria Math" charset="0"/>
+                                  <a:latin typeface="Cambria Math" panose="02040503050406030204" pitchFamily="18" charset="0"/>
                                 </a:rPr>
                               </m:ctrlPr>
                             </m:sSubPr>
@@ -18601,7 +19278,7 @@
                         <m:sSubPr>
                           <m:ctrlPr>
                             <a:rPr lang="en-US" sz="2400" b="0" i="1" smtClean="0">
-                              <a:latin typeface="Cambria Math" charset="0"/>
+                              <a:latin typeface="Cambria Math" panose="02040503050406030204" pitchFamily="18" charset="0"/>
                             </a:rPr>
                           </m:ctrlPr>
                         </m:sSubPr>
@@ -18710,7 +19387,7 @@
                         <m:fPr>
                           <m:ctrlPr>
                             <a:rPr lang="en-US" sz="2400" b="0" i="1" smtClean="0">
-                              <a:latin typeface="Cambria Math" charset="0"/>
+                              <a:latin typeface="Cambria Math" panose="02040503050406030204" pitchFamily="18" charset="0"/>
                             </a:rPr>
                           </m:ctrlPr>
                         </m:fPr>
@@ -18719,7 +19396,7 @@
                             <m:sSubPr>
                               <m:ctrlPr>
                                 <a:rPr lang="en-US" sz="2400" i="1" smtClean="0">
-                                  <a:latin typeface="Cambria Math" charset="0"/>
+                                  <a:latin typeface="Cambria Math" panose="02040503050406030204" pitchFamily="18" charset="0"/>
                                 </a:rPr>
                               </m:ctrlPr>
                             </m:sSubPr>
@@ -18800,7 +19477,7 @@
                         <m:sSubPr>
                           <m:ctrlPr>
                             <a:rPr lang="en-US" sz="2400" b="0" i="1" smtClean="0">
-                              <a:latin typeface="Cambria Math" charset="0"/>
+                              <a:latin typeface="Cambria Math" panose="02040503050406030204" pitchFamily="18" charset="0"/>
                             </a:rPr>
                           </m:ctrlPr>
                         </m:sSubPr>
@@ -18909,7 +19586,7 @@
                         <m:fPr>
                           <m:ctrlPr>
                             <a:rPr lang="en-US" sz="2400" b="0" i="1" smtClean="0">
-                              <a:latin typeface="Cambria Math" charset="0"/>
+                              <a:latin typeface="Cambria Math" panose="02040503050406030204" pitchFamily="18" charset="0"/>
                             </a:rPr>
                           </m:ctrlPr>
                         </m:fPr>
@@ -18918,7 +19595,7 @@
                             <m:sSubPr>
                               <m:ctrlPr>
                                 <a:rPr lang="en-US" sz="2400" i="1" smtClean="0">
-                                  <a:latin typeface="Cambria Math" charset="0"/>
+                                  <a:latin typeface="Cambria Math" panose="02040503050406030204" pitchFamily="18" charset="0"/>
                                 </a:rPr>
                               </m:ctrlPr>
                             </m:sSubPr>
@@ -18981,7 +19658,7 @@
                         <m:sSubPr>
                           <m:ctrlPr>
                             <a:rPr lang="en-US" sz="2400" b="0" i="1" smtClean="0">
-                              <a:latin typeface="Cambria Math" charset="0"/>
+                              <a:latin typeface="Cambria Math" panose="02040503050406030204" pitchFamily="18" charset="0"/>
                             </a:rPr>
                           </m:ctrlPr>
                         </m:sSubPr>
@@ -19090,7 +19767,7 @@
                         <m:fPr>
                           <m:ctrlPr>
                             <a:rPr lang="en-US" sz="2400" b="0" i="1" smtClean="0">
-                              <a:latin typeface="Cambria Math" charset="0"/>
+                              <a:latin typeface="Cambria Math" panose="02040503050406030204" pitchFamily="18" charset="0"/>
                               <a:cs typeface="Times New Roman" panose="02020603050405020304" pitchFamily="18" charset="0"/>
                             </a:rPr>
                           </m:ctrlPr>
@@ -19121,7 +19798,7 @@
                             <m:dPr>
                               <m:ctrlPr>
                                 <a:rPr lang="en-US" sz="2400" i="1" baseline="-25000">
-                                  <a:latin typeface="Cambria Math" charset="0"/>
+                                  <a:latin typeface="Cambria Math" panose="02040503050406030204" pitchFamily="18" charset="0"/>
                                   <a:cs typeface="Times New Roman" panose="02020603050405020304" pitchFamily="18" charset="0"/>
                                 </a:rPr>
                               </m:ctrlPr>
@@ -19201,7 +19878,7 @@
                         <m:dPr>
                           <m:ctrlPr>
                             <a:rPr lang="en-US" sz="2400" i="1">
-                              <a:latin typeface="Cambria Math" charset="0"/>
+                              <a:latin typeface="Cambria Math" panose="02040503050406030204" pitchFamily="18" charset="0"/>
                               <a:ea typeface="Cambria Math" panose="02040503050406030204" pitchFamily="18" charset="0"/>
                               <a:cs typeface="Times New Roman" panose="02020603050405020304" pitchFamily="18" charset="0"/>
                             </a:rPr>
@@ -19319,7 +19996,7 @@
                       <m:fPr>
                         <m:ctrlPr>
                           <a:rPr lang="en-US" sz="2800" i="1" smtClean="0">
-                            <a:latin typeface="Cambria Math" charset="0"/>
+                            <a:latin typeface="Cambria Math" panose="02040503050406030204" pitchFamily="18" charset="0"/>
                             <a:cs typeface="Times New Roman" panose="02020603050405020304" pitchFamily="18" charset="0"/>
                           </a:rPr>
                         </m:ctrlPr>
@@ -19350,7 +20027,7 @@
                           <m:dPr>
                             <m:ctrlPr>
                               <a:rPr lang="en-US" sz="2800" i="1" baseline="-25000">
-                                <a:latin typeface="Cambria Math" charset="0"/>
+                                <a:latin typeface="Cambria Math" panose="02040503050406030204" pitchFamily="18" charset="0"/>
                                 <a:cs typeface="Times New Roman" panose="02020603050405020304" pitchFamily="18" charset="0"/>
                               </a:rPr>
                             </m:ctrlPr>
@@ -19407,7 +20084,7 @@
                   </m:oMath>
                 </a14:m>
                 <a:r>
-                  <a:rPr lang="en-US" sz="2800" dirty="0" smtClean="0"/>
+                  <a:rPr lang="en-US" sz="2800" dirty="0"/>
                   <a:t> = </a:t>
                 </a:r>
                 <a14:m>
@@ -19416,7 +20093,7 @@
                       <m:fPr>
                         <m:ctrlPr>
                           <a:rPr lang="en-US" sz="2800" i="1">
-                            <a:latin typeface="Cambria Math" charset="0"/>
+                            <a:latin typeface="Cambria Math" panose="02040503050406030204" pitchFamily="18" charset="0"/>
                             <a:cs typeface="Times New Roman" panose="02020603050405020304" pitchFamily="18" charset="0"/>
                           </a:rPr>
                         </m:ctrlPr>
@@ -19447,7 +20124,7 @@
                           <m:dPr>
                             <m:ctrlPr>
                               <a:rPr lang="en-US" sz="2800" i="1" baseline="-25000">
-                                <a:latin typeface="Cambria Math" charset="0"/>
+                                <a:latin typeface="Cambria Math" panose="02040503050406030204" pitchFamily="18" charset="0"/>
                                 <a:cs typeface="Times New Roman" panose="02020603050405020304" pitchFamily="18" charset="0"/>
                               </a:rPr>
                             </m:ctrlPr>
@@ -19511,7 +20188,7 @@
                   </m:oMath>
                 </a14:m>
                 <a:r>
-                  <a:rPr lang="en-US" sz="2800" dirty="0" smtClean="0"/>
+                  <a:rPr lang="en-US" sz="2800" dirty="0"/>
                   <a:t> </a:t>
                 </a:r>
                 <a14:m>
@@ -19520,7 +20197,7 @@
                       <m:fPr>
                         <m:ctrlPr>
                           <a:rPr lang="en-US" sz="2800" i="1">
-                            <a:latin typeface="Cambria Math" charset="0"/>
+                            <a:latin typeface="Cambria Math" panose="02040503050406030204" pitchFamily="18" charset="0"/>
                           </a:rPr>
                         </m:ctrlPr>
                       </m:fPr>
@@ -19529,7 +20206,7 @@
                           <m:sSubPr>
                             <m:ctrlPr>
                               <a:rPr lang="en-US" sz="2800" i="1">
-                                <a:latin typeface="Cambria Math" charset="0"/>
+                                <a:latin typeface="Cambria Math" panose="02040503050406030204" pitchFamily="18" charset="0"/>
                               </a:rPr>
                             </m:ctrlPr>
                           </m:sSubPr>
@@ -19586,7 +20263,7 @@
                       <m:fPr>
                         <m:ctrlPr>
                           <a:rPr lang="en-US" sz="2800" i="1">
-                            <a:latin typeface="Cambria Math" charset="0"/>
+                            <a:latin typeface="Cambria Math" panose="02040503050406030204" pitchFamily="18" charset="0"/>
                           </a:rPr>
                         </m:ctrlPr>
                       </m:fPr>
@@ -19595,7 +20272,7 @@
                           <m:sSubPr>
                             <m:ctrlPr>
                               <a:rPr lang="en-US" sz="2800" i="1">
-                                <a:latin typeface="Cambria Math" charset="0"/>
+                                <a:latin typeface="Cambria Math" panose="02040503050406030204" pitchFamily="18" charset="0"/>
                               </a:rPr>
                             </m:ctrlPr>
                           </m:sSubPr>
@@ -19652,7 +20329,7 @@
                       <m:fPr>
                         <m:ctrlPr>
                           <a:rPr lang="en-US" sz="2800" i="1">
-                            <a:latin typeface="Cambria Math" charset="0"/>
+                            <a:latin typeface="Cambria Math" panose="02040503050406030204" pitchFamily="18" charset="0"/>
                           </a:rPr>
                         </m:ctrlPr>
                       </m:fPr>
@@ -19661,7 +20338,7 @@
                           <m:sSubPr>
                             <m:ctrlPr>
                               <a:rPr lang="en-US" sz="2800" i="1">
-                                <a:latin typeface="Cambria Math" charset="0"/>
+                                <a:latin typeface="Cambria Math" panose="02040503050406030204" pitchFamily="18" charset="0"/>
                               </a:rPr>
                             </m:ctrlPr>
                           </m:sSubPr>
@@ -20115,16 +20792,12 @@
           <a:p>
             <a:pPr algn="l"/>
             <a:r>
-              <a:rPr lang="en-US" dirty="0" smtClean="0">
+              <a:rPr lang="en-US" dirty="0">
                 <a:latin typeface="Times New Roman" panose="02020603050405020304" pitchFamily="18" charset="0"/>
                 <a:cs typeface="Times New Roman" panose="02020603050405020304" pitchFamily="18" charset="0"/>
               </a:rPr>
               <a:t>Update the Parameters</a:t>
             </a:r>
-            <a:endParaRPr lang="en-US" dirty="0">
-              <a:latin typeface="Times New Roman" panose="02020603050405020304" pitchFamily="18" charset="0"/>
-              <a:cs typeface="Times New Roman" panose="02020603050405020304" pitchFamily="18" charset="0"/>
-            </a:endParaRPr>
           </a:p>
         </p:txBody>
       </p:sp>
@@ -20401,7 +21074,7 @@
               </a:lstStyle>
               <a:p>
                 <a:r>
-                  <a:rPr lang="en-US" sz="2800" dirty="0" smtClean="0">
+                  <a:rPr lang="en-US" sz="2800" dirty="0">
                     <a:latin typeface="Times New Roman" panose="02020603050405020304" pitchFamily="18" charset="0"/>
                     <a:cs typeface="Times New Roman" panose="02020603050405020304" pitchFamily="18" charset="0"/>
                   </a:rPr>
@@ -20410,14 +21083,14 @@
               </a:p>
               <a:p>
                 <a:r>
-                  <a:rPr lang="en-US" sz="2800" dirty="0" smtClean="0">
+                  <a:rPr lang="en-US" sz="2800" dirty="0">
                     <a:latin typeface="Times New Roman" panose="02020603050405020304" pitchFamily="18" charset="0"/>
                     <a:cs typeface="Times New Roman" panose="02020603050405020304" pitchFamily="18" charset="0"/>
                   </a:rPr>
                   <a:t>Now update the </a:t>
                 </a:r>
                 <a:r>
-                  <a:rPr lang="en-US" sz="2800" dirty="0" smtClean="0">
+                  <a:rPr lang="en-US" sz="2800" dirty="0">
                     <a:solidFill>
                       <a:srgbClr val="0066FF"/>
                     </a:solidFill>
@@ -20427,7 +21100,7 @@
                   <a:t>model parameters, </a:t>
                 </a:r>
                 <a:r>
-                  <a:rPr lang="el-GR" sz="2800" dirty="0" smtClean="0">
+                  <a:rPr lang="el-GR" sz="2800" dirty="0">
                     <a:solidFill>
                       <a:srgbClr val="0066FF"/>
                     </a:solidFill>
@@ -20436,7 +21109,7 @@
                   </a:rPr>
                   <a:t>θ</a:t>
                 </a:r>
-                <a:endParaRPr lang="en-US" sz="2800" dirty="0" smtClean="0">
+                <a:endParaRPr lang="en-US" sz="2800" dirty="0">
                   <a:solidFill>
                     <a:srgbClr val="0066FF"/>
                   </a:solidFill>
@@ -20458,7 +21131,7 @@
                         <m:sSupPr>
                           <m:ctrlPr>
                             <a:rPr lang="en-US" sz="2800" b="0" i="1" smtClean="0">
-                              <a:latin typeface="Cambria Math" charset="0"/>
+                              <a:latin typeface="Cambria Math" panose="02040503050406030204" pitchFamily="18" charset="0"/>
                               <a:cs typeface="Times New Roman" panose="02020603050405020304" pitchFamily="18" charset="0"/>
                             </a:rPr>
                           </m:ctrlPr>
@@ -20508,7 +21181,7 @@
                         <m:sSupPr>
                           <m:ctrlPr>
                             <a:rPr lang="en-US" sz="2800" i="1">
-                              <a:latin typeface="Cambria Math" charset="0"/>
+                              <a:latin typeface="Cambria Math" panose="02040503050406030204" pitchFamily="18" charset="0"/>
                               <a:cs typeface="Times New Roman" panose="02020603050405020304" pitchFamily="18" charset="0"/>
                             </a:rPr>
                           </m:ctrlPr>
@@ -20567,7 +21240,7 @@
                         <m:sSubPr>
                           <m:ctrlPr>
                             <a:rPr lang="en-US" sz="2800" b="0" i="1" smtClean="0">
-                              <a:latin typeface="Cambria Math" charset="0"/>
+                              <a:latin typeface="Cambria Math" panose="02040503050406030204" pitchFamily="18" charset="0"/>
                               <a:ea typeface="Cambria Math" panose="02040503050406030204" pitchFamily="18" charset="0"/>
                               <a:cs typeface="Times New Roman" panose="02020603050405020304" pitchFamily="18" charset="0"/>
                             </a:rPr>
@@ -20588,7 +21261,7 @@
                             <m:sSupPr>
                               <m:ctrlPr>
                                 <a:rPr lang="en-US" sz="2800" b="0" i="1" smtClean="0">
-                                  <a:latin typeface="Cambria Math" charset="0"/>
+                                  <a:latin typeface="Cambria Math" panose="02040503050406030204" pitchFamily="18" charset="0"/>
                                   <a:ea typeface="Cambria Math" panose="02040503050406030204" pitchFamily="18" charset="0"/>
                                   <a:cs typeface="Times New Roman" panose="02020603050405020304" pitchFamily="18" charset="0"/>
                                 </a:rPr>
@@ -20609,7 +21282,7 @@
                                 <m:dPr>
                                   <m:ctrlPr>
                                     <a:rPr lang="en-US" sz="2800" b="0" i="1" smtClean="0">
-                                      <a:latin typeface="Cambria Math" charset="0"/>
+                                      <a:latin typeface="Cambria Math" panose="02040503050406030204" pitchFamily="18" charset="0"/>
                                       <a:ea typeface="Cambria Math" panose="02040503050406030204" pitchFamily="18" charset="0"/>
                                       <a:cs typeface="Times New Roman" panose="02020603050405020304" pitchFamily="18" charset="0"/>
                                     </a:rPr>
@@ -20641,7 +21314,7 @@
                     </m:oMath>
                   </m:oMathPara>
                 </a14:m>
-                <a:endParaRPr lang="en-US" sz="2800" b="0" dirty="0" smtClean="0">
+                <a:endParaRPr lang="en-US" sz="2800" b="0" dirty="0">
                   <a:latin typeface="Times New Roman" panose="02020603050405020304" pitchFamily="18" charset="0"/>
                   <a:ea typeface="Cambria Math" panose="02040503050406030204" pitchFamily="18" charset="0"/>
                   <a:cs typeface="Times New Roman" panose="02020603050405020304" pitchFamily="18" charset="0"/>
@@ -20649,24 +21322,16 @@
               </a:p>
               <a:p>
                 <a:r>
-                  <a:rPr lang="en-US" sz="2800" dirty="0" smtClean="0"/>
-                  <a:t>Fortunately, most deep </a:t>
+                  <a:rPr lang="en-US" sz="2800" dirty="0"/>
+                  <a:t>Fortunately, most deep learning frameworks can automatically perform backpropagation for you!</a:t>
                 </a:r>
-                <a:r>
-                  <a:rPr lang="en-US" sz="2800" dirty="0"/>
-                  <a:t>learning frameworks can automatically perform </a:t>
-                </a:r>
-                <a:r>
-                  <a:rPr lang="en-US" sz="2800" dirty="0" smtClean="0"/>
-                  <a:t>backpropagation for you!</a:t>
-                </a:r>
-                <a:endParaRPr lang="en-US" sz="2800" dirty="0" smtClean="0">
+                <a:endParaRPr lang="en-US" sz="2800" dirty="0">
                   <a:latin typeface="Times New Roman" panose="02020603050405020304" pitchFamily="18" charset="0"/>
                   <a:cs typeface="Times New Roman" panose="02020603050405020304" pitchFamily="18" charset="0"/>
                 </a:endParaRPr>
               </a:p>
               <a:p>
-                <a:endParaRPr lang="en-US" sz="2800" dirty="0" smtClean="0">
+                <a:endParaRPr lang="en-US" sz="2800" dirty="0">
                   <a:latin typeface="Times New Roman" panose="02020603050405020304" pitchFamily="18" charset="0"/>
                   <a:cs typeface="Times New Roman" panose="02020603050405020304" pitchFamily="18" charset="0"/>
                 </a:endParaRPr>
@@ -20764,14 +21429,6 @@
   <p:clrMapOvr>
     <a:masterClrMapping/>
   </p:clrMapOvr>
-  <mc:AlternateContent xmlns:mc="http://schemas.openxmlformats.org/markup-compatibility/2006" xmlns:p14="http://schemas.microsoft.com/office/powerpoint/2010/main">
-    <mc:Choice Requires="p14">
-      <p:transition spd="slow" p14:dur="2000"/>
-    </mc:Choice>
-    <mc:Fallback xmlns="">
-      <p:transition spd="slow"/>
-    </mc:Fallback>
-  </mc:AlternateContent>
   <p:timing>
     <p:tnLst>
       <p:par>
@@ -21018,23 +21675,19 @@
           <a:p>
             <a:pPr algn="l"/>
             <a:r>
-              <a:rPr lang="en-US" altLang="zh-CN" dirty="0" smtClean="0">
+              <a:rPr lang="en-US" altLang="zh-CN" dirty="0">
                 <a:latin typeface="Times New Roman" panose="02020603050405020304" pitchFamily="18" charset="0"/>
                 <a:cs typeface="Times New Roman" panose="02020603050405020304" pitchFamily="18" charset="0"/>
               </a:rPr>
               <a:t>Recurrent Neural Networks (</a:t>
             </a:r>
             <a:r>
-              <a:rPr lang="en-US" dirty="0" smtClean="0">
+              <a:rPr lang="en-US" dirty="0">
                 <a:latin typeface="Times New Roman" panose="02020603050405020304" pitchFamily="18" charset="0"/>
                 <a:cs typeface="Times New Roman" panose="02020603050405020304" pitchFamily="18" charset="0"/>
               </a:rPr>
               <a:t>RNNs)</a:t>
             </a:r>
-            <a:endParaRPr lang="en-US" dirty="0">
-              <a:latin typeface="Times New Roman" panose="02020603050405020304" pitchFamily="18" charset="0"/>
-              <a:cs typeface="Times New Roman" panose="02020603050405020304" pitchFamily="18" charset="0"/>
-            </a:endParaRPr>
           </a:p>
         </p:txBody>
       </p:sp>
@@ -21309,37 +21962,64 @@
           </a:lstStyle>
           <a:p>
             <a:r>
-              <a:rPr lang="en-US" dirty="0" smtClean="0">
+              <a:rPr lang="en-US" dirty="0">
+                <a:highlight>
+                  <a:srgbClr val="FFFF00"/>
+                </a:highlight>
                 <a:latin typeface="Times New Roman" panose="02020603050405020304" pitchFamily="18" charset="0"/>
                 <a:cs typeface="Times New Roman" panose="02020603050405020304" pitchFamily="18" charset="0"/>
               </a:rPr>
-              <a:t>Main idea: make use of sequential information</a:t>
+              <a:t>Main idea</a:t>
+            </a:r>
+            <a:r>
+              <a:rPr lang="en-US" dirty="0">
+                <a:latin typeface="Times New Roman" panose="02020603050405020304" pitchFamily="18" charset="0"/>
+                <a:cs typeface="Times New Roman" panose="02020603050405020304" pitchFamily="18" charset="0"/>
+              </a:rPr>
+              <a:t>: make use of sequential information</a:t>
             </a:r>
           </a:p>
           <a:p>
             <a:r>
-              <a:rPr lang="en-US" dirty="0" smtClean="0">
+              <a:rPr lang="en-US" dirty="0">
                 <a:latin typeface="Times New Roman" panose="02020603050405020304" pitchFamily="18" charset="0"/>
                 <a:cs typeface="Times New Roman" panose="02020603050405020304" pitchFamily="18" charset="0"/>
               </a:rPr>
-              <a:t>How RNN is different from </a:t>
+              <a:t>How RNN is </a:t>
             </a:r>
             <a:r>
-              <a:rPr lang="en-US" altLang="zh-CN" dirty="0" smtClean="0">
+              <a:rPr lang="en-US" dirty="0">
+                <a:highlight>
+                  <a:srgbClr val="FFFF00"/>
+                </a:highlight>
+                <a:latin typeface="Times New Roman" panose="02020603050405020304" pitchFamily="18" charset="0"/>
+                <a:cs typeface="Times New Roman" panose="02020603050405020304" pitchFamily="18" charset="0"/>
+              </a:rPr>
+              <a:t>different</a:t>
+            </a:r>
+            <a:r>
+              <a:rPr lang="en-US" dirty="0">
+                <a:latin typeface="Times New Roman" panose="02020603050405020304" pitchFamily="18" charset="0"/>
+                <a:cs typeface="Times New Roman" panose="02020603050405020304" pitchFamily="18" charset="0"/>
+              </a:rPr>
+              <a:t> from </a:t>
+            </a:r>
+            <a:r>
+              <a:rPr lang="en-US" altLang="zh-CN" dirty="0">
                 <a:latin typeface="Times New Roman" panose="02020603050405020304" pitchFamily="18" charset="0"/>
                 <a:cs typeface="Times New Roman" panose="02020603050405020304" pitchFamily="18" charset="0"/>
               </a:rPr>
               <a:t>feedforward</a:t>
             </a:r>
             <a:r>
-              <a:rPr lang="zh-CN" altLang="en-US" dirty="0" smtClean="0">
+              <a:rPr lang="zh-CN" altLang="en-US" dirty="0">
                 <a:latin typeface="Times New Roman" panose="02020603050405020304" pitchFamily="18" charset="0"/>
                 <a:cs typeface="Times New Roman" panose="02020603050405020304" pitchFamily="18" charset="0"/>
               </a:rPr>
               <a:t> </a:t>
             </a:r>
             <a:r>
-              <a:rPr lang="en-US" dirty="0" smtClean="0">
+              <a:rPr lang="en-US" dirty="0">
                 <a:latin typeface="Times New Roman" panose="02020603050405020304" pitchFamily="18" charset="0"/>
                 <a:cs typeface="Times New Roman" panose="02020603050405020304" pitchFamily="18" charset="0"/>
               </a:rPr>
@@ -21349,28 +22029,28 @@
           <a:p>
             <a:pPr lvl="1"/>
             <a:r>
-              <a:rPr lang="en-US" altLang="zh-CN" dirty="0" smtClean="0">
+              <a:rPr lang="en-US" altLang="zh-CN" dirty="0">
                 <a:latin typeface="Times New Roman" panose="02020603050405020304" pitchFamily="18" charset="0"/>
                 <a:cs typeface="Times New Roman" panose="02020603050405020304" pitchFamily="18" charset="0"/>
               </a:rPr>
               <a:t>Feedforward</a:t>
             </a:r>
             <a:r>
-              <a:rPr lang="zh-CN" altLang="en-US" dirty="0" smtClean="0">
+              <a:rPr lang="zh-CN" altLang="en-US" dirty="0">
                 <a:latin typeface="Times New Roman" panose="02020603050405020304" pitchFamily="18" charset="0"/>
                 <a:cs typeface="Times New Roman" panose="02020603050405020304" pitchFamily="18" charset="0"/>
               </a:rPr>
               <a:t> </a:t>
             </a:r>
             <a:r>
-              <a:rPr lang="en-US" dirty="0" smtClean="0">
+              <a:rPr lang="en-US" dirty="0">
                 <a:latin typeface="Times New Roman" panose="02020603050405020304" pitchFamily="18" charset="0"/>
                 <a:cs typeface="Times New Roman" panose="02020603050405020304" pitchFamily="18" charset="0"/>
               </a:rPr>
               <a:t>neural networks </a:t>
             </a:r>
             <a:r>
-              <a:rPr lang="en-US" dirty="0" smtClean="0">
+              <a:rPr lang="en-US" dirty="0">
                 <a:solidFill>
                   <a:srgbClr val="0066FF"/>
                 </a:solidFill>
@@ -21380,30 +22060,40 @@
               <a:t>assume</a:t>
             </a:r>
             <a:r>
-              <a:rPr lang="en-US" dirty="0" smtClean="0">
+              <a:rPr lang="en-US" dirty="0">
                 <a:latin typeface="Times New Roman" panose="02020603050405020304" pitchFamily="18" charset="0"/>
                 <a:cs typeface="Times New Roman" panose="02020603050405020304" pitchFamily="18" charset="0"/>
               </a:rPr>
-              <a:t> all inputs are independent of each other</a:t>
+              <a:t> </a:t>
+            </a:r>
+            <a:r>
+              <a:rPr lang="en-US" dirty="0">
+                <a:highlight>
+                  <a:srgbClr val="FFFF00"/>
+                </a:highlight>
+                <a:latin typeface="Times New Roman" panose="02020603050405020304" pitchFamily="18" charset="0"/>
+                <a:cs typeface="Times New Roman" panose="02020603050405020304" pitchFamily="18" charset="0"/>
+              </a:rPr>
+              <a:t>all inputs are independent of each other</a:t>
             </a:r>
           </a:p>
           <a:p>
             <a:pPr lvl="1"/>
             <a:r>
-              <a:rPr lang="en-US" altLang="zh-CN" dirty="0" smtClean="0">
+              <a:rPr lang="en-US" altLang="zh-CN" dirty="0">
                 <a:latin typeface="Times New Roman" panose="02020603050405020304" pitchFamily="18" charset="0"/>
                 <a:cs typeface="Times New Roman" panose="02020603050405020304" pitchFamily="18" charset="0"/>
               </a:rPr>
               <a:t>In many cases (especially for language), it is not true.</a:t>
             </a:r>
-            <a:endParaRPr lang="en-US" dirty="0" smtClean="0">
+            <a:endParaRPr lang="en-US" dirty="0">
               <a:latin typeface="Times New Roman" panose="02020603050405020304" pitchFamily="18" charset="0"/>
               <a:cs typeface="Times New Roman" panose="02020603050405020304" pitchFamily="18" charset="0"/>
             </a:endParaRPr>
           </a:p>
           <a:p>
             <a:r>
-              <a:rPr lang="en-US" dirty="0" smtClean="0">
+              <a:rPr lang="en-US" dirty="0">
                 <a:latin typeface="Times New Roman" panose="02020603050405020304" pitchFamily="18" charset="0"/>
                 <a:cs typeface="Times New Roman" panose="02020603050405020304" pitchFamily="18" charset="0"/>
               </a:rPr>
@@ -21413,14 +22103,24 @@
           <a:p>
             <a:pPr lvl="1"/>
             <a:r>
-              <a:rPr lang="en-US" dirty="0" smtClean="0">
+              <a:rPr lang="en-US" dirty="0">
+                <a:highlight>
+                  <a:srgbClr val="FFFF00"/>
+                </a:highlight>
                 <a:latin typeface="Times New Roman" panose="02020603050405020304" pitchFamily="18" charset="0"/>
                 <a:cs typeface="Times New Roman" panose="02020603050405020304" pitchFamily="18" charset="0"/>
               </a:rPr>
-              <a:t>Perform the same task at every step of a sequence (that’s what </a:t>
+              <a:t>Perform the same task at every step of a sequence </a:t>
             </a:r>
             <a:r>
-              <a:rPr lang="en-US" dirty="0" smtClean="0">
+              <a:rPr lang="en-US" dirty="0">
+                <a:latin typeface="Times New Roman" panose="02020603050405020304" pitchFamily="18" charset="0"/>
+                <a:cs typeface="Times New Roman" panose="02020603050405020304" pitchFamily="18" charset="0"/>
+              </a:rPr>
+              <a:t>(that’s what </a:t>
+            </a:r>
+            <a:r>
+              <a:rPr lang="en-US" dirty="0">
                 <a:solidFill>
                   <a:srgbClr val="0066FF"/>
                 </a:solidFill>
@@ -21430,7 +22130,7 @@
               <a:t>recurrent</a:t>
             </a:r>
             <a:r>
-              <a:rPr lang="en-US" dirty="0" smtClean="0">
+              <a:rPr lang="en-US" dirty="0">
                 <a:latin typeface="Times New Roman" panose="02020603050405020304" pitchFamily="18" charset="0"/>
                 <a:cs typeface="Times New Roman" panose="02020603050405020304" pitchFamily="18" charset="0"/>
               </a:rPr>
@@ -21440,7 +22140,10 @@
           <a:p>
             <a:pPr lvl="1"/>
             <a:r>
-              <a:rPr lang="en-US" dirty="0" smtClean="0">
+              <a:rPr lang="en-US" dirty="0">
+                <a:highlight>
+                  <a:srgbClr val="FFFF00"/>
+                </a:highlight>
                 <a:latin typeface="Times New Roman" panose="02020603050405020304" pitchFamily="18" charset="0"/>
                 <a:cs typeface="Times New Roman" panose="02020603050405020304" pitchFamily="18" charset="0"/>
               </a:rPr>
@@ -21449,14 +22152,14 @@
           </a:p>
           <a:p>
             <a:r>
-              <a:rPr lang="en-US" dirty="0" smtClean="0">
+              <a:rPr lang="en-US" dirty="0">
                 <a:latin typeface="Times New Roman" panose="02020603050405020304" pitchFamily="18" charset="0"/>
                 <a:cs typeface="Times New Roman" panose="02020603050405020304" pitchFamily="18" charset="0"/>
               </a:rPr>
               <a:t>Another way of interpretation – RNNs have a “</a:t>
             </a:r>
             <a:r>
-              <a:rPr lang="en-US" dirty="0" smtClean="0">
+              <a:rPr lang="en-US" dirty="0">
                 <a:solidFill>
                   <a:srgbClr val="0066FF"/>
                 </a:solidFill>
@@ -21466,7 +22169,7 @@
               <a:t>memory</a:t>
             </a:r>
             <a:r>
-              <a:rPr lang="en-US" dirty="0" smtClean="0">
+              <a:rPr lang="en-US" dirty="0">
                 <a:latin typeface="Times New Roman" panose="02020603050405020304" pitchFamily="18" charset="0"/>
                 <a:cs typeface="Times New Roman" panose="02020603050405020304" pitchFamily="18" charset="0"/>
               </a:rPr>
@@ -21476,16 +22179,12 @@
           <a:p>
             <a:pPr lvl="1"/>
             <a:r>
-              <a:rPr lang="en-US" dirty="0" smtClean="0">
+              <a:rPr lang="en-US" dirty="0">
                 <a:latin typeface="Times New Roman" panose="02020603050405020304" pitchFamily="18" charset="0"/>
                 <a:cs typeface="Times New Roman" panose="02020603050405020304" pitchFamily="18" charset="0"/>
               </a:rPr>
               <a:t>To store previous computations</a:t>
             </a:r>
-            <a:endParaRPr lang="en-US" dirty="0">
-              <a:latin typeface="Times New Roman" panose="02020603050405020304" pitchFamily="18" charset="0"/>
-              <a:cs typeface="Times New Roman" panose="02020603050405020304" pitchFamily="18" charset="0"/>
-            </a:endParaRPr>
           </a:p>
         </p:txBody>
       </p:sp>
@@ -21499,14 +22198,6 @@
   <p:clrMapOvr>
     <a:masterClrMapping/>
   </p:clrMapOvr>
-  <mc:AlternateContent xmlns:mc="http://schemas.openxmlformats.org/markup-compatibility/2006" xmlns:p14="http://schemas.microsoft.com/office/powerpoint/2010/main">
-    <mc:Choice Requires="p14">
-      <p:transition spd="slow" p14:dur="2000"/>
-    </mc:Choice>
-    <mc:Fallback xmlns="">
-      <p:transition spd="slow"/>
-    </mc:Fallback>
-  </mc:AlternateContent>
   <p:timing>
     <p:tnLst>
       <p:par>
@@ -22050,30 +22741,24 @@
               <a:rPr lang="en-US" altLang="en-US" dirty="0">
                 <a:sym typeface="Symbol" charset="2"/>
               </a:rPr>
-              <a:t>is an (n-1)-</a:t>
-            </a:r>
-            <a:r>
-              <a:rPr lang="en-US" altLang="en-US" dirty="0" smtClean="0">
-                <a:sym typeface="Symbol" charset="2"/>
-              </a:rPr>
-              <a:t>gram</a:t>
+              <a:t>is an (n-1)-gram</a:t>
             </a:r>
           </a:p>
           <a:p>
             <a:r>
-              <a:rPr lang="en-US" altLang="en-US" dirty="0" smtClean="0">
+              <a:rPr lang="en-US" altLang="en-US" dirty="0">
                 <a:sym typeface="Symbol" charset="2"/>
               </a:rPr>
               <a:t>Remember: p can be any function over (</a:t>
             </a:r>
             <a:r>
-              <a:rPr lang="en-US" altLang="en-US" dirty="0" err="1" smtClean="0">
+              <a:rPr lang="en-US" altLang="en-US" dirty="0" err="1">
                 <a:sym typeface="Symbol" charset="2"/>
               </a:rPr>
               <a:t>x,y</a:t>
             </a:r>
             <a:r>
-              <a:rPr lang="en-US" altLang="en-US" dirty="0" smtClean="0">
+              <a:rPr lang="en-US" altLang="en-US" dirty="0">
                 <a:sym typeface="Symbol" charset="2"/>
               </a:rPr>
               <a:t>)!</a:t>
@@ -22082,16 +22767,10 @@
           <a:p>
             <a:pPr marL="796925" lvl="1" indent="-339725"/>
             <a:r>
-              <a:rPr lang="en-US" altLang="en-US" dirty="0" smtClean="0">
-                <a:sym typeface="Symbol" charset="2"/>
-              </a:rPr>
-              <a:t>Provided </a:t>
-            </a:r>
-            <a:r>
               <a:rPr lang="en-US" altLang="en-US" dirty="0">
                 <a:sym typeface="Symbol" charset="2"/>
               </a:rPr>
-              <a:t>that p(y | x)  0, and </a:t>
+              <a:t>Provided that p(y | x)  0, and </a:t>
             </a:r>
             <a:r>
               <a:rPr lang="en-US" altLang="en-US" baseline="-25000" dirty="0">
@@ -22124,20 +22803,8 @@
           <a:lstStyle/>
           <a:p>
             <a:r>
-              <a:rPr lang="en-US" altLang="en-US" dirty="0" smtClean="0"/>
-              <a:t>Smoothing </a:t>
-            </a:r>
-            <a:r>
               <a:rPr lang="en-US" altLang="en-US" dirty="0"/>
-              <a:t>as </a:t>
-            </a:r>
-            <a:r>
-              <a:rPr lang="en-US" altLang="en-US" dirty="0" smtClean="0"/>
-              <a:t>Optimization: Conditional </a:t>
-            </a:r>
-            <a:r>
-              <a:rPr lang="en-US" altLang="en-US" dirty="0"/>
-              <a:t>Modeling</a:t>
+              <a:t>Smoothing as Optimization: Conditional Modeling</a:t>
             </a:r>
           </a:p>
         </p:txBody>
@@ -22869,16 +23536,12 @@
           <a:p>
             <a:pPr algn="l"/>
             <a:r>
-              <a:rPr lang="en-US" dirty="0" smtClean="0">
+              <a:rPr lang="en-US" dirty="0">
                 <a:latin typeface="Times New Roman" panose="02020603050405020304" pitchFamily="18" charset="0"/>
                 <a:cs typeface="Times New Roman" panose="02020603050405020304" pitchFamily="18" charset="0"/>
               </a:rPr>
               <a:t>Recurrent Neural Networks (RNNs)</a:t>
             </a:r>
-            <a:endParaRPr lang="en-US" dirty="0">
-              <a:latin typeface="Times New Roman" panose="02020603050405020304" pitchFamily="18" charset="0"/>
-              <a:cs typeface="Times New Roman" panose="02020603050405020304" pitchFamily="18" charset="0"/>
-            </a:endParaRPr>
           </a:p>
         </p:txBody>
       </p:sp>
@@ -22960,7 +23623,7 @@
               <a:lstStyle/>
               <a:p>
                 <a:r>
-                  <a:rPr lang="en-US" dirty="0" smtClean="0">
+                  <a:rPr lang="en-US" dirty="0">
                     <a:solidFill>
                       <a:srgbClr val="FF0000"/>
                     </a:solidFill>
@@ -23098,18 +23761,13 @@
           <a:lstStyle/>
           <a:p>
             <a:r>
-              <a:rPr lang="en-US" dirty="0" smtClean="0">
+              <a:rPr lang="en-US" dirty="0">
                 <a:solidFill>
                   <a:srgbClr val="FF0000"/>
                 </a:solidFill>
               </a:rPr>
               <a:t>Hidden state at time step t</a:t>
             </a:r>
-            <a:endParaRPr lang="en-US" dirty="0">
-              <a:solidFill>
-                <a:srgbClr val="FF0000"/>
-              </a:solidFill>
-            </a:endParaRPr>
           </a:p>
         </p:txBody>
       </p:sp>
@@ -23171,18 +23829,13 @@
           <a:lstStyle/>
           <a:p>
             <a:r>
-              <a:rPr lang="en-US" dirty="0" smtClean="0">
+              <a:rPr lang="en-US" dirty="0">
                 <a:solidFill>
                   <a:srgbClr val="FF0000"/>
                 </a:solidFill>
               </a:rPr>
               <a:t>Output state at time step t</a:t>
             </a:r>
-            <a:endParaRPr lang="en-US" dirty="0">
-              <a:solidFill>
-                <a:srgbClr val="FF0000"/>
-              </a:solidFill>
-            </a:endParaRPr>
           </a:p>
         </p:txBody>
       </p:sp>
@@ -23246,18 +23899,13 @@
           <a:lstStyle/>
           <a:p>
             <a:r>
-              <a:rPr lang="en-US" dirty="0" smtClean="0">
+              <a:rPr lang="en-US" dirty="0">
                 <a:solidFill>
                   <a:srgbClr val="FF0000"/>
                 </a:solidFill>
               </a:rPr>
               <a:t>Activation function</a:t>
             </a:r>
-            <a:endParaRPr lang="en-US" dirty="0">
-              <a:solidFill>
-                <a:srgbClr val="FF0000"/>
-              </a:solidFill>
-            </a:endParaRPr>
           </a:p>
         </p:txBody>
       </p:sp>
@@ -23416,14 +24064,13 @@
           <a:lstStyle/>
           <a:p>
             <a:r>
-              <a:rPr lang="en-US" sz="2400" dirty="0" smtClean="0"/>
+              <a:rPr lang="en-US" sz="2400" dirty="0"/>
               <a:t>h</a:t>
             </a:r>
             <a:r>
-              <a:rPr lang="en-US" sz="2400" baseline="-25000" dirty="0" smtClean="0"/>
+              <a:rPr lang="en-US" sz="2400" baseline="-25000" dirty="0"/>
               <a:t>t-1</a:t>
             </a:r>
-            <a:endParaRPr lang="en-US" sz="2400" baseline="-25000" dirty="0"/>
           </a:p>
         </p:txBody>
       </p:sp>
@@ -23450,7 +24097,7 @@
           <a:p>
             <a:pPr lvl="0"/>
             <a:r>
-              <a:rPr lang="en-US" sz="2800" smtClean="0">
+              <a:rPr lang="en-US" sz="2800">
                 <a:solidFill>
                   <a:prstClr val="black"/>
                 </a:solidFill>
@@ -23537,14 +24184,13 @@
           <a:lstStyle/>
           <a:p>
             <a:r>
-              <a:rPr lang="en-US" sz="2400" dirty="0" smtClean="0"/>
+              <a:rPr lang="en-US" sz="2400" dirty="0"/>
               <a:t>h</a:t>
             </a:r>
             <a:r>
-              <a:rPr lang="en-US" sz="2400" baseline="-25000" dirty="0" smtClean="0"/>
+              <a:rPr lang="en-US" sz="2400" baseline="-25000" dirty="0"/>
               <a:t>t</a:t>
             </a:r>
-            <a:endParaRPr lang="en-US" sz="2400" baseline="-25000" dirty="0"/>
           </a:p>
         </p:txBody>
       </p:sp>
@@ -23624,10 +24270,9 @@
               <a:t>h</a:t>
             </a:r>
             <a:r>
-              <a:rPr lang="en-US" sz="2400" baseline="-25000" dirty="0" smtClean="0"/>
+              <a:rPr lang="en-US" sz="2400" baseline="-25000" dirty="0"/>
               <a:t>t+1</a:t>
             </a:r>
-            <a:endParaRPr lang="en-US" sz="2400" baseline="-25000" dirty="0"/>
           </a:p>
         </p:txBody>
       </p:sp>
@@ -23654,18 +24299,13 @@
           <a:lstStyle/>
           <a:p>
             <a:r>
-              <a:rPr lang="en-US" dirty="0" smtClean="0">
+              <a:rPr lang="en-US" dirty="0">
                 <a:solidFill>
                   <a:srgbClr val="FF0000"/>
                 </a:solidFill>
               </a:rPr>
               <a:t>Parameters (recurrently used)</a:t>
             </a:r>
-            <a:endParaRPr lang="en-US" dirty="0">
-              <a:solidFill>
-                <a:srgbClr val="FF0000"/>
-              </a:solidFill>
-            </a:endParaRPr>
           </a:p>
         </p:txBody>
       </p:sp>
@@ -23990,14 +24630,6 @@
   <p:clrMapOvr>
     <a:masterClrMapping/>
   </p:clrMapOvr>
-  <mc:AlternateContent xmlns:mc="http://schemas.openxmlformats.org/markup-compatibility/2006" xmlns:p14="http://schemas.microsoft.com/office/powerpoint/2010/main">
-    <mc:Choice Requires="p14">
-      <p:transition spd="slow" p14:dur="2000"/>
-    </mc:Choice>
-    <mc:Fallback xmlns="">
-      <p:transition spd="slow"/>
-    </mc:Fallback>
-  </mc:AlternateContent>
   <p:timing>
     <p:tnLst>
       <p:par>
@@ -24742,7 +25374,7 @@
           <a:lstStyle/>
           <a:p>
             <a:r>
-              <a:rPr lang="en-US" dirty="0" smtClean="0"/>
+              <a:rPr lang="en-US" dirty="0"/>
               <a:t>Mathematically, the computation at each time step:</a:t>
             </a:r>
           </a:p>
@@ -24760,7 +25392,7 @@
           <p:nvPr/>
         </p:nvPicPr>
         <p:blipFill rotWithShape="1">
-          <a:blip r:embed="rId2"/>
+          <a:blip r:embed="rId3"/>
           <a:srcRect r="13683"/>
           <a:stretch/>
         </p:blipFill>
@@ -24783,7 +25415,7 @@
           <p:nvPr/>
         </p:nvPicPr>
         <p:blipFill rotWithShape="1">
-          <a:blip r:embed="rId3"/>
+          <a:blip r:embed="rId4"/>
           <a:srcRect r="82579"/>
           <a:stretch/>
         </p:blipFill>
@@ -24807,13 +25439,6 @@
   <p:clrMapOvr>
     <a:masterClrMapping/>
   </p:clrMapOvr>
-  <p:timing>
-    <p:tnLst>
-      <p:par>
-        <p:cTn id="1" dur="indefinite" restart="never" nodeType="tmRoot"/>
-      </p:par>
-    </p:tnLst>
-  </p:timing>
 </p:sld>
 </file>
 
@@ -24858,16 +25483,12 @@
           <a:p>
             <a:pPr algn="l"/>
             <a:r>
-              <a:rPr lang="en-US" dirty="0" smtClean="0">
+              <a:rPr lang="en-US" dirty="0">
                 <a:latin typeface="Times New Roman" panose="02020603050405020304" pitchFamily="18" charset="0"/>
                 <a:cs typeface="Times New Roman" panose="02020603050405020304" pitchFamily="18" charset="0"/>
               </a:rPr>
               <a:t>RNNs Extensions</a:t>
             </a:r>
-            <a:endParaRPr lang="en-US" dirty="0">
-              <a:latin typeface="Times New Roman" panose="02020603050405020304" pitchFamily="18" charset="0"/>
-              <a:cs typeface="Times New Roman" panose="02020603050405020304" pitchFamily="18" charset="0"/>
-            </a:endParaRPr>
           </a:p>
         </p:txBody>
       </p:sp>
@@ -25142,7 +25763,7 @@
           </a:lstStyle>
           <a:p>
             <a:r>
-              <a:rPr lang="en-US" dirty="0" smtClean="0">
+              <a:rPr lang="en-US" dirty="0">
                 <a:latin typeface="Times New Roman" panose="02020603050405020304" pitchFamily="18" charset="0"/>
                 <a:cs typeface="Times New Roman" panose="02020603050405020304" pitchFamily="18" charset="0"/>
               </a:rPr>
@@ -25191,21 +25812,6 @@
   <p:clrMapOvr>
     <a:masterClrMapping/>
   </p:clrMapOvr>
-  <mc:AlternateContent xmlns:mc="http://schemas.openxmlformats.org/markup-compatibility/2006" xmlns:p14="http://schemas.microsoft.com/office/powerpoint/2010/main">
-    <mc:Choice Requires="p14">
-      <p:transition spd="slow" p14:dur="2000"/>
-    </mc:Choice>
-    <mc:Fallback xmlns="">
-      <p:transition spd="slow"/>
-    </mc:Fallback>
-  </mc:AlternateContent>
-  <p:timing>
-    <p:tnLst>
-      <p:par>
-        <p:cTn id="1" dur="indefinite" restart="never" nodeType="tmRoot"/>
-      </p:par>
-    </p:tnLst>
-  </p:timing>
 </p:sld>
 </file>
 
@@ -25250,16 +25856,12 @@
           <a:p>
             <a:pPr algn="l"/>
             <a:r>
-              <a:rPr lang="en-US" dirty="0" smtClean="0">
+              <a:rPr lang="en-US" dirty="0">
                 <a:latin typeface="Times New Roman" panose="02020603050405020304" pitchFamily="18" charset="0"/>
                 <a:cs typeface="Times New Roman" panose="02020603050405020304" pitchFamily="18" charset="0"/>
               </a:rPr>
               <a:t>RNNs Extensions</a:t>
             </a:r>
-            <a:endParaRPr lang="en-US" dirty="0">
-              <a:latin typeface="Times New Roman" panose="02020603050405020304" pitchFamily="18" charset="0"/>
-              <a:cs typeface="Times New Roman" panose="02020603050405020304" pitchFamily="18" charset="0"/>
-            </a:endParaRPr>
           </a:p>
         </p:txBody>
       </p:sp>
@@ -25534,7 +26136,7 @@
           </a:lstStyle>
           <a:p>
             <a:r>
-              <a:rPr lang="en-US" dirty="0" smtClean="0">
+              <a:rPr lang="en-US" dirty="0">
                 <a:latin typeface="Times New Roman" panose="02020603050405020304" pitchFamily="18" charset="0"/>
                 <a:cs typeface="Times New Roman" panose="02020603050405020304" pitchFamily="18" charset="0"/>
               </a:rPr>
@@ -25583,21 +26185,6 @@
   <p:clrMapOvr>
     <a:masterClrMapping/>
   </p:clrMapOvr>
-  <mc:AlternateContent xmlns:mc="http://schemas.openxmlformats.org/markup-compatibility/2006" xmlns:p14="http://schemas.microsoft.com/office/powerpoint/2010/main">
-    <mc:Choice Requires="p14">
-      <p:transition spd="slow" p14:dur="2000"/>
-    </mc:Choice>
-    <mc:Fallback xmlns="">
-      <p:transition spd="slow"/>
-    </mc:Fallback>
-  </mc:AlternateContent>
-  <p:timing>
-    <p:tnLst>
-      <p:par>
-        <p:cTn id="1" dur="indefinite" restart="never" nodeType="tmRoot"/>
-      </p:par>
-    </p:tnLst>
-  </p:timing>
 </p:sld>
 </file>
 
@@ -25642,18 +26229,11 @@
           <a:p>
             <a:pPr algn="l"/>
             <a:r>
-              <a:rPr lang="en-US" dirty="0" smtClean="0">
-                <a:latin typeface="Times New Roman" panose="02020603050405020304" pitchFamily="18" charset="0"/>
-                <a:cs typeface="Times New Roman" panose="02020603050405020304" pitchFamily="18" charset="0"/>
-              </a:rPr>
-              <a:t>Long-Term </a:t>
-            </a:r>
-            <a:r>
               <a:rPr lang="en-US" dirty="0">
                 <a:latin typeface="Times New Roman" panose="02020603050405020304" pitchFamily="18" charset="0"/>
                 <a:cs typeface="Times New Roman" panose="02020603050405020304" pitchFamily="18" charset="0"/>
               </a:rPr>
-              <a:t>Dependencies</a:t>
+              <a:t>Long-Term Dependencies</a:t>
             </a:r>
           </a:p>
         </p:txBody>
@@ -25929,14 +26509,14 @@
           </a:lstStyle>
           <a:p>
             <a:r>
-              <a:rPr lang="en-US" sz="2800" dirty="0" smtClean="0">
+              <a:rPr lang="en-US" sz="2800" dirty="0">
                 <a:latin typeface="Times New Roman" panose="02020603050405020304" pitchFamily="18" charset="0"/>
                 <a:cs typeface="Times New Roman" panose="02020603050405020304" pitchFamily="18" charset="0"/>
               </a:rPr>
               <a:t>Is RNN capable of capturing </a:t>
             </a:r>
             <a:r>
-              <a:rPr lang="en-US" sz="2800" dirty="0" smtClean="0">
+              <a:rPr lang="en-US" sz="2800" dirty="0">
                 <a:solidFill>
                   <a:srgbClr val="33CC33"/>
                 </a:solidFill>
@@ -25946,7 +26526,7 @@
               <a:t>long-term dependencies</a:t>
             </a:r>
             <a:r>
-              <a:rPr lang="en-US" sz="2800" dirty="0" smtClean="0">
+              <a:rPr lang="en-US" sz="2800" dirty="0">
                 <a:latin typeface="Times New Roman" panose="02020603050405020304" pitchFamily="18" charset="0"/>
                 <a:cs typeface="Times New Roman" panose="02020603050405020304" pitchFamily="18" charset="0"/>
               </a:rPr>
@@ -25961,15 +26541,11 @@
               </a:rPr>
               <a:t>Why long-term dependencies?</a:t>
             </a:r>
-            <a:endParaRPr lang="en-US" sz="2800" dirty="0" smtClean="0">
-              <a:latin typeface="Times New Roman" panose="02020603050405020304" pitchFamily="18" charset="0"/>
-              <a:cs typeface="Times New Roman" panose="02020603050405020304" pitchFamily="18" charset="0"/>
-            </a:endParaRPr>
           </a:p>
           <a:p>
             <a:pPr lvl="1"/>
             <a:r>
-              <a:rPr lang="en-US" sz="2400" dirty="0" smtClean="0">
+              <a:rPr lang="en-US" sz="2400" dirty="0">
                 <a:latin typeface="Times New Roman" panose="02020603050405020304" pitchFamily="18" charset="0"/>
                 <a:cs typeface="Times New Roman" panose="02020603050405020304" pitchFamily="18" charset="0"/>
               </a:rPr>
@@ -25978,7 +26554,7 @@
           </a:p>
           <a:p>
             <a:r>
-              <a:rPr lang="en-US" sz="2800" dirty="0" smtClean="0">
+              <a:rPr lang="en-US" sz="2800" dirty="0">
                 <a:latin typeface="Times New Roman" panose="02020603050405020304" pitchFamily="18" charset="0"/>
                 <a:cs typeface="Times New Roman" panose="02020603050405020304" pitchFamily="18" charset="0"/>
               </a:rPr>
@@ -25988,13 +26564,13 @@
           <a:p>
             <a:pPr lvl="1"/>
             <a:r>
-              <a:rPr lang="en-US" sz="2400" dirty="0" smtClean="0">
+              <a:rPr lang="en-US" sz="2400" dirty="0">
                 <a:latin typeface="Times New Roman" panose="02020603050405020304" pitchFamily="18" charset="0"/>
                 <a:cs typeface="Times New Roman" panose="02020603050405020304" pitchFamily="18" charset="0"/>
               </a:rPr>
               <a:t>Predict next word based on the previous words</a:t>
             </a:r>
-            <a:endParaRPr lang="en-US" dirty="0" smtClean="0">
+            <a:endParaRPr lang="en-US" dirty="0">
               <a:latin typeface="Times New Roman" panose="02020603050405020304" pitchFamily="18" charset="0"/>
               <a:cs typeface="Times New Roman" panose="02020603050405020304" pitchFamily="18" charset="0"/>
             </a:endParaRPr>
@@ -26054,7 +26630,7 @@
           <a:lstStyle/>
           <a:p>
             <a:r>
-              <a:rPr lang="en-US" sz="2400" dirty="0" smtClean="0">
+              <a:rPr lang="en-US" sz="2400" dirty="0">
                 <a:solidFill>
                   <a:srgbClr val="0066FF"/>
                 </a:solidFill>
@@ -26063,13 +26639,6 @@
               </a:rPr>
               <a:t>The clouds are in the sky</a:t>
             </a:r>
-            <a:endParaRPr lang="en-US" sz="2400" dirty="0">
-              <a:solidFill>
-                <a:srgbClr val="0066FF"/>
-              </a:solidFill>
-              <a:latin typeface="Times New Roman" panose="02020603050405020304" pitchFamily="18" charset="0"/>
-              <a:cs typeface="Times New Roman" panose="02020603050405020304" pitchFamily="18" charset="0"/>
-            </a:endParaRPr>
           </a:p>
         </p:txBody>
       </p:sp>
@@ -26083,14 +26652,6 @@
   <p:clrMapOvr>
     <a:masterClrMapping/>
   </p:clrMapOvr>
-  <mc:AlternateContent xmlns:mc="http://schemas.openxmlformats.org/markup-compatibility/2006" xmlns:p14="http://schemas.microsoft.com/office/powerpoint/2010/main">
-    <mc:Choice Requires="p14">
-      <p:transition spd="slow" p14:dur="2000"/>
-    </mc:Choice>
-    <mc:Fallback xmlns="">
-      <p:transition spd="slow"/>
-    </mc:Fallback>
-  </mc:AlternateContent>
   <p:timing>
     <p:tnLst>
       <p:par>
@@ -26467,16 +27028,12 @@
           <a:p>
             <a:pPr algn="l"/>
             <a:r>
-              <a:rPr lang="en-US" dirty="0" smtClean="0">
+              <a:rPr lang="en-US" dirty="0">
                 <a:latin typeface="Times New Roman" panose="02020603050405020304" pitchFamily="18" charset="0"/>
                 <a:cs typeface="Times New Roman" panose="02020603050405020304" pitchFamily="18" charset="0"/>
               </a:rPr>
               <a:t>Problem of Long-Term Dependencies</a:t>
             </a:r>
-            <a:endParaRPr lang="en-US" dirty="0">
-              <a:latin typeface="Times New Roman" panose="02020603050405020304" pitchFamily="18" charset="0"/>
-              <a:cs typeface="Times New Roman" panose="02020603050405020304" pitchFamily="18" charset="0"/>
-            </a:endParaRPr>
           </a:p>
         </p:txBody>
       </p:sp>
@@ -26781,14 +27338,14 @@
           </a:lstStyle>
           <a:p>
             <a:r>
-              <a:rPr lang="en-US" sz="2800" dirty="0" smtClean="0">
+              <a:rPr lang="en-US" sz="2800" dirty="0">
                 <a:latin typeface="Times New Roman" panose="02020603050405020304" pitchFamily="18" charset="0"/>
                 <a:cs typeface="Times New Roman" panose="02020603050405020304" pitchFamily="18" charset="0"/>
               </a:rPr>
               <a:t>What if we want to predict the next word in a </a:t>
             </a:r>
             <a:r>
-              <a:rPr lang="en-US" sz="2800" dirty="0" smtClean="0">
+              <a:rPr lang="en-US" sz="2800" dirty="0">
                 <a:solidFill>
                   <a:srgbClr val="33CC33"/>
                 </a:solidFill>
@@ -26798,7 +27355,7 @@
               <a:t>long sentence</a:t>
             </a:r>
             <a:r>
-              <a:rPr lang="en-US" sz="2800" dirty="0" smtClean="0">
+              <a:rPr lang="en-US" sz="2800" dirty="0">
                 <a:latin typeface="Times New Roman" panose="02020603050405020304" pitchFamily="18" charset="0"/>
                 <a:cs typeface="Times New Roman" panose="02020603050405020304" pitchFamily="18" charset="0"/>
               </a:rPr>
@@ -26807,14 +27364,14 @@
           </a:p>
           <a:p>
             <a:r>
-              <a:rPr lang="en-US" sz="2800" dirty="0" smtClean="0">
+              <a:rPr lang="en-US" sz="2800" dirty="0">
                 <a:latin typeface="Times New Roman" panose="02020603050405020304" pitchFamily="18" charset="0"/>
                 <a:cs typeface="Times New Roman" panose="02020603050405020304" pitchFamily="18" charset="0"/>
               </a:rPr>
               <a:t>Do we know which </a:t>
             </a:r>
             <a:r>
-              <a:rPr lang="en-US" sz="2800" dirty="0" smtClean="0">
+              <a:rPr lang="en-US" sz="2800" dirty="0">
                 <a:solidFill>
                   <a:srgbClr val="33CC33"/>
                 </a:solidFill>
@@ -26824,14 +27381,14 @@
               <a:t>past information </a:t>
             </a:r>
             <a:r>
-              <a:rPr lang="en-US" sz="2800" dirty="0" smtClean="0">
+              <a:rPr lang="en-US" sz="2800" dirty="0">
                 <a:latin typeface="Times New Roman" panose="02020603050405020304" pitchFamily="18" charset="0"/>
                 <a:cs typeface="Times New Roman" panose="02020603050405020304" pitchFamily="18" charset="0"/>
               </a:rPr>
               <a:t>is helpful to predict the </a:t>
             </a:r>
             <a:r>
-              <a:rPr lang="en-US" sz="2800" dirty="0" smtClean="0">
+              <a:rPr lang="en-US" sz="2800" dirty="0">
                 <a:solidFill>
                   <a:srgbClr val="33CC33"/>
                 </a:solidFill>
@@ -26841,7 +27398,7 @@
               <a:t>next word</a:t>
             </a:r>
             <a:r>
-              <a:rPr lang="en-US" sz="2800" dirty="0" smtClean="0">
+              <a:rPr lang="en-US" sz="2800" dirty="0">
                 <a:latin typeface="Times New Roman" panose="02020603050405020304" pitchFamily="18" charset="0"/>
                 <a:cs typeface="Times New Roman" panose="02020603050405020304" pitchFamily="18" charset="0"/>
               </a:rPr>
@@ -26850,14 +27407,14 @@
           </a:p>
           <a:p>
             <a:r>
-              <a:rPr lang="en-US" sz="2800" dirty="0" smtClean="0">
+              <a:rPr lang="en-US" sz="2800" dirty="0">
                 <a:latin typeface="Times New Roman" panose="02020603050405020304" pitchFamily="18" charset="0"/>
                 <a:cs typeface="Times New Roman" panose="02020603050405020304" pitchFamily="18" charset="0"/>
               </a:rPr>
               <a:t>In theory, RNNs are capable of handling </a:t>
             </a:r>
             <a:r>
-              <a:rPr lang="en-US" sz="2800" dirty="0" smtClean="0">
+              <a:rPr lang="en-US" sz="2800" dirty="0">
                 <a:solidFill>
                   <a:srgbClr val="33CC33"/>
                 </a:solidFill>
@@ -26867,7 +27424,7 @@
               <a:t>long-term dependencies</a:t>
             </a:r>
             <a:r>
-              <a:rPr lang="en-US" sz="2800" dirty="0" smtClean="0">
+              <a:rPr lang="en-US" sz="2800" dirty="0">
                 <a:latin typeface="Times New Roman" panose="02020603050405020304" pitchFamily="18" charset="0"/>
                 <a:cs typeface="Times New Roman" panose="02020603050405020304" pitchFamily="18" charset="0"/>
               </a:rPr>
@@ -26876,14 +27433,14 @@
           </a:p>
           <a:p>
             <a:r>
-              <a:rPr lang="en-US" sz="2800" dirty="0" smtClean="0">
+              <a:rPr lang="en-US" sz="2800" dirty="0">
                 <a:latin typeface="Times New Roman" panose="02020603050405020304" pitchFamily="18" charset="0"/>
                 <a:cs typeface="Times New Roman" panose="02020603050405020304" pitchFamily="18" charset="0"/>
               </a:rPr>
               <a:t>But in practice, </a:t>
             </a:r>
             <a:r>
-              <a:rPr lang="en-US" sz="2800" dirty="0" smtClean="0">
+              <a:rPr lang="en-US" sz="2800" dirty="0">
                 <a:solidFill>
                   <a:srgbClr val="FF0000"/>
                 </a:solidFill>
@@ -26893,7 +27450,7 @@
               <a:t>they are not</a:t>
             </a:r>
             <a:r>
-              <a:rPr lang="en-US" sz="2800" dirty="0" smtClean="0">
+              <a:rPr lang="en-US" sz="2800" dirty="0">
                 <a:latin typeface="Times New Roman" panose="02020603050405020304" pitchFamily="18" charset="0"/>
                 <a:cs typeface="Times New Roman" panose="02020603050405020304" pitchFamily="18" charset="0"/>
               </a:rPr>
@@ -26912,14 +27469,6 @@
   <p:clrMapOvr>
     <a:masterClrMapping/>
   </p:clrMapOvr>
-  <mc:AlternateContent xmlns:mc="http://schemas.openxmlformats.org/markup-compatibility/2006" xmlns:p14="http://schemas.microsoft.com/office/powerpoint/2010/main">
-    <mc:Choice Requires="p14">
-      <p:transition spd="slow" p14:dur="2000"/>
-    </mc:Choice>
-    <mc:Fallback xmlns="">
-      <p:transition spd="slow"/>
-    </mc:Fallback>
-  </mc:AlternateContent>
   <p:timing>
     <p:tnLst>
       <p:par>
@@ -27235,16 +27784,12 @@
           <a:p>
             <a:pPr algn="l"/>
             <a:r>
-              <a:rPr lang="en-US" dirty="0" smtClean="0">
+              <a:rPr lang="en-US" dirty="0">
                 <a:latin typeface="Times New Roman" panose="02020603050405020304" pitchFamily="18" charset="0"/>
                 <a:cs typeface="Times New Roman" panose="02020603050405020304" pitchFamily="18" charset="0"/>
               </a:rPr>
               <a:t>Long Short Term Memory (LSTM)</a:t>
             </a:r>
-            <a:endParaRPr lang="en-US" dirty="0">
-              <a:latin typeface="Times New Roman" panose="02020603050405020304" pitchFamily="18" charset="0"/>
-              <a:cs typeface="Times New Roman" panose="02020603050405020304" pitchFamily="18" charset="0"/>
-            </a:endParaRPr>
           </a:p>
         </p:txBody>
       </p:sp>
@@ -27519,14 +28064,14 @@
           </a:lstStyle>
           <a:p>
             <a:r>
-              <a:rPr lang="en-US" sz="2800" dirty="0" smtClean="0">
+              <a:rPr lang="en-US" sz="2800" dirty="0">
                 <a:latin typeface="Times New Roman" panose="02020603050405020304" pitchFamily="18" charset="0"/>
                 <a:cs typeface="Times New Roman" panose="02020603050405020304" pitchFamily="18" charset="0"/>
               </a:rPr>
               <a:t>A </a:t>
             </a:r>
             <a:r>
-              <a:rPr lang="en-US" sz="2800" i="1" dirty="0" smtClean="0">
+              <a:rPr lang="en-US" sz="2800" i="1" dirty="0">
                 <a:solidFill>
                   <a:schemeClr val="accent1"/>
                 </a:solidFill>
@@ -27536,7 +28081,7 @@
               <a:t>special type</a:t>
             </a:r>
             <a:r>
-              <a:rPr lang="en-US" sz="2800" dirty="0" smtClean="0">
+              <a:rPr lang="en-US" sz="2800" dirty="0">
                 <a:latin typeface="Times New Roman" panose="02020603050405020304" pitchFamily="18" charset="0"/>
                 <a:cs typeface="Times New Roman" panose="02020603050405020304" pitchFamily="18" charset="0"/>
               </a:rPr>
@@ -27545,14 +28090,14 @@
           </a:p>
           <a:p>
             <a:r>
-              <a:rPr lang="en-US" sz="2800" dirty="0" smtClean="0">
+              <a:rPr lang="en-US" sz="2800" dirty="0">
                 <a:latin typeface="Times New Roman" panose="02020603050405020304" pitchFamily="18" charset="0"/>
                 <a:cs typeface="Times New Roman" panose="02020603050405020304" pitchFamily="18" charset="0"/>
               </a:rPr>
               <a:t>Explicitly designed to capture the </a:t>
             </a:r>
             <a:r>
-              <a:rPr lang="en-US" sz="2800" dirty="0" smtClean="0">
+              <a:rPr lang="en-US" sz="2800" dirty="0">
                 <a:solidFill>
                   <a:srgbClr val="0066FF"/>
                 </a:solidFill>
@@ -27566,26 +28111,19 @@
                 <a:latin typeface="Times New Roman" panose="02020603050405020304" pitchFamily="18" charset="0"/>
                 <a:cs typeface="Times New Roman" panose="02020603050405020304" pitchFamily="18" charset="0"/>
               </a:rPr>
-              <a:t> </a:t>
-            </a:r>
-            <a:r>
-              <a:rPr lang="en-US" sz="2800" dirty="0" smtClean="0">
-                <a:latin typeface="Times New Roman" panose="02020603050405020304" pitchFamily="18" charset="0"/>
-                <a:cs typeface="Times New Roman" panose="02020603050405020304" pitchFamily="18" charset="0"/>
-              </a:rPr>
-              <a:t>.</a:t>
+              <a:t> .</a:t>
             </a:r>
           </a:p>
           <a:p>
             <a:r>
-              <a:rPr lang="en-US" sz="2800" dirty="0" smtClean="0">
+              <a:rPr lang="en-US" sz="2800" dirty="0">
                 <a:latin typeface="Times New Roman" panose="02020603050405020304" pitchFamily="18" charset="0"/>
                 <a:cs typeface="Times New Roman" panose="02020603050405020304" pitchFamily="18" charset="0"/>
               </a:rPr>
               <a:t>So, what is the </a:t>
             </a:r>
             <a:r>
-              <a:rPr lang="en-US" sz="2800" dirty="0" smtClean="0">
+              <a:rPr lang="en-US" sz="2800" dirty="0">
                 <a:solidFill>
                   <a:srgbClr val="0066FF"/>
                 </a:solidFill>
@@ -27595,7 +28133,7 @@
               <a:t>structural difference </a:t>
             </a:r>
             <a:r>
-              <a:rPr lang="en-US" sz="2800" dirty="0" smtClean="0">
+              <a:rPr lang="en-US" sz="2800" dirty="0">
                 <a:latin typeface="Times New Roman" panose="02020603050405020304" pitchFamily="18" charset="0"/>
                 <a:cs typeface="Times New Roman" panose="02020603050405020304" pitchFamily="18" charset="0"/>
               </a:rPr>
@@ -27614,21 +28152,6 @@
   <p:clrMapOvr>
     <a:masterClrMapping/>
   </p:clrMapOvr>
-  <mc:AlternateContent xmlns:mc="http://schemas.openxmlformats.org/markup-compatibility/2006" xmlns:p14="http://schemas.microsoft.com/office/powerpoint/2010/main">
-    <mc:Choice Requires="p14">
-      <p:transition spd="slow" p14:dur="2000"/>
-    </mc:Choice>
-    <mc:Fallback xmlns="">
-      <p:transition spd="slow"/>
-    </mc:Fallback>
-  </mc:AlternateContent>
-  <p:timing>
-    <p:tnLst>
-      <p:par>
-        <p:cTn id="1" dur="indefinite" restart="never" nodeType="tmRoot"/>
-      </p:par>
-    </p:tnLst>
-  </p:timing>
 </p:sld>
 </file>
 
@@ -27673,16 +28196,12 @@
           <a:p>
             <a:pPr algn="l"/>
             <a:r>
-              <a:rPr lang="en-US" dirty="0" smtClean="0">
+              <a:rPr lang="en-US" dirty="0">
                 <a:latin typeface="Times New Roman" panose="02020603050405020304" pitchFamily="18" charset="0"/>
                 <a:cs typeface="Times New Roman" panose="02020603050405020304" pitchFamily="18" charset="0"/>
               </a:rPr>
               <a:t>Difference between RNN and LSTM</a:t>
             </a:r>
-            <a:endParaRPr lang="en-US" dirty="0">
-              <a:latin typeface="Times New Roman" panose="02020603050405020304" pitchFamily="18" charset="0"/>
-              <a:cs typeface="Times New Roman" panose="02020603050405020304" pitchFamily="18" charset="0"/>
-            </a:endParaRPr>
           </a:p>
         </p:txBody>
       </p:sp>
@@ -27779,21 +28298,6 @@
   <p:clrMapOvr>
     <a:masterClrMapping/>
   </p:clrMapOvr>
-  <mc:AlternateContent xmlns:mc="http://schemas.openxmlformats.org/markup-compatibility/2006" xmlns:p14="http://schemas.microsoft.com/office/powerpoint/2010/main">
-    <mc:Choice Requires="p14">
-      <p:transition spd="slow" p14:dur="2000"/>
-    </mc:Choice>
-    <mc:Fallback xmlns="">
-      <p:transition spd="slow"/>
-    </mc:Fallback>
-  </mc:AlternateContent>
-  <p:timing>
-    <p:tnLst>
-      <p:par>
-        <p:cTn id="1" dur="indefinite" restart="never" nodeType="tmRoot"/>
-      </p:par>
-    </p:tnLst>
-  </p:timing>
 </p:sld>
 </file>
 
@@ -27838,30 +28342,12 @@
           <a:p>
             <a:pPr algn="l"/>
             <a:r>
-              <a:rPr lang="en-US" dirty="0" smtClean="0">
-                <a:latin typeface="Times New Roman" panose="02020603050405020304" pitchFamily="18" charset="0"/>
-                <a:cs typeface="Times New Roman" panose="02020603050405020304" pitchFamily="18" charset="0"/>
-              </a:rPr>
-              <a:t>Core Idea </a:t>
-            </a:r>
-            <a:r>
               <a:rPr lang="en-US" dirty="0">
                 <a:latin typeface="Times New Roman" panose="02020603050405020304" pitchFamily="18" charset="0"/>
                 <a:cs typeface="Times New Roman" panose="02020603050405020304" pitchFamily="18" charset="0"/>
               </a:rPr>
-              <a:t>B</a:t>
+              <a:t>Core Idea Behind LSTM</a:t>
             </a:r>
-            <a:r>
-              <a:rPr lang="en-US" dirty="0" smtClean="0">
-                <a:latin typeface="Times New Roman" panose="02020603050405020304" pitchFamily="18" charset="0"/>
-                <a:cs typeface="Times New Roman" panose="02020603050405020304" pitchFamily="18" charset="0"/>
-              </a:rPr>
-              <a:t>ehind LSTM</a:t>
-            </a:r>
-            <a:endParaRPr lang="en-US" dirty="0">
-              <a:latin typeface="Times New Roman" panose="02020603050405020304" pitchFamily="18" charset="0"/>
-              <a:cs typeface="Times New Roman" panose="02020603050405020304" pitchFamily="18" charset="0"/>
-            </a:endParaRPr>
           </a:p>
         </p:txBody>
       </p:sp>
@@ -28196,7 +28682,10 @@
           </a:lstStyle>
           <a:p>
             <a:r>
-              <a:rPr lang="en-US" dirty="0" smtClean="0">
+              <a:rPr lang="en-US" dirty="0">
+                <a:highlight>
+                  <a:srgbClr val="FFFF00"/>
+                </a:highlight>
                 <a:latin typeface="Times New Roman" panose="02020603050405020304" pitchFamily="18" charset="0"/>
                 <a:cs typeface="Times New Roman" panose="02020603050405020304" pitchFamily="18" charset="0"/>
               </a:rPr>
@@ -28205,7 +28694,10 @@
           </a:p>
           <a:p>
             <a:r>
-              <a:rPr lang="en-US" dirty="0" smtClean="0">
+              <a:rPr lang="en-US" dirty="0">
+                <a:highlight>
+                  <a:srgbClr val="FFFF00"/>
+                </a:highlight>
                 <a:latin typeface="Times New Roman" panose="02020603050405020304" pitchFamily="18" charset="0"/>
                 <a:cs typeface="Times New Roman" panose="02020603050405020304" pitchFamily="18" charset="0"/>
               </a:rPr>
@@ -28214,14 +28706,14 @@
           </a:p>
           <a:p>
             <a:r>
-              <a:rPr lang="en-US" dirty="0" smtClean="0">
+              <a:rPr lang="en-US" dirty="0">
                 <a:latin typeface="Times New Roman" panose="02020603050405020304" pitchFamily="18" charset="0"/>
                 <a:cs typeface="Times New Roman" panose="02020603050405020304" pitchFamily="18" charset="0"/>
               </a:rPr>
               <a:t>How? Through a structure called </a:t>
             </a:r>
             <a:r>
-              <a:rPr lang="en-US" dirty="0" smtClean="0">
+              <a:rPr lang="en-US" dirty="0">
                 <a:solidFill>
                   <a:srgbClr val="0066FF"/>
                 </a:solidFill>
@@ -28231,7 +28723,7 @@
               <a:t>gate</a:t>
             </a:r>
             <a:r>
-              <a:rPr lang="en-US" dirty="0" smtClean="0">
+              <a:rPr lang="en-US" dirty="0">
                 <a:latin typeface="Times New Roman" panose="02020603050405020304" pitchFamily="18" charset="0"/>
                 <a:cs typeface="Times New Roman" panose="02020603050405020304" pitchFamily="18" charset="0"/>
               </a:rPr>
@@ -28240,14 +28732,14 @@
           </a:p>
           <a:p>
             <a:r>
-              <a:rPr lang="en-US" dirty="0" smtClean="0">
+              <a:rPr lang="en-US" dirty="0">
                 <a:latin typeface="Times New Roman" panose="02020603050405020304" pitchFamily="18" charset="0"/>
                 <a:cs typeface="Times New Roman" panose="02020603050405020304" pitchFamily="18" charset="0"/>
               </a:rPr>
               <a:t>LSTM has </a:t>
             </a:r>
             <a:r>
-              <a:rPr lang="en-US" dirty="0" smtClean="0">
+              <a:rPr lang="en-US" dirty="0">
                 <a:solidFill>
                   <a:srgbClr val="0066FF"/>
                 </a:solidFill>
@@ -28257,14 +28749,14 @@
               <a:t>three gates </a:t>
             </a:r>
             <a:r>
-              <a:rPr lang="en-US" dirty="0" smtClean="0">
+              <a:rPr lang="en-US" dirty="0">
                 <a:latin typeface="Times New Roman" panose="02020603050405020304" pitchFamily="18" charset="0"/>
                 <a:cs typeface="Times New Roman" panose="02020603050405020304" pitchFamily="18" charset="0"/>
               </a:rPr>
               <a:t>to </a:t>
             </a:r>
             <a:r>
-              <a:rPr lang="en-US" dirty="0" smtClean="0">
+              <a:rPr lang="en-US" dirty="0">
                 <a:solidFill>
                   <a:srgbClr val="33CC33"/>
                 </a:solidFill>
@@ -28274,7 +28766,7 @@
               <a:t>control</a:t>
             </a:r>
             <a:r>
-              <a:rPr lang="en-US" dirty="0" smtClean="0">
+              <a:rPr lang="en-US" dirty="0">
                 <a:latin typeface="Times New Roman" panose="02020603050405020304" pitchFamily="18" charset="0"/>
                 <a:cs typeface="Times New Roman" panose="02020603050405020304" pitchFamily="18" charset="0"/>
               </a:rPr>
@@ -28306,18 +28798,13 @@
           <a:lstStyle/>
           <a:p>
             <a:r>
-              <a:rPr lang="en-US" dirty="0" smtClean="0">
+              <a:rPr lang="en-US" dirty="0">
                 <a:solidFill>
                   <a:srgbClr val="FF0000"/>
                 </a:solidFill>
               </a:rPr>
               <a:t>Pointwise multiplication operation</a:t>
             </a:r>
-            <a:endParaRPr lang="en-US" dirty="0">
-              <a:solidFill>
-                <a:srgbClr val="FF0000"/>
-              </a:solidFill>
-            </a:endParaRPr>
           </a:p>
         </p:txBody>
       </p:sp>
@@ -28377,18 +28864,13 @@
           <a:lstStyle/>
           <a:p>
             <a:r>
-              <a:rPr lang="en-US" dirty="0" smtClean="0">
+              <a:rPr lang="en-US" dirty="0">
                 <a:solidFill>
                   <a:srgbClr val="FF0000"/>
                 </a:solidFill>
               </a:rPr>
               <a:t>Sigmoid neural net layer</a:t>
             </a:r>
-            <a:endParaRPr lang="en-US" dirty="0">
-              <a:solidFill>
-                <a:srgbClr val="FF0000"/>
-              </a:solidFill>
-            </a:endParaRPr>
           </a:p>
         </p:txBody>
       </p:sp>
@@ -28440,14 +28922,6 @@
   <p:clrMapOvr>
     <a:masterClrMapping/>
   </p:clrMapOvr>
-  <mc:AlternateContent xmlns:mc="http://schemas.openxmlformats.org/markup-compatibility/2006" xmlns:p14="http://schemas.microsoft.com/office/powerpoint/2010/main">
-    <mc:Choice Requires="p14">
-      <p:transition spd="slow" p14:dur="2000"/>
-    </mc:Choice>
-    <mc:Fallback xmlns="">
-      <p:transition spd="slow"/>
-    </mc:Fallback>
-  </mc:AlternateContent>
   <p:timing>
     <p:tnLst>
       <p:par>
@@ -29340,7 +29814,7 @@
               </a:lstStyle>
               <a:p>
                 <a:r>
-                  <a:rPr lang="en-US" dirty="0" smtClean="0">
+                  <a:rPr lang="en-US" dirty="0">
                     <a:latin typeface="Times New Roman" panose="02020603050405020304" pitchFamily="18" charset="0"/>
                     <a:cs typeface="Times New Roman" panose="02020603050405020304" pitchFamily="18" charset="0"/>
                   </a:rPr>
@@ -29357,7 +29831,7 @@
                   <a:t>input</a:t>
                 </a:r>
                 <a:r>
-                  <a:rPr lang="en-US" dirty="0" smtClean="0">
+                  <a:rPr lang="en-US" dirty="0">
                     <a:latin typeface="Times New Roman" panose="02020603050405020304" pitchFamily="18" charset="0"/>
                     <a:cs typeface="Times New Roman" panose="02020603050405020304" pitchFamily="18" charset="0"/>
                   </a:rPr>
@@ -29374,7 +29848,7 @@
                   <a:t>gate</a:t>
                 </a:r>
                 <a:r>
-                  <a:rPr lang="en-US" dirty="0" smtClean="0">
+                  <a:rPr lang="en-US" dirty="0">
                     <a:latin typeface="Times New Roman" panose="02020603050405020304" pitchFamily="18" charset="0"/>
                     <a:cs typeface="Times New Roman" panose="02020603050405020304" pitchFamily="18" charset="0"/>
                   </a:rPr>
@@ -29391,7 +29865,7 @@
                   <a:t>decides</a:t>
                 </a:r>
                 <a:r>
-                  <a:rPr lang="en-US" dirty="0" smtClean="0">
+                  <a:rPr lang="en-US" dirty="0">
                     <a:latin typeface="Times New Roman" panose="02020603050405020304" pitchFamily="18" charset="0"/>
                     <a:cs typeface="Times New Roman" panose="02020603050405020304" pitchFamily="18" charset="0"/>
                   </a:rPr>
@@ -29400,7 +29874,7 @@
               </a:p>
               <a:p>
                 <a:r>
-                  <a:rPr lang="en-US" dirty="0" smtClean="0">
+                  <a:rPr lang="en-US" dirty="0">
                     <a:latin typeface="Times New Roman" panose="02020603050405020304" pitchFamily="18" charset="0"/>
                     <a:cs typeface="Times New Roman" panose="02020603050405020304" pitchFamily="18" charset="0"/>
                   </a:rPr>
@@ -29410,14 +29884,14 @@
               <a:p>
                 <a:pPr lvl="1"/>
                 <a:r>
-                  <a:rPr lang="en-US" dirty="0" smtClean="0">
+                  <a:rPr lang="en-US" dirty="0">
                     <a:latin typeface="Times New Roman" panose="02020603050405020304" pitchFamily="18" charset="0"/>
                     <a:cs typeface="Times New Roman" panose="02020603050405020304" pitchFamily="18" charset="0"/>
                   </a:rPr>
                   <a:t>A </a:t>
                 </a:r>
                 <a:r>
-                  <a:rPr lang="en-US" dirty="0" smtClean="0">
+                  <a:rPr lang="en-US" dirty="0">
                     <a:solidFill>
                       <a:srgbClr val="0066FF"/>
                     </a:solidFill>
@@ -29427,14 +29901,14 @@
                   <a:t>sigmoid</a:t>
                 </a:r>
                 <a:r>
-                  <a:rPr lang="en-US" dirty="0" smtClean="0">
+                  <a:rPr lang="en-US" dirty="0">
                     <a:latin typeface="Times New Roman" panose="02020603050405020304" pitchFamily="18" charset="0"/>
                     <a:cs typeface="Times New Roman" panose="02020603050405020304" pitchFamily="18" charset="0"/>
                   </a:rPr>
                   <a:t> layer (</a:t>
                 </a:r>
                 <a:r>
-                  <a:rPr lang="en-US" dirty="0" smtClean="0">
+                  <a:rPr lang="en-US" dirty="0">
                     <a:solidFill>
                       <a:srgbClr val="33CC33"/>
                     </a:solidFill>
@@ -29444,7 +29918,7 @@
                   <a:t>input gate layer</a:t>
                 </a:r>
                 <a:r>
-                  <a:rPr lang="en-US" dirty="0" smtClean="0">
+                  <a:rPr lang="en-US" dirty="0">
                     <a:latin typeface="Times New Roman" panose="02020603050405020304" pitchFamily="18" charset="0"/>
                     <a:cs typeface="Times New Roman" panose="02020603050405020304" pitchFamily="18" charset="0"/>
                   </a:rPr>
@@ -29454,7 +29928,7 @@
               <a:p>
                 <a:pPr lvl="1"/>
                 <a:r>
-                  <a:rPr lang="en-US" dirty="0" smtClean="0">
+                  <a:rPr lang="en-US" dirty="0">
                     <a:latin typeface="Times New Roman" panose="02020603050405020304" pitchFamily="18" charset="0"/>
                     <a:cs typeface="Times New Roman" panose="02020603050405020304" pitchFamily="18" charset="0"/>
                   </a:rPr>
@@ -29485,7 +29959,7 @@
                   </m:oMath>
                 </a14:m>
                 <a:r>
-                  <a:rPr lang="en-US" dirty="0" smtClean="0">
+                  <a:rPr lang="en-US" dirty="0">
                     <a:latin typeface="Times New Roman" panose="02020603050405020304" pitchFamily="18" charset="0"/>
                     <a:cs typeface="Times New Roman" panose="02020603050405020304" pitchFamily="18" charset="0"/>
                   </a:rPr>
@@ -29501,7 +29975,7 @@
                             <a:solidFill>
                               <a:srgbClr val="0066FF"/>
                             </a:solidFill>
-                            <a:latin typeface="Cambria Math" charset="0"/>
+                            <a:latin typeface="Cambria Math" panose="02040503050406030204" pitchFamily="18" charset="0"/>
                             <a:cs typeface="Times New Roman" panose="02020603050405020304" pitchFamily="18" charset="0"/>
                           </a:rPr>
                         </m:ctrlPr>
@@ -29514,7 +29988,7 @@
                                 <a:solidFill>
                                   <a:srgbClr val="0066FF"/>
                                 </a:solidFill>
-                                <a:latin typeface="Cambria Math" charset="0"/>
+                                <a:latin typeface="Cambria Math" panose="02040503050406030204" pitchFamily="18" charset="0"/>
                                 <a:cs typeface="Times New Roman" panose="02020603050405020304" pitchFamily="18" charset="0"/>
                               </a:rPr>
                             </m:ctrlPr>
@@ -29548,14 +30022,14 @@
                     </m:acc>
                   </m:oMath>
                 </a14:m>
-                <a:endParaRPr lang="en-US" dirty="0" smtClean="0">
+                <a:endParaRPr lang="en-US" dirty="0">
                   <a:latin typeface="Times New Roman" panose="02020603050405020304" pitchFamily="18" charset="0"/>
                   <a:cs typeface="Times New Roman" panose="02020603050405020304" pitchFamily="18" charset="0"/>
                 </a:endParaRPr>
               </a:p>
               <a:p>
                 <a:r>
-                  <a:rPr lang="en-US" dirty="0" smtClean="0">
+                  <a:rPr lang="en-US" dirty="0">
                     <a:solidFill>
                       <a:srgbClr val="33CC33"/>
                     </a:solidFill>
@@ -29565,7 +30039,7 @@
                   <a:t>Example</a:t>
                 </a:r>
                 <a:r>
-                  <a:rPr lang="en-US" dirty="0" smtClean="0">
+                  <a:rPr lang="en-US" dirty="0">
                     <a:latin typeface="Times New Roman" panose="02020603050405020304" pitchFamily="18" charset="0"/>
                     <a:cs typeface="Times New Roman" panose="02020603050405020304" pitchFamily="18" charset="0"/>
                   </a:rPr>
@@ -29575,7 +30049,7 @@
               <a:p>
                 <a:pPr lvl="1"/>
                 <a:r>
-                  <a:rPr lang="en-US" dirty="0" smtClean="0">
+                  <a:rPr lang="en-US" dirty="0">
                     <a:latin typeface="Times New Roman" panose="02020603050405020304" pitchFamily="18" charset="0"/>
                     <a:cs typeface="Times New Roman" panose="02020603050405020304" pitchFamily="18" charset="0"/>
                   </a:rPr>
@@ -29647,18 +30121,13 @@
           <a:lstStyle/>
           <a:p>
             <a:r>
-              <a:rPr lang="en-US" dirty="0" smtClean="0">
+              <a:rPr lang="en-US" dirty="0">
                 <a:solidFill>
                   <a:srgbClr val="FF0000"/>
                 </a:solidFill>
               </a:rPr>
               <a:t>Input gate layer</a:t>
             </a:r>
-            <a:endParaRPr lang="en-US" dirty="0">
-              <a:solidFill>
-                <a:srgbClr val="FF0000"/>
-              </a:solidFill>
-            </a:endParaRPr>
           </a:p>
         </p:txBody>
       </p:sp>
@@ -29685,7 +30154,7 @@
           <a:lstStyle/>
           <a:p>
             <a:r>
-              <a:rPr lang="en-US" dirty="0" err="1" smtClean="0">
+              <a:rPr lang="en-US" dirty="0" err="1">
                 <a:solidFill>
                   <a:srgbClr val="FF0000"/>
                 </a:solidFill>
@@ -29693,18 +30162,13 @@
               <a:t>tanh</a:t>
             </a:r>
             <a:r>
-              <a:rPr lang="en-US" dirty="0" smtClean="0">
+              <a:rPr lang="en-US" dirty="0">
                 <a:solidFill>
                   <a:srgbClr val="FF0000"/>
                 </a:solidFill>
               </a:rPr>
               <a:t> layer</a:t>
             </a:r>
-            <a:endParaRPr lang="en-US" dirty="0">
-              <a:solidFill>
-                <a:srgbClr val="FF0000"/>
-              </a:solidFill>
-            </a:endParaRPr>
           </a:p>
         </p:txBody>
       </p:sp>
@@ -29788,14 +30252,6 @@
   <p:clrMapOvr>
     <a:masterClrMapping/>
   </p:clrMapOvr>
-  <mc:AlternateContent xmlns:mc="http://schemas.openxmlformats.org/markup-compatibility/2006" xmlns:p14="http://schemas.microsoft.com/office/powerpoint/2010/main">
-    <mc:Choice Requires="p14">
-      <p:transition spd="slow" p14:dur="2000"/>
-    </mc:Choice>
-    <mc:Fallback xmlns="">
-      <p:transition spd="slow"/>
-    </mc:Fallback>
-  </mc:AlternateContent>
   <p:timing>
     <p:tnLst>
       <p:par>
@@ -30387,15 +30843,14 @@
           <a:lstStyle/>
           <a:p>
             <a:r>
-              <a:rPr lang="en-US" dirty="0" smtClean="0"/>
+              <a:rPr lang="en-US" dirty="0"/>
               <a:t>More complex assumption?</a:t>
             </a:r>
-            <a:endParaRPr lang="en-US" dirty="0"/>
           </a:p>
         </p:txBody>
       </p:sp>
-      <mc:AlternateContent xmlns:mc="http://schemas.openxmlformats.org/markup-compatibility/2006" xmlns:a14="http://schemas.microsoft.com/office/drawing/2010/main">
-        <mc:Choice Requires="a14">
+      <mc:AlternateContent xmlns:mc="http://schemas.openxmlformats.org/markup-compatibility/2006">
+        <mc:Choice xmlns:a14="http://schemas.microsoft.com/office/drawing/2010/main" Requires="a14">
           <p:sp>
             <p:nvSpPr>
               <p:cNvPr id="3" name="Content Placeholder 2"/>
@@ -30515,7 +30970,7 @@
                       <m:dPr>
                         <m:ctrlPr>
                           <a:rPr lang="en-US" altLang="en-US" sz="2600" i="1">
-                            <a:latin typeface="Cambria Math" charset="0"/>
+                            <a:latin typeface="Cambria Math" panose="02040503050406030204" pitchFamily="18" charset="0"/>
                             <a:ea typeface="Arial" charset="0"/>
                             <a:cs typeface="Arial" charset="0"/>
                           </a:rPr>
@@ -30568,7 +31023,7 @@
                         <m:supHide m:val="on"/>
                         <m:ctrlPr>
                           <a:rPr lang="en-US" altLang="en-US" sz="2600" i="1">
-                            <a:latin typeface="Cambria Math" charset="0"/>
+                            <a:latin typeface="Cambria Math" panose="02040503050406030204" pitchFamily="18" charset="0"/>
                             <a:ea typeface="Arial" charset="0"/>
                             <a:cs typeface="Arial" charset="0"/>
                           </a:rPr>
@@ -30628,7 +31083,7 @@
                           <m:dPr>
                             <m:ctrlPr>
                               <a:rPr lang="en-US" altLang="en-US" sz="2600" i="1">
-                                <a:latin typeface="Cambria Math" charset="0"/>
+                                <a:latin typeface="Cambria Math" panose="02040503050406030204" pitchFamily="18" charset="0"/>
                                 <a:ea typeface="Arial" charset="0"/>
                                 <a:cs typeface="Arial" charset="0"/>
                               </a:rPr>
@@ -30655,7 +31110,7 @@
                               <m:sSupPr>
                                 <m:ctrlPr>
                                   <a:rPr lang="en-US" altLang="en-US" sz="2600" i="1">
-                                    <a:latin typeface="Cambria Math" charset="0"/>
+                                    <a:latin typeface="Cambria Math" panose="02040503050406030204" pitchFamily="18" charset="0"/>
                                     <a:ea typeface="Arial" charset="0"/>
                                     <a:cs typeface="Arial" charset="0"/>
                                   </a:rPr>
@@ -30712,7 +31167,7 @@
                   </a:rPr>
                 </a:br>
                 <a:r>
-                  <a:rPr lang="en-US" altLang="en-US" sz="2600" dirty="0" smtClean="0">
+                  <a:rPr lang="en-US" altLang="en-US" sz="2600" dirty="0">
                     <a:latin typeface="Arial" charset="0"/>
                     <a:ea typeface="Arial" charset="0"/>
                     <a:cs typeface="Arial" charset="0"/>
@@ -30720,20 +31175,12 @@
                   <a:t>  </a:t>
                 </a:r>
                 <a:r>
-                  <a:rPr lang="en-US" altLang="en-US" sz="2400" dirty="0" smtClean="0">
-                    <a:latin typeface="Arial" charset="0"/>
-                    <a:ea typeface="Arial" charset="0"/>
-                    <a:cs typeface="Arial" charset="0"/>
-                  </a:rPr>
-                  <a:t>Y</a:t>
-                </a:r>
-                <a:r>
                   <a:rPr lang="en-US" altLang="en-US" sz="2400" dirty="0">
                     <a:latin typeface="Arial" charset="0"/>
                     <a:ea typeface="Arial" charset="0"/>
                     <a:cs typeface="Arial" charset="0"/>
                   </a:rPr>
-                  <a:t>: </a:t>
+                  <a:t>Y: </a:t>
                 </a:r>
                 <a:r>
                   <a:rPr lang="en-US" altLang="en-US" sz="2400" dirty="0" err="1">
@@ -30781,14 +31228,6 @@
                     <a:cs typeface="Arial" charset="0"/>
                   </a:rPr>
                 </a:br>
-                <a:r>
-                  <a:rPr lang="en-US" altLang="en-US" sz="2600" dirty="0">
-                    <a:latin typeface="Arial" charset="0"/>
-                    <a:ea typeface="Arial" charset="0"/>
-                    <a:cs typeface="Arial" charset="0"/>
-                  </a:rPr>
-                  <a:t/>
-                </a:r>
                 <a:br>
                   <a:rPr lang="en-US" altLang="en-US" sz="2600" dirty="0">
                     <a:latin typeface="Arial" charset="0"/>
@@ -30796,7 +31235,7 @@
                     <a:cs typeface="Arial" charset="0"/>
                   </a:rPr>
                 </a:br>
-                <a:endParaRPr lang="en-US" altLang="en-US" dirty="0" smtClean="0">
+                <a:endParaRPr lang="en-US" altLang="en-US" dirty="0">
                   <a:latin typeface="Arial" charset="0"/>
                   <a:ea typeface="Arial" charset="0"/>
                   <a:cs typeface="Arial" charset="0"/>
@@ -30804,28 +31243,12 @@
               </a:p>
               <a:p>
                 <a:r>
-                  <a:rPr lang="en-US" altLang="en-US" sz="2400" dirty="0" smtClean="0">
-                    <a:latin typeface="Arial" charset="0"/>
-                    <a:ea typeface="Arial" charset="0"/>
-                    <a:cs typeface="Arial" charset="0"/>
-                  </a:rPr>
-                  <a:t>What </a:t>
-                </a:r>
-                <a:r>
                   <a:rPr lang="en-US" altLang="en-US" sz="2400" dirty="0">
                     <a:latin typeface="Arial" charset="0"/>
                     <a:ea typeface="Arial" charset="0"/>
                     <a:cs typeface="Arial" charset="0"/>
                   </a:rPr>
-                  <a:t>is P(shoes; blue)? </a:t>
-                </a:r>
-                <a:r>
-                  <a:rPr lang="en-US" altLang="en-US" sz="2400" dirty="0" smtClean="0">
-                    <a:latin typeface="Arial" charset="0"/>
-                    <a:ea typeface="Arial" charset="0"/>
-                    <a:cs typeface="Arial" charset="0"/>
-                  </a:rPr>
-                  <a:t>P(idea; black)?</a:t>
+                  <a:t>What is P(shoes; blue)? P(idea; black)?</a:t>
                 </a:r>
                 <a:endParaRPr lang="en-US" altLang="en-US" sz="2000" dirty="0">
                   <a:latin typeface="Arial" charset="0"/>
@@ -30835,14 +31258,30 @@
               </a:p>
               <a:p>
                 <a:r>
+                  <a:rPr lang="en-US" altLang="en-US" sz="2600" dirty="0">
+                    <a:highlight>
+                      <a:srgbClr val="FFFF00"/>
+                    </a:highlight>
+                  </a:rPr>
+                  <a:t>Can we learn categories of words(representation) automatically</a:t>
+                </a:r>
+                <a:r>
                   <a:rPr lang="en-US" altLang="en-US" sz="2600" dirty="0"/>
-                  <a:t>Can we learn categories of words(representation) automatically?</a:t>
+                  <a:t>?</a:t>
                 </a:r>
               </a:p>
               <a:p>
                 <a:r>
+                  <a:rPr lang="en-US" altLang="en-US" sz="2600" dirty="0">
+                    <a:highlight>
+                      <a:srgbClr val="FFFF00"/>
+                    </a:highlight>
+                  </a:rPr>
+                  <a:t>Can we build a high order n-gram model without blowing up the model size</a:t>
+                </a:r>
+                <a:r>
                   <a:rPr lang="en-US" altLang="en-US" sz="2600" dirty="0"/>
-                  <a:t>Can we build a high order n-gram model without blowing up the model size?</a:t>
+                  <a:t>?</a:t>
                 </a:r>
               </a:p>
               <a:p>
@@ -30856,7 +31295,7 @@
             </p:txBody>
           </p:sp>
         </mc:Choice>
-        <mc:Fallback xmlns="">
+        <mc:Fallback>
           <p:sp>
             <p:nvSpPr>
               <p:cNvPr id="3" name="Content Placeholder 2"/>
@@ -30868,10 +31307,10 @@
               </p:nvPr>
             </p:nvSpPr>
             <p:spPr>
-              <a:blipFill rotWithShape="0">
-                <a:blip r:embed="rId2"/>
+              <a:blipFill>
+                <a:blip r:embed="rId3"/>
                 <a:stretch>
-                  <a:fillRect l="-928" t="-2101"/>
+                  <a:fillRect l="-844" t="-15789"/>
                 </a:stretch>
               </a:blipFill>
             </p:spPr>
@@ -31308,16 +31747,12 @@
           <a:p>
             <a:pPr algn="l"/>
             <a:r>
-              <a:rPr lang="en-US" dirty="0" smtClean="0">
+              <a:rPr lang="en-US" dirty="0">
                 <a:latin typeface="Times New Roman" panose="02020603050405020304" pitchFamily="18" charset="0"/>
                 <a:cs typeface="Times New Roman" panose="02020603050405020304" pitchFamily="18" charset="0"/>
               </a:rPr>
               <a:t>Step-by-Step LSTM Walk Through</a:t>
             </a:r>
-            <a:endParaRPr lang="en-US" dirty="0">
-              <a:latin typeface="Times New Roman" panose="02020603050405020304" pitchFamily="18" charset="0"/>
-              <a:cs typeface="Times New Roman" panose="02020603050405020304" pitchFamily="18" charset="0"/>
-            </a:endParaRPr>
           </a:p>
         </p:txBody>
       </p:sp>
@@ -31631,7 +32066,7 @@
                   <a:t>The </a:t>
                 </a:r>
                 <a:r>
-                  <a:rPr lang="en-US" dirty="0" smtClean="0">
+                  <a:rPr lang="en-US" dirty="0">
                     <a:solidFill>
                       <a:srgbClr val="33CC33"/>
                     </a:solidFill>
@@ -31641,7 +32076,7 @@
                   <a:t>forget gate </a:t>
                 </a:r>
                 <a:r>
-                  <a:rPr lang="en-US" dirty="0" smtClean="0">
+                  <a:rPr lang="en-US" dirty="0">
                     <a:latin typeface="Times New Roman" panose="02020603050405020304" pitchFamily="18" charset="0"/>
                     <a:cs typeface="Times New Roman" panose="02020603050405020304" pitchFamily="18" charset="0"/>
                   </a:rPr>
@@ -31650,7 +32085,7 @@
               </a:p>
               <a:p>
                 <a:r>
-                  <a:rPr lang="en-US" dirty="0" smtClean="0">
+                  <a:rPr lang="en-US" dirty="0">
                     <a:latin typeface="Times New Roman" panose="02020603050405020304" pitchFamily="18" charset="0"/>
                     <a:cs typeface="Times New Roman" panose="02020603050405020304" pitchFamily="18" charset="0"/>
                   </a:rPr>
@@ -31665,7 +32100,7 @@
                             <a:solidFill>
                               <a:srgbClr val="0066FF"/>
                             </a:solidFill>
-                            <a:latin typeface="Cambria Math" charset="0"/>
+                            <a:latin typeface="Cambria Math" panose="02040503050406030204" pitchFamily="18" charset="0"/>
                             <a:cs typeface="Times New Roman" panose="02020603050405020304" pitchFamily="18" charset="0"/>
                           </a:rPr>
                         </m:ctrlPr>
@@ -31708,7 +32143,7 @@
                   </m:oMath>
                 </a14:m>
                 <a:r>
-                  <a:rPr lang="en-US" dirty="0" smtClean="0">
+                  <a:rPr lang="en-US" dirty="0">
                     <a:latin typeface="Times New Roman" panose="02020603050405020304" pitchFamily="18" charset="0"/>
                     <a:cs typeface="Times New Roman" panose="02020603050405020304" pitchFamily="18" charset="0"/>
                   </a:rPr>
@@ -31723,7 +32158,7 @@
                             <a:solidFill>
                               <a:srgbClr val="0066FF"/>
                             </a:solidFill>
-                            <a:latin typeface="Cambria Math" charset="0"/>
+                            <a:latin typeface="Cambria Math" panose="02040503050406030204" pitchFamily="18" charset="0"/>
                             <a:cs typeface="Times New Roman" panose="02020603050405020304" pitchFamily="18" charset="0"/>
                           </a:rPr>
                         </m:ctrlPr>
@@ -31756,7 +32191,7 @@
                   </m:oMath>
                 </a14:m>
                 <a:r>
-                  <a:rPr lang="en-US" dirty="0" smtClean="0">
+                  <a:rPr lang="en-US" dirty="0">
                     <a:latin typeface="Times New Roman" panose="02020603050405020304" pitchFamily="18" charset="0"/>
                     <a:cs typeface="Times New Roman" panose="02020603050405020304" pitchFamily="18" charset="0"/>
                   </a:rPr>
@@ -31765,14 +32200,14 @@
               </a:p>
               <a:p>
                 <a:r>
-                  <a:rPr lang="en-US" dirty="0" smtClean="0">
+                  <a:rPr lang="en-US" dirty="0">
                     <a:latin typeface="Times New Roman" panose="02020603050405020304" pitchFamily="18" charset="0"/>
                     <a:cs typeface="Times New Roman" panose="02020603050405020304" pitchFamily="18" charset="0"/>
                   </a:rPr>
                   <a:t>1 represents </a:t>
                 </a:r>
                 <a:r>
-                  <a:rPr lang="en-US" dirty="0" smtClean="0">
+                  <a:rPr lang="en-US" dirty="0">
                     <a:solidFill>
                       <a:srgbClr val="0066FF"/>
                     </a:solidFill>
@@ -31782,14 +32217,14 @@
                   <a:t>completely keep this</a:t>
                 </a:r>
                 <a:r>
-                  <a:rPr lang="en-US" dirty="0" smtClean="0">
+                  <a:rPr lang="en-US" dirty="0">
                     <a:latin typeface="Times New Roman" panose="02020603050405020304" pitchFamily="18" charset="0"/>
                     <a:cs typeface="Times New Roman" panose="02020603050405020304" pitchFamily="18" charset="0"/>
                   </a:rPr>
                   <a:t>, 0 represents </a:t>
                 </a:r>
                 <a:r>
-                  <a:rPr lang="en-US" dirty="0" smtClean="0">
+                  <a:rPr lang="en-US" dirty="0">
                     <a:solidFill>
                       <a:srgbClr val="0066FF"/>
                     </a:solidFill>
@@ -31801,7 +32236,7 @@
               </a:p>
               <a:p>
                 <a:r>
-                  <a:rPr lang="en-US" dirty="0" smtClean="0">
+                  <a:rPr lang="en-US" dirty="0">
                     <a:solidFill>
                       <a:srgbClr val="33CC33"/>
                     </a:solidFill>
@@ -31811,7 +32246,7 @@
                   <a:t>Example</a:t>
                 </a:r>
                 <a:r>
-                  <a:rPr lang="en-US" dirty="0" smtClean="0">
+                  <a:rPr lang="en-US" dirty="0">
                     <a:latin typeface="Times New Roman" panose="02020603050405020304" pitchFamily="18" charset="0"/>
                     <a:cs typeface="Times New Roman" panose="02020603050405020304" pitchFamily="18" charset="0"/>
                   </a:rPr>
@@ -31870,14 +32305,6 @@
   <p:clrMapOvr>
     <a:masterClrMapping/>
   </p:clrMapOvr>
-  <mc:AlternateContent xmlns:mc="http://schemas.openxmlformats.org/markup-compatibility/2006" xmlns:p14="http://schemas.microsoft.com/office/powerpoint/2010/main">
-    <mc:Choice Requires="p14">
-      <p:transition spd="slow" p14:dur="2000"/>
-    </mc:Choice>
-    <mc:Fallback xmlns="">
-      <p:transition spd="slow"/>
-    </mc:Fallback>
-  </mc:AlternateContent>
   <p:timing>
     <p:tnLst>
       <p:par>
@@ -32487,7 +32914,7 @@
               </a:lstStyle>
               <a:p>
                 <a:r>
-                  <a:rPr lang="en-US" dirty="0" smtClean="0">
+                  <a:rPr lang="en-US" dirty="0">
                     <a:solidFill>
                       <a:srgbClr val="33CC33"/>
                     </a:solidFill>
@@ -32497,7 +32924,7 @@
                   <a:t>Next step: </a:t>
                 </a:r>
                 <a:r>
-                  <a:rPr lang="en-US" dirty="0" smtClean="0">
+                  <a:rPr lang="en-US" dirty="0">
                     <a:latin typeface="Times New Roman" panose="02020603050405020304" pitchFamily="18" charset="0"/>
                     <a:cs typeface="Times New Roman" panose="02020603050405020304" pitchFamily="18" charset="0"/>
                   </a:rPr>
@@ -32512,7 +32939,7 @@
                             <a:solidFill>
                               <a:srgbClr val="0066FF"/>
                             </a:solidFill>
-                            <a:latin typeface="Cambria Math" charset="0"/>
+                            <a:latin typeface="Cambria Math" panose="02040503050406030204" pitchFamily="18" charset="0"/>
                             <a:cs typeface="Times New Roman" panose="02020603050405020304" pitchFamily="18" charset="0"/>
                           </a:rPr>
                         </m:ctrlPr>
@@ -32559,14 +32986,7 @@
                     <a:latin typeface="Times New Roman" panose="02020603050405020304" pitchFamily="18" charset="0"/>
                     <a:cs typeface="Times New Roman" panose="02020603050405020304" pitchFamily="18" charset="0"/>
                   </a:rPr>
-                  <a:t> </a:t>
-                </a:r>
-                <a:r>
-                  <a:rPr lang="en-US" dirty="0" smtClean="0">
-                    <a:latin typeface="Times New Roman" panose="02020603050405020304" pitchFamily="18" charset="0"/>
-                    <a:cs typeface="Times New Roman" panose="02020603050405020304" pitchFamily="18" charset="0"/>
-                  </a:rPr>
-                  <a:t>into the new cell state </a:t>
+                  <a:t> into the new cell state </a:t>
                 </a:r>
                 <a14:m>
                   <m:oMath xmlns:m="http://schemas.openxmlformats.org/officeDocument/2006/math">
@@ -32577,7 +32997,7 @@
                             <a:solidFill>
                               <a:srgbClr val="0066FF"/>
                             </a:solidFill>
-                            <a:latin typeface="Cambria Math" charset="0"/>
+                            <a:latin typeface="Cambria Math" panose="02040503050406030204" pitchFamily="18" charset="0"/>
                             <a:cs typeface="Times New Roman" panose="02020603050405020304" pitchFamily="18" charset="0"/>
                           </a:rPr>
                         </m:ctrlPr>
@@ -32609,7 +33029,7 @@
                     </m:sSub>
                   </m:oMath>
                 </a14:m>
-                <a:endParaRPr lang="en-US" dirty="0" smtClean="0">
+                <a:endParaRPr lang="en-US" dirty="0">
                   <a:solidFill>
                     <a:srgbClr val="0066FF"/>
                   </a:solidFill>
@@ -32619,7 +33039,7 @@
               </a:p>
               <a:p>
                 <a:r>
-                  <a:rPr lang="en-US" dirty="0" smtClean="0">
+                  <a:rPr lang="en-US" dirty="0">
                     <a:latin typeface="Times New Roman" panose="02020603050405020304" pitchFamily="18" charset="0"/>
                     <a:cs typeface="Times New Roman" panose="02020603050405020304" pitchFamily="18" charset="0"/>
                   </a:rPr>
@@ -32634,7 +33054,7 @@
                             <a:solidFill>
                               <a:srgbClr val="0066FF"/>
                             </a:solidFill>
-                            <a:latin typeface="Cambria Math" charset="0"/>
+                            <a:latin typeface="Cambria Math" panose="02040503050406030204" pitchFamily="18" charset="0"/>
                             <a:cs typeface="Times New Roman" panose="02020603050405020304" pitchFamily="18" charset="0"/>
                           </a:rPr>
                         </m:ctrlPr>
@@ -32666,7 +33086,7 @@
                     </m:sSub>
                   </m:oMath>
                 </a14:m>
-                <a:endParaRPr lang="en-US" dirty="0" smtClean="0">
+                <a:endParaRPr lang="en-US" dirty="0">
                   <a:latin typeface="Times New Roman" panose="02020603050405020304" pitchFamily="18" charset="0"/>
                   <a:cs typeface="Times New Roman" panose="02020603050405020304" pitchFamily="18" charset="0"/>
                 </a:endParaRPr>
@@ -32674,7 +33094,7 @@
               <a:p>
                 <a:pPr lvl="1"/>
                 <a:r>
-                  <a:rPr lang="en-US" dirty="0" smtClean="0">
+                  <a:rPr lang="en-US" dirty="0">
                     <a:latin typeface="Times New Roman" panose="02020603050405020304" pitchFamily="18" charset="0"/>
                     <a:cs typeface="Times New Roman" panose="02020603050405020304" pitchFamily="18" charset="0"/>
                   </a:rPr>
@@ -32683,7 +33103,7 @@
               </a:p>
               <a:p>
                 <a:r>
-                  <a:rPr lang="en-US" dirty="0" smtClean="0">
+                  <a:rPr lang="en-US" dirty="0">
                     <a:latin typeface="Times New Roman" panose="02020603050405020304" pitchFamily="18" charset="0"/>
                     <a:cs typeface="Times New Roman" panose="02020603050405020304" pitchFamily="18" charset="0"/>
                   </a:rPr>
@@ -32698,7 +33118,7 @@
                             <a:solidFill>
                               <a:srgbClr val="0066FF"/>
                             </a:solidFill>
-                            <a:latin typeface="Cambria Math" charset="0"/>
+                            <a:latin typeface="Cambria Math" panose="02040503050406030204" pitchFamily="18" charset="0"/>
                             <a:cs typeface="Times New Roman" panose="02020603050405020304" pitchFamily="18" charset="0"/>
                           </a:rPr>
                         </m:ctrlPr>
@@ -32746,7 +33166,7 @@
                             <a:solidFill>
                               <a:srgbClr val="0066FF"/>
                             </a:solidFill>
-                            <a:latin typeface="Cambria Math" charset="0"/>
+                            <a:latin typeface="Cambria Math" panose="02040503050406030204" pitchFamily="18" charset="0"/>
                             <a:cs typeface="Times New Roman" panose="02020603050405020304" pitchFamily="18" charset="0"/>
                           </a:rPr>
                         </m:ctrlPr>
@@ -32759,7 +33179,7 @@
                                 <a:solidFill>
                                   <a:srgbClr val="0066FF"/>
                                 </a:solidFill>
-                                <a:latin typeface="Cambria Math" charset="0"/>
+                                <a:latin typeface="Cambria Math" panose="02040503050406030204" pitchFamily="18" charset="0"/>
                                 <a:cs typeface="Times New Roman" panose="02020603050405020304" pitchFamily="18" charset="0"/>
                               </a:rPr>
                             </m:ctrlPr>
@@ -32793,7 +33213,7 @@
                     </m:acc>
                   </m:oMath>
                 </a14:m>
-                <a:endParaRPr lang="en-US" dirty="0" smtClean="0">
+                <a:endParaRPr lang="en-US" dirty="0">
                   <a:latin typeface="Times New Roman" panose="02020603050405020304" pitchFamily="18" charset="0"/>
                   <a:cs typeface="Times New Roman" panose="02020603050405020304" pitchFamily="18" charset="0"/>
                 </a:endParaRPr>
@@ -33171,14 +33591,6 @@
   <p:clrMapOvr>
     <a:masterClrMapping/>
   </p:clrMapOvr>
-  <mc:AlternateContent xmlns:mc="http://schemas.openxmlformats.org/markup-compatibility/2006" xmlns:p14="http://schemas.microsoft.com/office/powerpoint/2010/main">
-    <mc:Choice Requires="p14">
-      <p:transition spd="slow" p14:dur="2000"/>
-    </mc:Choice>
-    <mc:Fallback xmlns="">
-      <p:transition spd="slow"/>
-    </mc:Fallback>
-  </mc:AlternateContent>
   <p:timing>
     <p:tnLst>
       <p:par>
@@ -34198,7 +34610,7 @@
           </a:lstStyle>
           <a:p>
             <a:r>
-              <a:rPr lang="en-US" dirty="0" smtClean="0">
+              <a:rPr lang="en-US" dirty="0">
                 <a:solidFill>
                   <a:srgbClr val="33CC33"/>
                 </a:solidFill>
@@ -34208,13 +34620,13 @@
               <a:t>Final step: </a:t>
             </a:r>
             <a:r>
-              <a:rPr lang="en-US" dirty="0" smtClean="0">
+              <a:rPr lang="en-US" dirty="0">
                 <a:latin typeface="Times New Roman" panose="02020603050405020304" pitchFamily="18" charset="0"/>
                 <a:cs typeface="Times New Roman" panose="02020603050405020304" pitchFamily="18" charset="0"/>
               </a:rPr>
               <a:t>decide what we’re going to output</a:t>
             </a:r>
-            <a:endParaRPr lang="en-US" dirty="0" smtClean="0">
+            <a:endParaRPr lang="en-US" dirty="0">
               <a:solidFill>
                 <a:srgbClr val="0066FF"/>
               </a:solidFill>
@@ -34224,14 +34636,14 @@
           </a:p>
           <a:p>
             <a:r>
-              <a:rPr lang="en-US" dirty="0" smtClean="0">
+              <a:rPr lang="en-US" dirty="0">
                 <a:latin typeface="Times New Roman" panose="02020603050405020304" pitchFamily="18" charset="0"/>
                 <a:cs typeface="Times New Roman" panose="02020603050405020304" pitchFamily="18" charset="0"/>
               </a:rPr>
               <a:t>First, we run a </a:t>
             </a:r>
             <a:r>
-              <a:rPr lang="en-US" dirty="0" smtClean="0">
+              <a:rPr lang="en-US" dirty="0">
                 <a:solidFill>
                   <a:srgbClr val="0066FF"/>
                 </a:solidFill>
@@ -34244,7 +34656,7 @@
           <a:p>
             <a:pPr lvl="1"/>
             <a:r>
-              <a:rPr lang="en-US" dirty="0" smtClean="0">
+              <a:rPr lang="en-US" dirty="0">
                 <a:latin typeface="Times New Roman" panose="02020603050405020304" pitchFamily="18" charset="0"/>
                 <a:cs typeface="Times New Roman" panose="02020603050405020304" pitchFamily="18" charset="0"/>
               </a:rPr>
@@ -34253,14 +34665,14 @@
           </a:p>
           <a:p>
             <a:r>
-              <a:rPr lang="en-US" dirty="0" smtClean="0">
+              <a:rPr lang="en-US" dirty="0">
                 <a:latin typeface="Times New Roman" panose="02020603050405020304" pitchFamily="18" charset="0"/>
                 <a:cs typeface="Times New Roman" panose="02020603050405020304" pitchFamily="18" charset="0"/>
               </a:rPr>
               <a:t>Then, we put the cell state through </a:t>
             </a:r>
             <a:r>
-              <a:rPr lang="en-US" dirty="0" err="1" smtClean="0">
+              <a:rPr lang="en-US" dirty="0" err="1">
                 <a:solidFill>
                   <a:srgbClr val="0066FF"/>
                 </a:solidFill>
@@ -34270,7 +34682,7 @@
               <a:t>tanh</a:t>
             </a:r>
             <a:r>
-              <a:rPr lang="en-US" dirty="0" smtClean="0">
+              <a:rPr lang="en-US" dirty="0">
                 <a:solidFill>
                   <a:srgbClr val="0066FF"/>
                 </a:solidFill>
@@ -34280,13 +34692,13 @@
               <a:t> </a:t>
             </a:r>
             <a:r>
-              <a:rPr lang="en-US" dirty="0" smtClean="0">
+              <a:rPr lang="en-US" dirty="0">
                 <a:latin typeface="Times New Roman" panose="02020603050405020304" pitchFamily="18" charset="0"/>
                 <a:cs typeface="Times New Roman" panose="02020603050405020304" pitchFamily="18" charset="0"/>
               </a:rPr>
               <a:t>and multiply it by the output of the sigmoid gate</a:t>
             </a:r>
-            <a:endParaRPr lang="en-US" dirty="0" smtClean="0">
+            <a:endParaRPr lang="en-US" dirty="0">
               <a:solidFill>
                 <a:srgbClr val="0066FF"/>
               </a:solidFill>
@@ -34306,14 +34718,6 @@
   <p:clrMapOvr>
     <a:masterClrMapping/>
   </p:clrMapOvr>
-  <mc:AlternateContent xmlns:mc="http://schemas.openxmlformats.org/markup-compatibility/2006" xmlns:p14="http://schemas.microsoft.com/office/powerpoint/2010/main">
-    <mc:Choice Requires="p14">
-      <p:transition spd="slow" p14:dur="2000"/>
-    </mc:Choice>
-    <mc:Fallback xmlns="">
-      <p:transition spd="slow"/>
-    </mc:Fallback>
-  </mc:AlternateContent>
   <p:timing>
     <p:tnLst>
       <p:par>
@@ -34593,7 +34997,7 @@
           <a:p>
             <a:pPr algn="l"/>
             <a:r>
-              <a:rPr lang="en-US" dirty="0" smtClean="0">
+              <a:rPr lang="en-US" dirty="0">
                 <a:latin typeface="Times New Roman" panose="02020603050405020304" pitchFamily="18" charset="0"/>
                 <a:cs typeface="Times New Roman" panose="02020603050405020304" pitchFamily="18" charset="0"/>
               </a:rPr>
@@ -34877,7 +35281,7 @@
           </a:lstStyle>
           <a:p>
             <a:r>
-              <a:rPr lang="en-US" sz="2800" dirty="0" smtClean="0">
+              <a:rPr lang="en-US" sz="2800" dirty="0">
                 <a:latin typeface="Times New Roman" panose="02020603050405020304" pitchFamily="18" charset="0"/>
                 <a:cs typeface="Times New Roman" panose="02020603050405020304" pitchFamily="18" charset="0"/>
               </a:rPr>
@@ -34886,7 +35290,7 @@
           </a:p>
           <a:p>
             <a:r>
-              <a:rPr lang="en-US" sz="2800" dirty="0" smtClean="0">
+              <a:rPr lang="en-US" sz="2800" dirty="0">
                 <a:latin typeface="Times New Roman" panose="02020603050405020304" pitchFamily="18" charset="0"/>
                 <a:cs typeface="Times New Roman" panose="02020603050405020304" pitchFamily="18" charset="0"/>
               </a:rPr>
@@ -34899,25 +35303,18 @@
                 <a:latin typeface="Times New Roman" panose="02020603050405020304" pitchFamily="18" charset="0"/>
                 <a:cs typeface="Times New Roman" panose="02020603050405020304" pitchFamily="18" charset="0"/>
               </a:rPr>
-              <a:t>S</a:t>
-            </a:r>
-            <a:r>
-              <a:rPr lang="en-US" sz="2800" dirty="0" smtClean="0">
-                <a:latin typeface="Times New Roman" panose="02020603050405020304" pitchFamily="18" charset="0"/>
-                <a:cs typeface="Times New Roman" panose="02020603050405020304" pitchFamily="18" charset="0"/>
-              </a:rPr>
-              <a:t>hown to be efficient in many NLP tasks. </a:t>
+              <a:t>Shown to be efficient in many NLP tasks. </a:t>
             </a:r>
           </a:p>
           <a:p>
             <a:r>
-              <a:rPr lang="en-US" sz="2800" dirty="0" smtClean="0">
+              <a:rPr lang="en-US" sz="2800" dirty="0">
                 <a:latin typeface="Times New Roman" panose="02020603050405020304" pitchFamily="18" charset="0"/>
                 <a:cs typeface="Times New Roman" panose="02020603050405020304" pitchFamily="18" charset="0"/>
               </a:rPr>
               <a:t>A standard component to encode text inputs.</a:t>
             </a:r>
-            <a:endParaRPr lang="en-US" sz="2400" dirty="0" smtClean="0">
+            <a:endParaRPr lang="en-US" sz="2400" dirty="0">
               <a:latin typeface="Times New Roman" panose="02020603050405020304" pitchFamily="18" charset="0"/>
               <a:cs typeface="Times New Roman" panose="02020603050405020304" pitchFamily="18" charset="0"/>
             </a:endParaRPr>
@@ -34934,14 +35331,6 @@
   <p:clrMapOvr>
     <a:masterClrMapping/>
   </p:clrMapOvr>
-  <mc:AlternateContent xmlns:mc="http://schemas.openxmlformats.org/markup-compatibility/2006" xmlns:p14="http://schemas.microsoft.com/office/powerpoint/2010/main">
-    <mc:Choice Requires="p14">
-      <p:transition spd="slow" p14:dur="2000"/>
-    </mc:Choice>
-    <mc:Fallback xmlns="">
-      <p:transition spd="slow"/>
-    </mc:Fallback>
-  </mc:AlternateContent>
   <p:timing>
     <p:tnLst>
       <p:par>
@@ -35153,10 +35542,9 @@
           <a:lstStyle/>
           <a:p>
             <a:r>
-              <a:rPr lang="en-US" dirty="0" smtClean="0"/>
+              <a:rPr lang="en-US" dirty="0"/>
               <a:t>Neural language model</a:t>
             </a:r>
-            <a:endParaRPr lang="en-US" dirty="0"/>
           </a:p>
         </p:txBody>
       </p:sp>
@@ -35372,7 +35760,7 @@
               </a:lstStyle>
               <a:p>
                 <a:r>
-                  <a:rPr lang="en-US" dirty="0" smtClean="0"/>
+                  <a:rPr lang="en-US" dirty="0"/>
                   <a:t>Model </a:t>
                 </a:r>
                 <a14:m>
@@ -35428,10 +35816,9 @@
                   </m:oMath>
                 </a14:m>
                 <a:r>
-                  <a:rPr lang="en-US" dirty="0" smtClean="0"/>
+                  <a:rPr lang="en-US" dirty="0"/>
                   <a:t> with a neural network </a:t>
                 </a:r>
-                <a:endParaRPr lang="en-US" dirty="0"/>
               </a:p>
             </p:txBody>
           </p:sp>
@@ -35854,7 +36241,7 @@
                             <m:chr m:val="⃑"/>
                             <m:ctrlPr>
                               <a:rPr lang="en-US" i="1">
-                                <a:latin typeface="Cambria Math" charset="0"/>
+                                <a:latin typeface="Cambria Math" panose="02040503050406030204" pitchFamily="18" charset="0"/>
                               </a:rPr>
                             </m:ctrlPr>
                           </m:accPr>
@@ -35892,7 +36279,7 @@
                           <m:sSupPr>
                             <m:ctrlPr>
                               <a:rPr lang="en-US" i="1">
-                                <a:latin typeface="Cambria Math" charset="0"/>
+                                <a:latin typeface="Cambria Math" panose="02040503050406030204" pitchFamily="18" charset="0"/>
                               </a:rPr>
                             </m:ctrlPr>
                           </m:sSupPr>
@@ -35918,7 +36305,7 @@
                             <m:chr m:val="⃑"/>
                             <m:ctrlPr>
                               <a:rPr lang="en-US" i="1">
-                                <a:latin typeface="Cambria Math" charset="0"/>
+                                <a:latin typeface="Cambria Math" panose="02040503050406030204" pitchFamily="18" charset="0"/>
                               </a:rPr>
                             </m:ctrlPr>
                           </m:accPr>
@@ -35942,7 +36329,7 @@
                             <m:chr m:val="⃑"/>
                             <m:ctrlPr>
                               <a:rPr lang="en-US" i="1">
-                                <a:latin typeface="Cambria Math" charset="0"/>
+                                <a:latin typeface="Cambria Math" panose="02040503050406030204" pitchFamily="18" charset="0"/>
                               </a:rPr>
                             </m:ctrlPr>
                           </m:accPr>
@@ -36476,10 +36863,9 @@
           <a:lstStyle/>
           <a:p>
             <a:r>
-              <a:rPr lang="en-US" dirty="0" smtClean="0"/>
+              <a:rPr lang="en-US" dirty="0"/>
               <a:t>Limitation of the Early Neural Language Model</a:t>
             </a:r>
-            <a:endParaRPr lang="en-US" dirty="0"/>
           </a:p>
         </p:txBody>
       </p:sp>
@@ -36508,20 +36894,15 @@
             <a:pPr algn="just"/>
             <a:r>
               <a:rPr lang="en-US" altLang="en-US" dirty="0"/>
-              <a:t>World Similarity – Solved</a:t>
+              <a:t>Word Similarity – Solved</a:t>
             </a:r>
           </a:p>
           <a:p>
             <a:pPr algn="just"/>
             <a:r>
               <a:rPr lang="en-US" altLang="en-US" dirty="0"/>
-              <a:t>Finite Context – </a:t>
+              <a:t>Finite Context – Not solved yet</a:t>
             </a:r>
-            <a:r>
-              <a:rPr lang="en-US" altLang="en-US" dirty="0" smtClean="0"/>
-              <a:t>Not solved yet</a:t>
-            </a:r>
-            <a:endParaRPr lang="en-US" altLang="en-US" dirty="0"/>
           </a:p>
         </p:txBody>
       </p:sp>
@@ -36535,13 +36916,6 @@
   <p:clrMapOvr>
     <a:masterClrMapping/>
   </p:clrMapOvr>
-  <p:timing>
-    <p:tnLst>
-      <p:par>
-        <p:cTn id="1" dur="indefinite" restart="never" nodeType="tmRoot"/>
-      </p:par>
-    </p:tnLst>
-  </p:timing>
 </p:sld>
 </file>
 
@@ -36578,10 +36952,9 @@
           <a:lstStyle/>
           <a:p>
             <a:r>
-              <a:rPr lang="en-US" dirty="0" smtClean="0"/>
+              <a:rPr lang="en-US" dirty="0"/>
               <a:t>RNN Language Model</a:t>
             </a:r>
-            <a:endParaRPr lang="en-US" dirty="0"/>
           </a:p>
         </p:txBody>
       </p:sp>
@@ -36638,18 +37011,13 @@
           <a:lstStyle/>
           <a:p>
             <a:r>
-              <a:rPr lang="en-US" sz="2400" i="1" dirty="0" smtClean="0">
+              <a:rPr lang="en-US" sz="2400" i="1" dirty="0">
                 <a:solidFill>
                   <a:schemeClr val="accent1"/>
                 </a:solidFill>
               </a:rPr>
               <a:t>Handles infinite context in theory</a:t>
             </a:r>
-            <a:endParaRPr lang="en-US" sz="2400" i="1" dirty="0">
-              <a:solidFill>
-                <a:schemeClr val="accent1"/>
-              </a:solidFill>
-            </a:endParaRPr>
           </a:p>
         </p:txBody>
       </p:sp>
@@ -36676,18 +37044,13 @@
           <a:lstStyle/>
           <a:p>
             <a:r>
-              <a:rPr lang="en-US" sz="2400" i="1" dirty="0" smtClean="0">
+              <a:rPr lang="en-US" sz="2400" i="1" dirty="0">
                 <a:solidFill>
                   <a:schemeClr val="accent1"/>
                 </a:solidFill>
               </a:rPr>
               <a:t>LSTMs has shown to be efficient</a:t>
             </a:r>
-            <a:endParaRPr lang="en-US" sz="2400" i="1" dirty="0">
-              <a:solidFill>
-                <a:schemeClr val="accent1"/>
-              </a:solidFill>
-            </a:endParaRPr>
           </a:p>
         </p:txBody>
       </p:sp>
@@ -36861,10 +37224,9 @@
           <a:lstStyle/>
           <a:p>
             <a:r>
-              <a:rPr lang="en-US" dirty="0" smtClean="0"/>
+              <a:rPr lang="en-US" dirty="0"/>
               <a:t>Learning neural language models</a:t>
             </a:r>
-            <a:endParaRPr lang="en-US" dirty="0"/>
           </a:p>
         </p:txBody>
       </p:sp>
@@ -36885,7 +37247,7 @@
           </a:bodyPr>
           <a:lstStyle/>
           <a:p>
-            <a:endParaRPr lang="en-GB" b="1" dirty="0" smtClean="0">
+            <a:endParaRPr lang="en-GB" b="1" dirty="0">
               <a:solidFill>
                 <a:schemeClr val="tx2"/>
               </a:solidFill>
@@ -36893,7 +37255,7 @@
           </a:p>
           <a:p>
             <a:r>
-              <a:rPr lang="en-GB" b="1" dirty="0" smtClean="0">
+              <a:rPr lang="en-GB" b="1" dirty="0">
                 <a:solidFill>
                   <a:schemeClr val="tx2"/>
                 </a:solidFill>
@@ -36901,18 +37263,18 @@
               <a:t>Maximize the log-likelihood</a:t>
             </a:r>
             <a:r>
-              <a:rPr lang="en-GB" dirty="0" smtClean="0"/>
+              <a:rPr lang="en-GB" dirty="0"/>
               <a:t> of observed data,</a:t>
             </a:r>
             <a:br>
-              <a:rPr lang="en-GB" dirty="0" smtClean="0"/>
+              <a:rPr lang="en-GB" dirty="0"/>
             </a:br>
             <a:r>
-              <a:rPr lang="en-GB" dirty="0" smtClean="0"/>
+              <a:rPr lang="en-GB" dirty="0"/>
               <a:t>w.r.t. </a:t>
             </a:r>
             <a:r>
-              <a:rPr lang="en-GB" dirty="0" smtClean="0">
+              <a:rPr lang="en-GB" dirty="0">
                 <a:solidFill>
                   <a:schemeClr val="tx1"/>
                 </a:solidFill>
@@ -36920,7 +37282,7 @@
               <a:t>parameters </a:t>
             </a:r>
             <a:r>
-              <a:rPr lang="el-GR" b="1" dirty="0" smtClean="0">
+              <a:rPr lang="el-GR" b="1" dirty="0">
                 <a:solidFill>
                   <a:schemeClr val="tx1"/>
                 </a:solidFill>
@@ -36928,7 +37290,7 @@
               <a:t>θ</a:t>
             </a:r>
             <a:r>
-              <a:rPr lang="en-GB" dirty="0" smtClean="0"/>
+              <a:rPr lang="en-GB" dirty="0"/>
               <a:t> of the neural language model</a:t>
             </a:r>
           </a:p>
@@ -36936,14 +37298,14 @@
             <a:endParaRPr lang="en-GB" dirty="0"/>
           </a:p>
           <a:p>
-            <a:endParaRPr lang="en-GB" dirty="0" smtClean="0"/>
+            <a:endParaRPr lang="en-GB" dirty="0"/>
           </a:p>
           <a:p>
             <a:endParaRPr lang="en-GB" dirty="0"/>
           </a:p>
           <a:p>
             <a:r>
-              <a:rPr lang="en-GB" b="1" dirty="0" smtClean="0">
+              <a:rPr lang="en-GB" b="1" dirty="0">
                 <a:solidFill>
                   <a:schemeClr val="tx1"/>
                 </a:solidFill>
@@ -36951,7 +37313,7 @@
               <a:t>Parameters </a:t>
             </a:r>
             <a:r>
-              <a:rPr lang="el-GR" b="1" dirty="0" smtClean="0">
+              <a:rPr lang="el-GR" b="1" dirty="0">
                 <a:solidFill>
                   <a:schemeClr val="tx1"/>
                 </a:solidFill>
@@ -36959,7 +37321,7 @@
               <a:t>θ</a:t>
             </a:r>
             <a:r>
-              <a:rPr lang="en-GB" b="1" dirty="0" smtClean="0">
+              <a:rPr lang="en-GB" b="1" dirty="0">
                 <a:solidFill>
                   <a:schemeClr val="tx1"/>
                 </a:solidFill>
@@ -36967,38 +37329,62 @@
               <a:t> </a:t>
             </a:r>
             <a:r>
-              <a:rPr lang="en-GB" dirty="0" smtClean="0"/>
+              <a:rPr lang="en-GB" dirty="0"/>
               <a:t>(in a neural language model):</a:t>
             </a:r>
           </a:p>
           <a:p>
             <a:pPr lvl="1"/>
             <a:r>
-              <a:rPr lang="en-GB" dirty="0" smtClean="0"/>
+              <a:rPr lang="en-GB" dirty="0">
+                <a:highlight>
+                  <a:srgbClr val="FFFF00"/>
+                </a:highlight>
+              </a:rPr>
               <a:t>Word embedding matrix </a:t>
             </a:r>
             <a:r>
-              <a:rPr lang="en-GB" b="1" dirty="0" smtClean="0"/>
+              <a:rPr lang="en-GB" b="1" dirty="0">
+                <a:highlight>
+                  <a:srgbClr val="FFFF00"/>
+                </a:highlight>
+              </a:rPr>
               <a:t>R</a:t>
             </a:r>
             <a:r>
-              <a:rPr lang="en-GB" dirty="0" smtClean="0"/>
+              <a:rPr lang="en-GB" dirty="0">
+                <a:highlight>
+                  <a:srgbClr val="FFFF00"/>
+                </a:highlight>
+              </a:rPr>
               <a:t> and bias </a:t>
             </a:r>
             <a:r>
-              <a:rPr lang="en-GB" b="1" dirty="0" err="1" smtClean="0"/>
+              <a:rPr lang="en-GB" b="1" dirty="0" err="1">
+                <a:highlight>
+                  <a:srgbClr val="FFFF00"/>
+                </a:highlight>
+              </a:rPr>
               <a:t>b</a:t>
             </a:r>
             <a:r>
-              <a:rPr lang="en-GB" i="1" baseline="-25000" dirty="0" err="1" smtClean="0"/>
+              <a:rPr lang="en-GB" i="1" baseline="-25000" dirty="0" err="1">
+                <a:highlight>
+                  <a:srgbClr val="FFFF00"/>
+                </a:highlight>
+              </a:rPr>
               <a:t>v</a:t>
             </a:r>
-            <a:endParaRPr lang="en-GB" i="1" baseline="-25000" dirty="0" smtClean="0"/>
+            <a:endParaRPr lang="en-GB" i="1" baseline="-25000" dirty="0">
+              <a:highlight>
+                <a:srgbClr val="FFFF00"/>
+              </a:highlight>
+            </a:endParaRPr>
           </a:p>
           <a:p>
             <a:pPr lvl="1"/>
             <a:r>
-              <a:rPr lang="en-GB" dirty="0" smtClean="0"/>
+              <a:rPr lang="en-GB" dirty="0"/>
               <a:t>Neural network weights: </a:t>
             </a:r>
             <a:r>
@@ -37006,23 +37392,23 @@
               <a:t>W</a:t>
             </a:r>
             <a:r>
-              <a:rPr lang="en-GB" dirty="0" smtClean="0"/>
+              <a:rPr lang="en-GB" dirty="0"/>
               <a:t>, </a:t>
             </a:r>
             <a:r>
-              <a:rPr lang="en-GB" b="1" dirty="0" err="1" smtClean="0"/>
+              <a:rPr lang="en-GB" b="1" dirty="0" err="1"/>
               <a:t>b</a:t>
             </a:r>
             <a:r>
-              <a:rPr lang="en-GB" i="1" baseline="-25000" dirty="0" err="1" smtClean="0"/>
+              <a:rPr lang="en-GB" i="1" baseline="-25000" dirty="0" err="1"/>
               <a:t>W</a:t>
             </a:r>
             <a:r>
-              <a:rPr lang="en-GB" i="1" baseline="-25000" dirty="0" smtClean="0"/>
+              <a:rPr lang="en-GB" i="1" baseline="-25000" dirty="0"/>
               <a:t> </a:t>
             </a:r>
             <a:r>
-              <a:rPr lang="en-GB" dirty="0" smtClean="0"/>
+              <a:rPr lang="en-GB" dirty="0"/>
               <a:t>, </a:t>
             </a:r>
             <a:r>
@@ -37030,45 +37416,45 @@
               <a:t>U</a:t>
             </a:r>
             <a:r>
-              <a:rPr lang="en-GB" dirty="0" smtClean="0"/>
+              <a:rPr lang="en-GB" dirty="0"/>
               <a:t>, </a:t>
             </a:r>
             <a:r>
-              <a:rPr lang="en-GB" b="1" dirty="0" err="1" smtClean="0"/>
+              <a:rPr lang="en-GB" b="1" dirty="0" err="1"/>
               <a:t>b</a:t>
             </a:r>
             <a:r>
-              <a:rPr lang="en-GB" i="1" baseline="-25000" dirty="0" err="1" smtClean="0"/>
+              <a:rPr lang="en-GB" i="1" baseline="-25000" dirty="0" err="1"/>
               <a:t>U</a:t>
             </a:r>
             <a:r>
-              <a:rPr lang="en-GB" i="1" baseline="-25000" dirty="0" smtClean="0"/>
+              <a:rPr lang="en-GB" i="1" baseline="-25000" dirty="0"/>
               <a:t> </a:t>
             </a:r>
             <a:r>
-              <a:rPr lang="en-GB" dirty="0" smtClean="0"/>
+              <a:rPr lang="en-GB" dirty="0"/>
               <a:t>,</a:t>
             </a:r>
             <a:r>
-              <a:rPr lang="en-GB" b="1" dirty="0" smtClean="0"/>
+              <a:rPr lang="en-GB" b="1" dirty="0"/>
               <a:t> V</a:t>
             </a:r>
             <a:r>
-              <a:rPr lang="en-GB" dirty="0" smtClean="0"/>
+              <a:rPr lang="en-GB" dirty="0"/>
               <a:t>,</a:t>
             </a:r>
             <a:r>
-              <a:rPr lang="en-GB" b="1" dirty="0" smtClean="0"/>
+              <a:rPr lang="en-GB" b="1" dirty="0"/>
               <a:t> B</a:t>
             </a:r>
             <a:r>
-              <a:rPr lang="en-GB" baseline="-25000" dirty="0" smtClean="0"/>
+              <a:rPr lang="en-GB" baseline="-25000" dirty="0"/>
               <a:t>V</a:t>
             </a:r>
           </a:p>
           <a:p>
             <a:r>
-              <a:rPr lang="en-GB" b="1" dirty="0" smtClean="0">
+              <a:rPr lang="en-GB" b="1" dirty="0">
                 <a:solidFill>
                   <a:schemeClr val="tx2"/>
                 </a:solidFill>
@@ -37076,15 +37462,15 @@
               <a:t>Gradient descent </a:t>
             </a:r>
             <a:r>
-              <a:rPr lang="en-GB" dirty="0" smtClean="0"/>
+              <a:rPr lang="en-GB" dirty="0"/>
               <a:t>with learning rate </a:t>
             </a:r>
             <a:r>
-              <a:rPr lang="el-GR" i="1" dirty="0" smtClean="0"/>
+              <a:rPr lang="el-GR" i="1" dirty="0"/>
               <a:t>η</a:t>
             </a:r>
             <a:r>
-              <a:rPr lang="en-GB" dirty="0" smtClean="0"/>
+              <a:rPr lang="en-GB" dirty="0"/>
               <a:t>:</a:t>
             </a:r>
           </a:p>
@@ -37229,7 +37615,7 @@
             <a:graphicData uri="http://schemas.openxmlformats.org/presentationml/2006/ole">
               <mc:AlternateContent xmlns:mc="http://schemas.openxmlformats.org/markup-compatibility/2006">
                 <mc:Choice xmlns:v="urn:schemas-microsoft-com:vml" Requires="v">
-                  <p:oleObj spid="_x0000_s75998" name="Equation" r:id="rId4" imgW="2869920" imgH="291960" progId="Equation.3">
+                  <p:oleObj spid="_x0000_s76061" name="Equation" r:id="rId4" imgW="2869920" imgH="291960" progId="Equation.3">
                     <p:embed/>
                   </p:oleObj>
                 </mc:Choice>
@@ -37287,7 +37673,7 @@
           <a:graphicData uri="http://schemas.openxmlformats.org/presentationml/2006/ole">
             <mc:AlternateContent xmlns:mc="http://schemas.openxmlformats.org/markup-compatibility/2006">
               <mc:Choice xmlns:v="urn:schemas-microsoft-com:vml" Requires="v">
-                <p:oleObj spid="_x0000_s75999" name="Equation" r:id="rId6" imgW="1866600" imgH="291960" progId="Equation.3">
+                <p:oleObj spid="_x0000_s76062" name="Equation" r:id="rId6" imgW="1866600" imgH="291960" progId="Equation.3">
                   <p:embed/>
                 </p:oleObj>
               </mc:Choice>
@@ -37344,7 +37730,7 @@
           <a:graphicData uri="http://schemas.openxmlformats.org/presentationml/2006/ole">
             <mc:AlternateContent xmlns:mc="http://schemas.openxmlformats.org/markup-compatibility/2006">
               <mc:Choice xmlns:v="urn:schemas-microsoft-com:vml" Requires="v">
-                <p:oleObj spid="_x0000_s76000" name="Equation" r:id="rId8" imgW="876240" imgH="393480" progId="Equation.3">
+                <p:oleObj spid="_x0000_s76063" name="Equation" r:id="rId8" imgW="876240" imgH="393480" progId="Equation.3">
                   <p:embed/>
                 </p:oleObj>
               </mc:Choice>
@@ -37815,13 +38201,13 @@
           </a:bodyPr>
           <a:lstStyle/>
           <a:p>
-            <a:endParaRPr lang="en-GB" b="1" dirty="0" smtClean="0"/>
+            <a:endParaRPr lang="en-GB" b="1" dirty="0"/>
           </a:p>
           <a:p>
-            <a:endParaRPr lang="en-GB" b="1" dirty="0" smtClean="0"/>
+            <a:endParaRPr lang="en-GB" b="1" dirty="0"/>
           </a:p>
           <a:p>
-            <a:endParaRPr lang="en-GB" b="1" dirty="0" smtClean="0">
+            <a:endParaRPr lang="en-GB" b="1" dirty="0">
               <a:solidFill>
                 <a:schemeClr val="tx2"/>
               </a:solidFill>
@@ -37829,14 +38215,14 @@
           </a:p>
           <a:p>
             <a:r>
-              <a:rPr lang="en-GB" b="1" dirty="0" smtClean="0">
+              <a:rPr lang="en-GB" b="1" dirty="0">
                 <a:solidFill>
                   <a:schemeClr val="tx2"/>
                 </a:solidFill>
               </a:rPr>
               <a:t>Maximum Likelihood learning:</a:t>
             </a:r>
-            <a:endParaRPr lang="en-GB" dirty="0" smtClean="0">
+            <a:endParaRPr lang="en-GB" dirty="0">
               <a:solidFill>
                 <a:schemeClr val="tx2"/>
               </a:solidFill>
@@ -37848,16 +38234,16 @@
           </a:p>
           <a:p>
             <a:pPr lvl="1"/>
-            <a:endParaRPr lang="en-GB" dirty="0" smtClean="0"/>
+            <a:endParaRPr lang="en-GB" dirty="0"/>
           </a:p>
           <a:p>
             <a:pPr lvl="1"/>
             <a:r>
-              <a:rPr lang="en-GB" dirty="0" smtClean="0"/>
+              <a:rPr lang="en-GB" dirty="0"/>
               <a:t>Gradient of log-likelihood w.r.t. </a:t>
             </a:r>
             <a:r>
-              <a:rPr lang="en-GB" b="1" dirty="0" smtClean="0">
+              <a:rPr lang="en-GB" b="1" dirty="0">
                 <a:solidFill>
                   <a:schemeClr val="tx1"/>
                 </a:solidFill>
@@ -37865,7 +38251,7 @@
               <a:t>parameters</a:t>
             </a:r>
             <a:r>
-              <a:rPr lang="en-GB" dirty="0" smtClean="0">
+              <a:rPr lang="en-GB" dirty="0">
                 <a:solidFill>
                   <a:schemeClr val="tx1"/>
                 </a:solidFill>
@@ -37873,7 +38259,7 @@
               <a:t> </a:t>
             </a:r>
             <a:r>
-              <a:rPr lang="el-GR" b="1" dirty="0" smtClean="0">
+              <a:rPr lang="el-GR" b="1" dirty="0">
                 <a:solidFill>
                   <a:schemeClr val="tx1"/>
                 </a:solidFill>
@@ -37881,7 +38267,7 @@
               <a:t>θ</a:t>
             </a:r>
             <a:r>
-              <a:rPr lang="en-GB" dirty="0" smtClean="0">
+              <a:rPr lang="en-GB" dirty="0">
                 <a:solidFill>
                   <a:schemeClr val="tx1"/>
                 </a:solidFill>
@@ -37899,7 +38285,7 @@
           </a:p>
           <a:p>
             <a:pPr lvl="1"/>
-            <a:endParaRPr lang="en-GB" dirty="0" smtClean="0">
+            <a:endParaRPr lang="en-GB" dirty="0">
               <a:solidFill>
                 <a:schemeClr val="tx1"/>
               </a:solidFill>
@@ -37915,7 +38301,7 @@
           </a:p>
           <a:p>
             <a:pPr lvl="1"/>
-            <a:endParaRPr lang="en-GB" dirty="0" smtClean="0">
+            <a:endParaRPr lang="en-GB" dirty="0">
               <a:solidFill>
                 <a:schemeClr val="tx1"/>
               </a:solidFill>
@@ -37931,7 +38317,7 @@
           </a:p>
           <a:p>
             <a:pPr lvl="1"/>
-            <a:endParaRPr lang="en-GB" dirty="0" smtClean="0">
+            <a:endParaRPr lang="en-GB" dirty="0">
               <a:solidFill>
                 <a:schemeClr val="tx1"/>
               </a:solidFill>
@@ -37940,7 +38326,7 @@
           <a:p>
             <a:pPr lvl="1"/>
             <a:r>
-              <a:rPr lang="en-GB" dirty="0" smtClean="0"/>
+              <a:rPr lang="en-GB" dirty="0"/>
               <a:t>Use the chain rule of gradients</a:t>
             </a:r>
           </a:p>
@@ -38242,7 +38628,7 @@
             <a:graphicData uri="http://schemas.openxmlformats.org/presentationml/2006/ole">
               <mc:AlternateContent xmlns:mc="http://schemas.openxmlformats.org/markup-compatibility/2006">
                 <mc:Choice xmlns:v="urn:schemas-microsoft-com:vml" Requires="v">
-                  <p:oleObj spid="_x0000_s77094" name="Equation" r:id="rId4" imgW="2869920" imgH="291960" progId="Equation.3">
+                  <p:oleObj spid="_x0000_s77178" name="Equation" r:id="rId4" imgW="2869920" imgH="291960" progId="Equation.3">
                     <p:embed/>
                   </p:oleObj>
                 </mc:Choice>
@@ -38296,7 +38682,7 @@
           <a:graphicData uri="http://schemas.openxmlformats.org/presentationml/2006/ole">
             <mc:AlternateContent xmlns:mc="http://schemas.openxmlformats.org/markup-compatibility/2006">
               <mc:Choice xmlns:v="urn:schemas-microsoft-com:vml" Requires="v">
-                <p:oleObj spid="_x0000_s77095" name="Equation" r:id="rId6" imgW="1739880" imgH="507960" progId="Equation.3">
+                <p:oleObj spid="_x0000_s77179" name="Equation" r:id="rId6" imgW="1739880" imgH="507960" progId="Equation.3">
                   <p:embed/>
                 </p:oleObj>
               </mc:Choice>
@@ -38349,7 +38735,7 @@
           <a:graphicData uri="http://schemas.openxmlformats.org/presentationml/2006/ole">
             <mc:AlternateContent xmlns:mc="http://schemas.openxmlformats.org/markup-compatibility/2006">
               <mc:Choice xmlns:v="urn:schemas-microsoft-com:vml" Requires="v">
-                <p:oleObj spid="_x0000_s77096" name="Equation" r:id="rId8" imgW="1752480" imgH="393480" progId="Equation.3">
+                <p:oleObj spid="_x0000_s77180" name="Equation" r:id="rId8" imgW="1752480" imgH="393480" progId="Equation.3">
                   <p:embed/>
                 </p:oleObj>
               </mc:Choice>
@@ -38523,7 +38909,7 @@
             <a:graphicData uri="http://schemas.openxmlformats.org/presentationml/2006/ole">
               <mc:AlternateContent xmlns:mc="http://schemas.openxmlformats.org/markup-compatibility/2006">
                 <mc:Choice xmlns:v="urn:schemas-microsoft-com:vml" Requires="v">
-                  <p:oleObj spid="_x0000_s77097" name="Equation" r:id="rId10" imgW="2476440" imgH="393480" progId="Equation.3">
+                  <p:oleObj spid="_x0000_s77181" name="Equation" r:id="rId10" imgW="2476440" imgH="393480" progId="Equation.3">
                     <p:embed/>
                   </p:oleObj>
                 </mc:Choice>
@@ -38977,17 +39363,16 @@
           <a:lstStyle/>
           <a:p>
             <a:r>
-              <a:rPr lang="en-US" dirty="0" smtClean="0"/>
+              <a:rPr lang="en-US" dirty="0"/>
               <a:t>Learning </a:t>
             </a:r>
             <a:br>
-              <a:rPr lang="en-US" dirty="0" smtClean="0"/>
+              <a:rPr lang="en-US" dirty="0"/>
             </a:br>
             <a:r>
-              <a:rPr lang="en-US" dirty="0" smtClean="0"/>
+              <a:rPr lang="en-US" dirty="0"/>
               <a:t>neural language models</a:t>
             </a:r>
-            <a:endParaRPr lang="en-US" dirty="0"/>
           </a:p>
         </p:txBody>
       </p:sp>
@@ -39018,7 +39403,7 @@
               <a:buAutoNum type="arabicPeriod"/>
             </a:pPr>
             <a:r>
-              <a:rPr lang="en-US" sz="2400" dirty="0" smtClean="0">
+              <a:rPr lang="en-US" sz="2400" dirty="0">
                 <a:solidFill>
                   <a:schemeClr val="bg1">
                     <a:lumMod val="50000"/>
@@ -39038,24 +39423,13 @@
               <a:t>word </a:t>
             </a:r>
             <a:r>
-              <a:rPr lang="en-US" sz="2400" b="1" dirty="0" err="1" smtClean="0">
+              <a:rPr lang="en-US" sz="2400" b="1" dirty="0" err="1">
                 <a:solidFill>
                   <a:schemeClr val="accent5"/>
                 </a:solidFill>
                 <a:latin typeface="+mj-lt"/>
               </a:rPr>
               <a:t>embeddings</a:t>
-            </a:r>
-            <a:r>
-              <a:rPr lang="en-US" sz="2400" dirty="0" smtClean="0">
-                <a:solidFill>
-                  <a:schemeClr val="bg1">
-                    <a:lumMod val="50000"/>
-                  </a:schemeClr>
-                </a:solidFill>
-                <a:latin typeface="+mj-lt"/>
-              </a:rPr>
-              <a:t> and </a:t>
             </a:r>
             <a:r>
               <a:rPr lang="en-US" sz="2400" dirty="0">
@@ -39066,7 +39440,7 @@
                 </a:solidFill>
                 <a:latin typeface="+mj-lt"/>
               </a:rPr>
-              <a:t>through </a:t>
+              <a:t> and through </a:t>
             </a:r>
             <a:r>
               <a:rPr lang="en-US" sz="2400" b="1" dirty="0">
@@ -39611,10 +39985,9 @@
           <a:lstStyle/>
           <a:p>
             <a:r>
-              <a:rPr lang="en-US" dirty="0" smtClean="0"/>
+              <a:rPr lang="en-US" dirty="0"/>
               <a:t>Neural language model</a:t>
             </a:r>
-            <a:endParaRPr lang="en-US" dirty="0"/>
           </a:p>
         </p:txBody>
       </p:sp>
@@ -39636,7 +40009,7 @@
               <a:lstStyle/>
               <a:p>
                 <a:r>
-                  <a:rPr lang="en-US" dirty="0" smtClean="0"/>
+                  <a:rPr lang="en-US" dirty="0"/>
                   <a:t>Model </a:t>
                 </a:r>
                 <a14:m>
@@ -39692,10 +40065,9 @@
                   </m:oMath>
                 </a14:m>
                 <a:r>
-                  <a:rPr lang="en-US" dirty="0" smtClean="0"/>
+                  <a:rPr lang="en-US" dirty="0"/>
                   <a:t> with a neural network </a:t>
                 </a:r>
-                <a:endParaRPr lang="en-US" dirty="0"/>
               </a:p>
             </p:txBody>
           </p:sp>
@@ -40039,10 +40411,9 @@
           <a:lstStyle/>
           <a:p>
             <a:r>
-              <a:rPr lang="en-US" dirty="0" smtClean="0"/>
+              <a:rPr lang="en-US" dirty="0"/>
               <a:t>Why?</a:t>
             </a:r>
-            <a:endParaRPr lang="en-US" dirty="0"/>
           </a:p>
         </p:txBody>
       </p:sp>
@@ -40062,48 +40433,52 @@
           <a:lstStyle/>
           <a:p>
             <a:r>
-              <a:rPr lang="en-US" dirty="0" smtClean="0"/>
+              <a:rPr lang="en-US" dirty="0">
+                <a:highlight>
+                  <a:srgbClr val="FFFF00"/>
+                </a:highlight>
+              </a:rPr>
               <a:t>Potentially generalize to unseen contexts </a:t>
             </a:r>
           </a:p>
           <a:p>
             <a:pPr lvl="1"/>
             <a:r>
-              <a:rPr lang="en-US" dirty="0" smtClean="0"/>
+              <a:rPr lang="en-US" dirty="0"/>
               <a:t>Example: P(“blue” | “the”, “shoes”, “are”)</a:t>
             </a:r>
           </a:p>
           <a:p>
             <a:pPr lvl="1"/>
             <a:r>
-              <a:rPr lang="en-US" dirty="0" smtClean="0"/>
+              <a:rPr lang="en-US" dirty="0"/>
               <a:t>This does not occurs in training corpus but</a:t>
             </a:r>
             <a:br>
-              <a:rPr lang="en-US" dirty="0" smtClean="0"/>
+              <a:rPr lang="en-US" dirty="0"/>
             </a:br>
             <a:r>
-              <a:rPr lang="en-US" dirty="0" smtClean="0"/>
+              <a:rPr lang="en-US" dirty="0"/>
               <a:t>[“the”, ”glasses”, ”are”, “red”] does.</a:t>
             </a:r>
           </a:p>
           <a:p>
             <a:pPr lvl="1"/>
             <a:r>
-              <a:rPr lang="en-US" dirty="0" smtClean="0"/>
+              <a:rPr lang="en-US" dirty="0"/>
               <a:t>If the word representations of “red” and “blue” are similar, then the model can generalize.</a:t>
             </a:r>
           </a:p>
           <a:p>
             <a:r>
-              <a:rPr lang="en-US" dirty="0" smtClean="0"/>
+              <a:rPr lang="en-US" dirty="0"/>
               <a:t>Why are “red” and “blue” similar?</a:t>
             </a:r>
           </a:p>
           <a:p>
             <a:pPr lvl="1"/>
             <a:r>
-              <a:rPr lang="en-US" dirty="0" smtClean="0"/>
+              <a:rPr lang="en-US" dirty="0"/>
               <a:t>Because NN saw “red skirt”, “blue skirt”, “red pen”, ”blue pen”, etc.</a:t>
             </a:r>
           </a:p>
@@ -40384,16 +40759,16 @@
           <a:lstStyle/>
           <a:p>
             <a:r>
-              <a:rPr lang="en-GB" dirty="0"/>
-              <a:t>Word tokens </a:t>
-            </a:r>
-            <a:r>
-              <a:rPr lang="en-GB" dirty="0" smtClean="0"/>
-              <a:t>map to </a:t>
+              <a:rPr lang="en-GB" dirty="0">
+                <a:highlight>
+                  <a:srgbClr val="FFFF00"/>
+                </a:highlight>
+              </a:rPr>
+              <a:t>Word tokens map to vectors in </a:t>
             </a:r>
             <a:r>
               <a:rPr lang="en-GB" dirty="0"/>
-              <a:t>vectors in a </a:t>
+              <a:t>a </a:t>
             </a:r>
             <a:r>
               <a:rPr lang="en-GB" b="1" dirty="0">
@@ -40406,20 +40781,12 @@
           </a:p>
           <a:p>
             <a:r>
-              <a:rPr lang="en-GB" dirty="0"/>
-              <a:t>Conditional word probabilities replaced </a:t>
-            </a:r>
-            <a:r>
-              <a:rPr lang="en-GB" dirty="0" smtClean="0"/>
-              <a:t>by </a:t>
-            </a:r>
-            <a:r>
-              <a:rPr lang="en-GB" b="1" dirty="0" smtClean="0">
-                <a:solidFill>
-                  <a:schemeClr val="tx2"/>
-                </a:solidFill>
+              <a:rPr lang="en-GB" dirty="0">
+                <a:highlight>
+                  <a:srgbClr val="FFFF00"/>
+                </a:highlight>
               </a:rPr>
-              <a:t>normalized </a:t>
+              <a:t>Conditional word probabilities replaced by </a:t>
             </a:r>
             <a:r>
               <a:rPr lang="en-GB" b="1" dirty="0">
@@ -40427,23 +40794,15 @@
                   <a:schemeClr val="tx2"/>
                 </a:solidFill>
               </a:rPr>
-              <a:t>dynamical </a:t>
+              <a:t>normalized dynamical models </a:t>
             </a:r>
             <a:r>
-              <a:rPr lang="en-GB" b="1" dirty="0" smtClean="0">
-                <a:solidFill>
-                  <a:schemeClr val="tx2"/>
-                </a:solidFill>
+              <a:rPr lang="en-GB" dirty="0">
+                <a:highlight>
+                  <a:srgbClr val="FFFF00"/>
+                </a:highlight>
               </a:rPr>
-              <a:t>models </a:t>
-            </a:r>
-            <a:r>
-              <a:rPr lang="en-GB" dirty="0" smtClean="0"/>
-              <a:t>on </a:t>
-            </a:r>
-            <a:r>
-              <a:rPr lang="en-GB" dirty="0"/>
-              <a:t>vectors of </a:t>
+              <a:t>on vectors of </a:t>
             </a:r>
             <a:r>
               <a:rPr lang="en-GB" b="1" dirty="0">
@@ -40477,7 +40836,11 @@
               <a:t>Vector-space representation </a:t>
             </a:r>
             <a:r>
-              <a:rPr lang="en-GB" dirty="0"/>
+              <a:rPr lang="en-GB" dirty="0">
+                <a:highlight>
+                  <a:srgbClr val="FFFF00"/>
+                </a:highlight>
+              </a:rPr>
               <a:t>enables semantic/syntactic </a:t>
             </a:r>
             <a:r>
@@ -40497,7 +40860,11 @@
               <a:t> </a:t>
             </a:r>
             <a:r>
-              <a:rPr lang="en-GB" dirty="0"/>
+              <a:rPr lang="en-GB" dirty="0">
+                <a:highlight>
+                  <a:srgbClr val="FFFF00"/>
+                </a:highlight>
+              </a:rPr>
               <a:t>between words/sentences</a:t>
             </a:r>
           </a:p>
@@ -40505,15 +40872,7 @@
             <a:pPr lvl="1"/>
             <a:r>
               <a:rPr lang="en-GB" dirty="0"/>
-              <a:t>Use cosine similarity </a:t>
-            </a:r>
-            <a:r>
-              <a:rPr lang="en-GB" dirty="0" smtClean="0"/>
-              <a:t>can measure </a:t>
-            </a:r>
-            <a:r>
-              <a:rPr lang="en-GB" dirty="0"/>
-              <a:t>word similarity</a:t>
+              <a:t>Use cosine similarity can measure word similarity</a:t>
             </a:r>
           </a:p>
           <a:p>
@@ -40527,11 +40886,7 @@
             <a:pPr lvl="1"/>
             <a:r>
               <a:rPr lang="en-GB" dirty="0"/>
-              <a:t>Algebra on words: {king} – {man} + {woman} = {queen</a:t>
-            </a:r>
-            <a:r>
-              <a:rPr lang="en-GB" dirty="0" smtClean="0"/>
-              <a:t>}</a:t>
+              <a:t>Algebra on words: {king} – {man} + {woman} = {queen}</a:t>
             </a:r>
             <a:endParaRPr lang="en-GB" sz="1200" dirty="0"/>
           </a:p>
@@ -40864,10 +41219,9 @@
           <a:lstStyle/>
           <a:p>
             <a:r>
-              <a:rPr lang="en-GB" dirty="0" smtClean="0"/>
+              <a:rPr lang="en-GB" dirty="0"/>
               <a:t>Vector-space representation of words</a:t>
             </a:r>
-            <a:endParaRPr lang="en-GB" dirty="0"/>
           </a:p>
         </p:txBody>
       </p:sp>
@@ -40916,7 +41270,7 @@
           <a:graphicData uri="http://schemas.openxmlformats.org/presentationml/2006/ole">
             <mc:AlternateContent xmlns:mc="http://schemas.openxmlformats.org/markup-compatibility/2006">
               <mc:Choice xmlns:v="urn:schemas-microsoft-com:vml" Requires="v">
-                <p:oleObj spid="_x0000_s71974" name="Equation" r:id="rId3" imgW="190440" imgH="228600" progId="Equation.3">
+                <p:oleObj spid="_x0000_s72058" name="Equation" r:id="rId3" imgW="190440" imgH="228600" progId="Equation.3">
                   <p:embed/>
                 </p:oleObj>
               </mc:Choice>
@@ -41063,7 +41417,7 @@
         </p:nvSpPr>
         <p:spPr>
           <a:xfrm>
-            <a:off x="1215328" y="2139285"/>
+            <a:off x="1270163" y="2183860"/>
             <a:ext cx="2926603" cy="993011"/>
           </a:xfrm>
           <a:prstGeom prst="rect">
@@ -41382,33 +41736,21 @@
                 <a:solidFill>
                   <a:schemeClr val="tx1"/>
                 </a:solidFill>
+                <a:highlight>
+                  <a:srgbClr val="FFFF00"/>
+                </a:highlight>
                 <a:latin typeface="+mj-lt"/>
               </a:rPr>
-              <a:t>representation </a:t>
-            </a:r>
-            <a:r>
-              <a:rPr lang="en-GB" dirty="0" smtClean="0">
-                <a:solidFill>
-                  <a:schemeClr val="tx1"/>
-                </a:solidFill>
-                <a:latin typeface="+mj-lt"/>
-              </a:rPr>
-              <a:t>of </a:t>
-            </a:r>
-            <a:r>
-              <a:rPr lang="en-GB" dirty="0">
-                <a:solidFill>
-                  <a:schemeClr val="tx1"/>
-                </a:solidFill>
-                <a:latin typeface="+mj-lt"/>
-              </a:rPr>
-              <a:t>a word token at position </a:t>
+              <a:t>representation of a word token at position </a:t>
             </a:r>
             <a:r>
               <a:rPr lang="en-GB" i="1" dirty="0">
                 <a:solidFill>
                   <a:schemeClr val="tx1"/>
                 </a:solidFill>
+                <a:highlight>
+                  <a:srgbClr val="FFFF00"/>
+                </a:highlight>
                 <a:latin typeface="+mj-lt"/>
               </a:rPr>
               <a:t>t</a:t>
@@ -41418,18 +41760,12 @@
                 <a:solidFill>
                   <a:schemeClr val="tx1"/>
                 </a:solidFill>
+                <a:highlight>
+                  <a:srgbClr val="FFFF00"/>
+                </a:highlight>
                 <a:latin typeface="+mj-lt"/>
               </a:rPr>
-              <a:t> </a:t>
-            </a:r>
-            <a:r>
-              <a:rPr lang="en-GB" dirty="0" smtClean="0">
-                <a:solidFill>
-                  <a:schemeClr val="tx1"/>
-                </a:solidFill>
-                <a:latin typeface="+mj-lt"/>
-              </a:rPr>
-              <a:t>in </a:t>
+              <a:t> in the text corpus</a:t>
             </a:r>
             <a:r>
               <a:rPr lang="en-GB" dirty="0">
@@ -41438,16 +41774,7 @@
                 </a:solidFill>
                 <a:latin typeface="+mj-lt"/>
               </a:rPr>
-              <a:t>the text corpus, </a:t>
-            </a:r>
-            <a:r>
-              <a:rPr lang="en-GB" dirty="0" smtClean="0">
-                <a:solidFill>
-                  <a:schemeClr val="tx1"/>
-                </a:solidFill>
-                <a:latin typeface="+mj-lt"/>
-              </a:rPr>
-              <a:t>with </a:t>
+              <a:t>, with </a:t>
             </a:r>
             <a:r>
               <a:rPr lang="en-GB" b="1" dirty="0">
@@ -41688,7 +42015,7 @@
             <a:graphicData uri="http://schemas.openxmlformats.org/presentationml/2006/ole">
               <mc:AlternateContent xmlns:mc="http://schemas.openxmlformats.org/markup-compatibility/2006">
                 <mc:Choice xmlns:v="urn:schemas-microsoft-com:vml" Requires="v">
-                  <p:oleObj spid="_x0000_s71975" name="Equation" r:id="rId5" imgW="164880" imgH="228600" progId="Equation.3">
+                  <p:oleObj spid="_x0000_s72059" name="Equation" r:id="rId5" imgW="164880" imgH="228600" progId="Equation.3">
                     <p:embed/>
                   </p:oleObj>
                 </mc:Choice>
@@ -42298,15 +42625,6 @@
                 </a:rPr>
                 <a:t>Vector-space representation </a:t>
               </a:r>
-              <a:r>
-                <a:rPr lang="en-GB" dirty="0">
-                  <a:solidFill>
-                    <a:schemeClr val="tx1"/>
-                  </a:solidFill>
-                  <a:latin typeface="+mj-lt"/>
-                </a:rPr>
-                <a:t/>
-              </a:r>
               <a:br>
                 <a:rPr lang="en-GB" dirty="0">
                   <a:solidFill>
@@ -42320,6 +42638,9 @@
                   <a:solidFill>
                     <a:schemeClr val="tx1"/>
                   </a:solidFill>
+                  <a:highlight>
+                    <a:srgbClr val="FFFF00"/>
+                  </a:highlight>
                   <a:latin typeface="+mj-lt"/>
                 </a:rPr>
                 <a:t>of any word </a:t>
@@ -42329,6 +42650,9 @@
                   <a:solidFill>
                     <a:schemeClr val="tx1"/>
                   </a:solidFill>
+                  <a:highlight>
+                    <a:srgbClr val="FFFF00"/>
+                  </a:highlight>
                   <a:latin typeface="+mj-lt"/>
                 </a:rPr>
                 <a:t>v</a:t>
@@ -42338,45 +42662,12 @@
                   <a:solidFill>
                     <a:schemeClr val="tx1"/>
                   </a:solidFill>
+                  <a:highlight>
+                    <a:srgbClr val="FFFF00"/>
+                  </a:highlight>
                   <a:latin typeface="+mj-lt"/>
                 </a:rPr>
-                <a:t> </a:t>
-              </a:r>
-              <a:r>
-                <a:rPr lang="en-GB" dirty="0" smtClean="0">
-                  <a:solidFill>
-                    <a:schemeClr val="tx1"/>
-                  </a:solidFill>
-                  <a:latin typeface="+mj-lt"/>
-                </a:rPr>
-                <a:t>in </a:t>
-              </a:r>
-              <a:r>
-                <a:rPr lang="en-GB" dirty="0">
-                  <a:solidFill>
-                    <a:schemeClr val="tx1"/>
-                  </a:solidFill>
-                  <a:latin typeface="+mj-lt"/>
-                </a:rPr>
-                <a:t>the </a:t>
-              </a:r>
-              <a:r>
-                <a:rPr lang="en-GB" dirty="0" smtClean="0">
-                  <a:solidFill>
-                    <a:schemeClr val="tx1"/>
-                  </a:solidFill>
-                  <a:latin typeface="+mj-lt"/>
-                </a:rPr>
-                <a:t>vocabulary using </a:t>
-              </a:r>
-              <a:r>
-                <a:rPr lang="en-GB" dirty="0">
-                  <a:solidFill>
-                    <a:schemeClr val="tx1"/>
-                  </a:solidFill>
-                  <a:latin typeface="+mj-lt"/>
-                </a:rPr>
-                <a:t>a vector of </a:t>
+                <a:t> in the vocabulary using a vector of </a:t>
               </a:r>
               <a:r>
                 <a:rPr lang="en-GB" b="1" dirty="0">
@@ -42405,25 +42696,13 @@
                 <a:rPr lang="en-GB" dirty="0">
                   <a:latin typeface="+mj-lt"/>
                 </a:rPr>
-                <a:t>Also </a:t>
-              </a:r>
-              <a:r>
-                <a:rPr lang="en-GB" dirty="0" smtClean="0">
-                  <a:latin typeface="+mj-lt"/>
-                </a:rPr>
-                <a:t>called </a:t>
-              </a:r>
-              <a:r>
-                <a:rPr lang="en-GB" b="1" dirty="0" smtClean="0">
-                  <a:latin typeface="+mj-lt"/>
-                </a:rPr>
-                <a:t>distributed </a:t>
+                <a:t>Also called </a:t>
               </a:r>
               <a:r>
                 <a:rPr lang="en-GB" b="1" dirty="0">
                   <a:latin typeface="+mj-lt"/>
                 </a:rPr>
-                <a:t>representation</a:t>
+                <a:t>distributed representation</a:t>
               </a:r>
               <a:endParaRPr lang="en-GB" dirty="0">
                 <a:latin typeface="+mj-lt"/>
@@ -42464,7 +42743,7 @@
             <a:graphicData uri="http://schemas.openxmlformats.org/presentationml/2006/ole">
               <mc:AlternateContent xmlns:mc="http://schemas.openxmlformats.org/markup-compatibility/2006">
                 <mc:Choice xmlns:v="urn:schemas-microsoft-com:vml" Requires="v">
-                  <p:oleObj spid="_x0000_s71976" name="Equation" r:id="rId7" imgW="342720" imgH="241200" progId="Equation.3">
+                  <p:oleObj spid="_x0000_s72060" name="Equation" r:id="rId7" imgW="342720" imgH="241200" progId="Equation.3">
                     <p:embed/>
                   </p:oleObj>
                 </mc:Choice>
@@ -43292,15 +43571,6 @@
                 </a:rPr>
                 <a:t>Vector-space representation </a:t>
               </a:r>
-              <a:r>
-                <a:rPr lang="en-GB" dirty="0">
-                  <a:solidFill>
-                    <a:schemeClr val="tx1"/>
-                  </a:solidFill>
-                  <a:latin typeface="+mj-lt"/>
-                </a:rPr>
-                <a:t/>
-              </a:r>
               <a:br>
                 <a:rPr lang="en-GB" dirty="0">
                   <a:solidFill>
@@ -43314,6 +43584,9 @@
                   <a:solidFill>
                     <a:schemeClr val="tx1"/>
                   </a:solidFill>
+                  <a:highlight>
+                    <a:srgbClr val="FFFF00"/>
+                  </a:highlight>
                   <a:latin typeface="+mj-lt"/>
                 </a:rPr>
                 <a:t>of the </a:t>
@@ -43323,6 +43596,9 @@
                   <a:solidFill>
                     <a:schemeClr val="tx2"/>
                   </a:solidFill>
+                  <a:highlight>
+                    <a:srgbClr val="FFFF00"/>
+                  </a:highlight>
                   <a:latin typeface="+mj-lt"/>
                 </a:rPr>
                 <a:t>t</a:t>
@@ -43332,6 +43608,9 @@
                   <a:solidFill>
                     <a:schemeClr val="tx2"/>
                   </a:solidFill>
+                  <a:highlight>
+                    <a:srgbClr val="FFFF00"/>
+                  </a:highlight>
                   <a:latin typeface="+mj-lt"/>
                 </a:rPr>
                 <a:t>th</a:t>
@@ -43341,33 +43620,21 @@
                   <a:solidFill>
                     <a:schemeClr val="tx2"/>
                   </a:solidFill>
+                  <a:highlight>
+                    <a:srgbClr val="FFFF00"/>
+                  </a:highlight>
                   <a:latin typeface="+mj-lt"/>
                 </a:rPr>
-                <a:t> </a:t>
-              </a:r>
-              <a:r>
-                <a:rPr lang="en-GB" b="1" dirty="0" smtClean="0">
-                  <a:solidFill>
-                    <a:schemeClr val="tx2"/>
-                  </a:solidFill>
-                  <a:latin typeface="+mj-lt"/>
-                </a:rPr>
-                <a:t>word’s </a:t>
-              </a:r>
-              <a:r>
-                <a:rPr lang="en-GB" b="1" dirty="0">
-                  <a:solidFill>
-                    <a:schemeClr val="tx2"/>
-                  </a:solidFill>
-                  <a:latin typeface="+mj-lt"/>
-                </a:rPr>
-                <a:t>history</a:t>
+                <a:t> word’s history</a:t>
               </a:r>
               <a:r>
                 <a:rPr lang="en-GB" dirty="0">
                   <a:solidFill>
                     <a:schemeClr val="tx1"/>
                   </a:solidFill>
+                  <a:highlight>
+                    <a:srgbClr val="FFFF00"/>
+                  </a:highlight>
                   <a:latin typeface="+mj-lt"/>
                 </a:rPr>
                 <a:t>:</a:t>
@@ -43377,6 +43644,9 @@
                   <a:solidFill>
                     <a:schemeClr val="tx1"/>
                   </a:solidFill>
+                  <a:highlight>
+                    <a:srgbClr val="FFFF00"/>
+                  </a:highlight>
                   <a:latin typeface="+mj-lt"/>
                 </a:rPr>
               </a:br>
@@ -43385,6 +43655,9 @@
                   <a:solidFill>
                     <a:schemeClr val="tx1"/>
                   </a:solidFill>
+                  <a:highlight>
+                    <a:srgbClr val="FFFF00"/>
+                  </a:highlight>
                   <a:latin typeface="+mj-lt"/>
                 </a:rPr>
                 <a:t>e.g., concatenation </a:t>
@@ -43394,6 +43667,9 @@
                   <a:solidFill>
                     <a:schemeClr val="tx1"/>
                   </a:solidFill>
+                  <a:highlight>
+                    <a:srgbClr val="FFFF00"/>
+                  </a:highlight>
                   <a:latin typeface="+mj-lt"/>
                 </a:rPr>
               </a:br>
@@ -43469,7 +43745,7 @@
             <a:graphicData uri="http://schemas.openxmlformats.org/presentationml/2006/ole">
               <mc:AlternateContent xmlns:mc="http://schemas.openxmlformats.org/markup-compatibility/2006">
                 <mc:Choice xmlns:v="urn:schemas-microsoft-com:vml" Requires="v">
-                  <p:oleObj spid="_x0000_s71977" name="Equation" r:id="rId9" imgW="152280" imgH="228600" progId="Equation.3">
+                  <p:oleObj spid="_x0000_s72061" name="Equation" r:id="rId9" imgW="152280" imgH="228600" progId="Equation.3">
                     <p:embed/>
                   </p:oleObj>
                 </mc:Choice>
@@ -43955,15 +44231,6 @@
                 </a:rPr>
                 <a:t>Vector-space representation</a:t>
               </a:r>
-              <a:r>
-                <a:rPr lang="en-GB" dirty="0">
-                  <a:solidFill>
-                    <a:schemeClr val="tx1"/>
-                  </a:solidFill>
-                  <a:latin typeface="+mj-lt"/>
-                </a:rPr>
-                <a:t/>
-              </a:r>
               <a:br>
                 <a:rPr lang="en-GB" dirty="0">
                   <a:solidFill>
@@ -43977,42 +44244,45 @@
                   <a:solidFill>
                     <a:schemeClr val="tx1"/>
                   </a:solidFill>
+                  <a:highlight>
+                    <a:srgbClr val="FFFF00"/>
+                  </a:highlight>
                   <a:latin typeface="+mj-lt"/>
                 </a:rPr>
-                <a:t>of the prediction </a:t>
-              </a:r>
-              <a:r>
-                <a:rPr lang="en-GB" dirty="0" smtClean="0">
-                  <a:solidFill>
-                    <a:schemeClr val="tx1"/>
-                  </a:solidFill>
-                  <a:latin typeface="+mj-lt"/>
-                </a:rPr>
-                <a:t>of </a:t>
+                <a:t>of the prediction of </a:t>
               </a:r>
               <a:r>
                 <a:rPr lang="en-GB" b="1" dirty="0">
                   <a:solidFill>
                     <a:schemeClr val="tx2"/>
                   </a:solidFill>
+                  <a:highlight>
+                    <a:srgbClr val="FFFF00"/>
+                  </a:highlight>
                   <a:latin typeface="+mj-lt"/>
                 </a:rPr>
                 <a:t>target word </a:t>
               </a:r>
               <a:r>
-                <a:rPr lang="en-GB" b="1" i="1" dirty="0" err="1" smtClean="0">
+                <a:rPr lang="en-GB" b="1" i="1" dirty="0" err="1">
                   <a:solidFill>
                     <a:schemeClr val="tx2"/>
                   </a:solidFill>
+                  <a:highlight>
+                    <a:srgbClr val="FFFF00"/>
+                  </a:highlight>
                   <a:latin typeface="+mj-lt"/>
                 </a:rPr>
                 <a:t>w</a:t>
               </a:r>
               <a:r>
-                <a:rPr lang="en-GB" b="1" i="1" baseline="-25000" dirty="0" err="1" smtClean="0">
+                <a:rPr lang="en-GB" b="1" i="1" baseline="-25000" dirty="0" err="1">
                   <a:solidFill>
                     <a:schemeClr val="tx2"/>
                   </a:solidFill>
+                  <a:highlight>
+                    <a:srgbClr val="FFFF00"/>
+                  </a:highlight>
                   <a:latin typeface="+mj-lt"/>
                 </a:rPr>
                 <a:t>t</a:t>
@@ -44022,18 +44292,12 @@
                   <a:solidFill>
                     <a:schemeClr val="tx2"/>
                   </a:solidFill>
+                  <a:highlight>
+                    <a:srgbClr val="FFFF00"/>
+                  </a:highlight>
                   <a:latin typeface="+mj-lt"/>
                 </a:rPr>
                 <a:t> </a:t>
-              </a:r>
-              <a:r>
-                <a:rPr lang="en-GB" dirty="0" smtClean="0">
-                  <a:solidFill>
-                    <a:schemeClr val="tx1"/>
-                  </a:solidFill>
-                  <a:latin typeface="+mj-lt"/>
-                </a:rPr>
-                <a:t>(we </a:t>
               </a:r>
               <a:r>
                 <a:rPr lang="en-GB" dirty="0">
@@ -44042,7 +44306,7 @@
                   </a:solidFill>
                   <a:latin typeface="+mj-lt"/>
                 </a:rPr>
-                <a:t>predict a vector of size </a:t>
+                <a:t>(we predict a vector of size </a:t>
               </a:r>
               <a:r>
                 <a:rPr lang="en-GB" i="1" dirty="0">
@@ -44348,8 +44612,16 @@
           <a:lstStyle/>
           <a:p>
             <a:r>
+              <a:rPr lang="en-GB" sz="2600" dirty="0">
+                <a:highlight>
+                  <a:srgbClr val="FFFF00"/>
+                </a:highlight>
+              </a:rPr>
+              <a:t>Input</a:t>
+            </a:r>
+            <a:r>
               <a:rPr lang="en-GB" sz="2600" dirty="0"/>
-              <a:t>Input:</a:t>
+              <a:t>:</a:t>
             </a:r>
           </a:p>
           <a:p>
@@ -44386,8 +44658,16 @@
           </a:p>
           <a:p>
             <a:r>
+              <a:rPr lang="en-GB" sz="2600" dirty="0">
+                <a:highlight>
+                  <a:srgbClr val="FFFF00"/>
+                </a:highlight>
+              </a:rPr>
+              <a:t>Output</a:t>
+            </a:r>
+            <a:r>
               <a:rPr lang="en-GB" sz="2600" dirty="0"/>
-              <a:t>Output:</a:t>
+              <a:t>:</a:t>
             </a:r>
           </a:p>
           <a:p>
@@ -44444,6 +44724,9 @@
             <a:pPr lvl="1"/>
             <a:r>
               <a:rPr lang="en-GB" dirty="0">
+                <a:highlight>
+                  <a:srgbClr val="FFFF00"/>
+                </a:highlight>
                 <a:ea typeface="Times" charset="0"/>
                 <a:cs typeface="Times" charset="0"/>
               </a:rPr>
@@ -44454,6 +44737,9 @@
             <a:pPr lvl="1"/>
             <a:r>
               <a:rPr lang="en-GB" dirty="0">
+                <a:highlight>
+                  <a:srgbClr val="FFFF00"/>
+                </a:highlight>
                 <a:ea typeface="Times" charset="0"/>
                 <a:cs typeface="Times" charset="0"/>
               </a:rPr>
@@ -44463,6 +44749,9 @@
               <a:solidFill>
                 <a:schemeClr val="accent1"/>
               </a:solidFill>
+              <a:highlight>
+                <a:srgbClr val="FFFF00"/>
+              </a:highlight>
               <a:ea typeface="Times" charset="0"/>
               <a:cs typeface="Times" charset="0"/>
             </a:endParaRPr>
@@ -44471,6 +44760,9 @@
             <a:pPr lvl="1"/>
             <a:r>
               <a:rPr lang="en-GB" dirty="0">
+                <a:highlight>
+                  <a:srgbClr val="FFFF00"/>
+                </a:highlight>
                 <a:ea typeface="Times" charset="0"/>
                 <a:cs typeface="Times" charset="0"/>
               </a:rPr>
@@ -44481,6 +44773,9 @@
             <a:pPr lvl="1"/>
             <a:r>
               <a:rPr lang="en-GB" dirty="0">
+                <a:highlight>
+                  <a:srgbClr val="FFFF00"/>
+                </a:highlight>
                 <a:ea typeface="Times" charset="0"/>
                 <a:cs typeface="Times" charset="0"/>
               </a:rPr>
@@ -44491,6 +44786,9 @@
             <a:pPr lvl="1"/>
             <a:r>
               <a:rPr lang="en-GB" dirty="0">
+                <a:highlight>
+                  <a:srgbClr val="FFFF00"/>
+                </a:highlight>
                 <a:ea typeface="Times" charset="0"/>
                 <a:cs typeface="Times" charset="0"/>
               </a:rPr>
@@ -45120,10 +45418,9 @@
           <a:lstStyle/>
           <a:p>
             <a:r>
-              <a:rPr lang="en-GB" dirty="0" smtClean="0"/>
+              <a:rPr lang="en-GB" dirty="0"/>
               <a:t>Learning continuous space language models</a:t>
             </a:r>
-            <a:endParaRPr lang="en-GB" dirty="0"/>
           </a:p>
         </p:txBody>
       </p:sp>
@@ -45168,7 +45465,11 @@
           <a:lstStyle/>
           <a:p>
             <a:r>
-              <a:rPr lang="en-GB" dirty="0"/>
+              <a:rPr lang="en-GB" dirty="0">
+                <a:highlight>
+                  <a:srgbClr val="FFFF00"/>
+                </a:highlight>
+              </a:rPr>
               <a:t>How do we </a:t>
             </a:r>
             <a:r>
@@ -45188,15 +45489,15 @@
               <a:t> </a:t>
             </a:r>
             <a:r>
-              <a:rPr lang="en-GB" dirty="0" smtClean="0"/>
-              <a:t>for </a:t>
+              <a:rPr lang="en-GB" dirty="0">
+                <a:highlight>
+                  <a:srgbClr val="FFFF00"/>
+                </a:highlight>
+              </a:rPr>
+              <a:t>for each word in the vocabulary</a:t>
             </a:r>
             <a:r>
               <a:rPr lang="en-GB" dirty="0"/>
-              <a:t>each word in the vocabulary</a:t>
-            </a:r>
-            <a:r>
-              <a:rPr lang="en-GB" dirty="0" smtClean="0"/>
               <a:t>?</a:t>
             </a:r>
           </a:p>
@@ -45205,44 +45506,56 @@
           </a:p>
           <a:p>
             <a:r>
-              <a:rPr lang="en-GB" dirty="0"/>
+              <a:rPr lang="en-GB" dirty="0">
+                <a:highlight>
+                  <a:srgbClr val="FFFF00"/>
+                </a:highlight>
+              </a:rPr>
               <a:t>How do we </a:t>
             </a:r>
             <a:r>
-              <a:rPr lang="en-GB" b="1" dirty="0"/>
+              <a:rPr lang="en-GB" b="1" dirty="0">
+                <a:highlight>
+                  <a:srgbClr val="FFFF00"/>
+                </a:highlight>
+              </a:rPr>
               <a:t>learn the model </a:t>
             </a:r>
             <a:r>
-              <a:rPr lang="en-GB" dirty="0"/>
-              <a:t>that predicts </a:t>
+              <a:rPr lang="en-GB" dirty="0">
+                <a:highlight>
+                  <a:srgbClr val="FFFF00"/>
+                </a:highlight>
+              </a:rPr>
+              <a:t>that predicts the next word or its representation </a:t>
             </a:r>
             <a:r>
-              <a:rPr lang="en-GB" dirty="0" smtClean="0"/>
-              <a:t>the </a:t>
+              <a:rPr lang="en-GB" dirty="0" err="1">
+                <a:highlight>
+                  <a:srgbClr val="FFFF00"/>
+                </a:highlight>
+              </a:rPr>
+              <a:t>ẑ</a:t>
+            </a:r>
+            <a:r>
+              <a:rPr lang="en-GB" i="1" baseline="-25000" dirty="0" err="1">
+                <a:highlight>
+                  <a:srgbClr val="FFFF00"/>
+                </a:highlight>
+              </a:rPr>
+              <a:t>t</a:t>
+            </a:r>
+            <a:r>
+              <a:rPr lang="en-GB" dirty="0">
+                <a:highlight>
+                  <a:srgbClr val="FFFF00"/>
+                </a:highlight>
+              </a:rPr>
+              <a:t> given a word history</a:t>
             </a:r>
             <a:r>
               <a:rPr lang="en-GB" dirty="0"/>
-              <a:t>next word or </a:t>
-            </a:r>
-            <a:r>
-              <a:rPr lang="en-GB" dirty="0" smtClean="0"/>
-              <a:t>its representation </a:t>
-            </a:r>
-            <a:r>
-              <a:rPr lang="en-GB" dirty="0" err="1" smtClean="0"/>
-              <a:t>ẑ</a:t>
-            </a:r>
-            <a:r>
-              <a:rPr lang="en-GB" i="1" baseline="-25000" dirty="0" err="1" smtClean="0"/>
-              <a:t>t</a:t>
-            </a:r>
-            <a:r>
-              <a:rPr lang="en-GB" dirty="0" smtClean="0"/>
-              <a:t> given </a:t>
-            </a:r>
-            <a:r>
-              <a:rPr lang="en-GB" dirty="0"/>
-              <a:t>a word history?</a:t>
+              <a:t>?</a:t>
             </a:r>
           </a:p>
           <a:p>
@@ -45259,25 +45572,16 @@
             </a:r>
             <a:r>
               <a:rPr lang="en-GB" dirty="0"/>
-              <a:t> </a:t>
+              <a:t> and </a:t>
             </a:r>
             <a:r>
-              <a:rPr lang="en-GB" dirty="0" smtClean="0"/>
-              <a:t>and </a:t>
-            </a:r>
-            <a:r>
-              <a:rPr lang="en-GB" b="1" dirty="0" smtClean="0">
+              <a:rPr lang="en-GB" b="1" dirty="0">
                 <a:solidFill>
                   <a:schemeClr val="accent5"/>
                 </a:solidFill>
               </a:rPr>
               <a:t>representation</a:t>
             </a:r>
-            <a:endParaRPr lang="en-GB" b="1" dirty="0">
-              <a:solidFill>
-                <a:schemeClr val="accent5"/>
-              </a:solidFill>
-            </a:endParaRPr>
           </a:p>
         </p:txBody>
       </p:sp>
